--- a/BEMT_results/VFS performance validation.pptx
+++ b/BEMT_results/VFS performance validation.pptx
@@ -161,7 +161,7 @@
   <pc:docChgLst>
     <pc:chgData name="Ritwik Shankar" userId="e2be679c-d84c-4102-934b-c8025a445f68" providerId="ADAL" clId="{248CDB21-9E84-42A9-9BBC-6B7688573ACB}"/>
     <pc:docChg chg="undo redo custSel addSld delSld modSld sldOrd">
-      <pc:chgData name="Ritwik Shankar" userId="e2be679c-d84c-4102-934b-c8025a445f68" providerId="ADAL" clId="{248CDB21-9E84-42A9-9BBC-6B7688573ACB}" dt="2025-04-07T07:05:56.463" v="3292" actId="20577"/>
+      <pc:chgData name="Ritwik Shankar" userId="e2be679c-d84c-4102-934b-c8025a445f68" providerId="ADAL" clId="{248CDB21-9E84-42A9-9BBC-6B7688573ACB}" dt="2025-04-09T18:15:29.988" v="3879" actId="20577"/>
       <pc:docMkLst>
         <pc:docMk/>
       </pc:docMkLst>
@@ -272,7 +272,7 @@
         </pc:sldMkLst>
       </pc:sldChg>
       <pc:sldChg chg="addSp delSp modSp new mod ord">
-        <pc:chgData name="Ritwik Shankar" userId="e2be679c-d84c-4102-934b-c8025a445f68" providerId="ADAL" clId="{248CDB21-9E84-42A9-9BBC-6B7688573ACB}" dt="2025-04-07T07:05:56.463" v="3292" actId="20577"/>
+        <pc:chgData name="Ritwik Shankar" userId="e2be679c-d84c-4102-934b-c8025a445f68" providerId="ADAL" clId="{248CDB21-9E84-42A9-9BBC-6B7688573ACB}" dt="2025-04-09T18:00:49.021" v="3519" actId="20577"/>
         <pc:sldMkLst>
           <pc:docMk/>
           <pc:sldMk cId="3566142916" sldId="261"/>
@@ -294,7 +294,7 @@
           </ac:spMkLst>
         </pc:spChg>
         <pc:graphicFrameChg chg="add mod modGraphic">
-          <ac:chgData name="Ritwik Shankar" userId="e2be679c-d84c-4102-934b-c8025a445f68" providerId="ADAL" clId="{248CDB21-9E84-42A9-9BBC-6B7688573ACB}" dt="2025-04-07T07:05:56.463" v="3292" actId="20577"/>
+          <ac:chgData name="Ritwik Shankar" userId="e2be679c-d84c-4102-934b-c8025a445f68" providerId="ADAL" clId="{248CDB21-9E84-42A9-9BBC-6B7688573ACB}" dt="2025-04-09T18:00:49.021" v="3519" actId="20577"/>
           <ac:graphicFrameMkLst>
             <pc:docMk/>
             <pc:sldMk cId="3566142916" sldId="261"/>
@@ -404,22 +404,6 @@
             <ac:spMk id="4" creationId="{1B6B47A5-4AA8-F30C-B517-C98BDBBA1F7C}"/>
           </ac:spMkLst>
         </pc:spChg>
-        <pc:spChg chg="add del">
-          <ac:chgData name="Ritwik Shankar" userId="e2be679c-d84c-4102-934b-c8025a445f68" providerId="ADAL" clId="{248CDB21-9E84-42A9-9BBC-6B7688573ACB}" dt="2025-04-07T03:20:19.567" v="973" actId="26606"/>
-          <ac:spMkLst>
-            <pc:docMk/>
-            <pc:sldMk cId="2055147032" sldId="269"/>
-            <ac:spMk id="8" creationId="{2ABBB681-F4D2-40F2-ACC3-DE0B4B4880EF}"/>
-          </ac:spMkLst>
-        </pc:spChg>
-        <pc:spChg chg="add del">
-          <ac:chgData name="Ritwik Shankar" userId="e2be679c-d84c-4102-934b-c8025a445f68" providerId="ADAL" clId="{248CDB21-9E84-42A9-9BBC-6B7688573ACB}" dt="2025-04-07T03:20:19.567" v="973" actId="26606"/>
-          <ac:spMkLst>
-            <pc:docMk/>
-            <pc:sldMk cId="2055147032" sldId="269"/>
-            <ac:spMk id="10" creationId="{09388ED0-1FEF-4E11-B488-BD661D1AC1A6}"/>
-          </ac:spMkLst>
-        </pc:spChg>
         <pc:spChg chg="add">
           <ac:chgData name="Ritwik Shankar" userId="e2be679c-d84c-4102-934b-c8025a445f68" providerId="ADAL" clId="{248CDB21-9E84-42A9-9BBC-6B7688573ACB}" dt="2025-04-07T03:20:19.567" v="973" actId="26606"/>
           <ac:spMkLst>
@@ -460,22 +444,6 @@
             <ac:spMk id="23" creationId="{027ADCA0-A066-4B16-8E1F-3C2483947B72}"/>
           </ac:spMkLst>
         </pc:spChg>
-        <pc:picChg chg="add del mod ord">
-          <ac:chgData name="Ritwik Shankar" userId="e2be679c-d84c-4102-934b-c8025a445f68" providerId="ADAL" clId="{248CDB21-9E84-42A9-9BBC-6B7688573ACB}" dt="2025-04-07T05:12:49.439" v="1265" actId="478"/>
-          <ac:picMkLst>
-            <pc:docMk/>
-            <pc:sldMk cId="2055147032" sldId="269"/>
-            <ac:picMk id="3" creationId="{E8254D04-1719-E874-FF55-09001F61EF4A}"/>
-          </ac:picMkLst>
-        </pc:picChg>
-        <pc:picChg chg="add del mod">
-          <ac:chgData name="Ritwik Shankar" userId="e2be679c-d84c-4102-934b-c8025a445f68" providerId="ADAL" clId="{248CDB21-9E84-42A9-9BBC-6B7688573ACB}" dt="2025-04-07T05:13:30.359" v="1283" actId="478"/>
-          <ac:picMkLst>
-            <pc:docMk/>
-            <pc:sldMk cId="2055147032" sldId="269"/>
-            <ac:picMk id="6" creationId="{AF7B64B0-7231-F1A4-8DAC-B53A57CC6D15}"/>
-          </ac:picMkLst>
-        </pc:picChg>
         <pc:picChg chg="add mod">
           <ac:chgData name="Ritwik Shankar" userId="e2be679c-d84c-4102-934b-c8025a445f68" providerId="ADAL" clId="{248CDB21-9E84-42A9-9BBC-6B7688573ACB}" dt="2025-04-07T05:13:35.272" v="1286" actId="1076"/>
           <ac:picMkLst>
@@ -505,46 +473,6 @@
             <pc:docMk/>
             <pc:sldMk cId="2348458517" sldId="270"/>
             <ac:spMk id="12" creationId="{7A16DAF6-4CAE-F809-6D14-D4E77E3DEC70}"/>
-          </ac:spMkLst>
-        </pc:spChg>
-        <pc:spChg chg="del">
-          <ac:chgData name="Ritwik Shankar" userId="e2be679c-d84c-4102-934b-c8025a445f68" providerId="ADAL" clId="{248CDB21-9E84-42A9-9BBC-6B7688573ACB}" dt="2025-04-07T03:20:48.156" v="977" actId="26606"/>
-          <ac:spMkLst>
-            <pc:docMk/>
-            <pc:sldMk cId="2348458517" sldId="270"/>
-            <ac:spMk id="15" creationId="{04E13BFD-12BB-BF97-D55B-417F0BAF5C4B}"/>
-          </ac:spMkLst>
-        </pc:spChg>
-        <pc:spChg chg="del">
-          <ac:chgData name="Ritwik Shankar" userId="e2be679c-d84c-4102-934b-c8025a445f68" providerId="ADAL" clId="{248CDB21-9E84-42A9-9BBC-6B7688573ACB}" dt="2025-04-07T03:20:48.156" v="977" actId="26606"/>
-          <ac:spMkLst>
-            <pc:docMk/>
-            <pc:sldMk cId="2348458517" sldId="270"/>
-            <ac:spMk id="17" creationId="{8686F400-E829-EB2D-4318-88C895600E0C}"/>
-          </ac:spMkLst>
-        </pc:spChg>
-        <pc:spChg chg="del">
-          <ac:chgData name="Ritwik Shankar" userId="e2be679c-d84c-4102-934b-c8025a445f68" providerId="ADAL" clId="{248CDB21-9E84-42A9-9BBC-6B7688573ACB}" dt="2025-04-07T03:20:48.156" v="977" actId="26606"/>
-          <ac:spMkLst>
-            <pc:docMk/>
-            <pc:sldMk cId="2348458517" sldId="270"/>
-            <ac:spMk id="19" creationId="{C67B0A51-5058-EBEA-FEFC-1DD323B9D2F4}"/>
-          </ac:spMkLst>
-        </pc:spChg>
-        <pc:spChg chg="del">
-          <ac:chgData name="Ritwik Shankar" userId="e2be679c-d84c-4102-934b-c8025a445f68" providerId="ADAL" clId="{248CDB21-9E84-42A9-9BBC-6B7688573ACB}" dt="2025-04-07T03:20:48.156" v="977" actId="26606"/>
-          <ac:spMkLst>
-            <pc:docMk/>
-            <pc:sldMk cId="2348458517" sldId="270"/>
-            <ac:spMk id="21" creationId="{8A12407E-4599-29D1-27A6-5DFBA6EB3E9C}"/>
-          </ac:spMkLst>
-        </pc:spChg>
-        <pc:spChg chg="del">
-          <ac:chgData name="Ritwik Shankar" userId="e2be679c-d84c-4102-934b-c8025a445f68" providerId="ADAL" clId="{248CDB21-9E84-42A9-9BBC-6B7688573ACB}" dt="2025-04-07T03:20:48.156" v="977" actId="26606"/>
-          <ac:spMkLst>
-            <pc:docMk/>
-            <pc:sldMk cId="2348458517" sldId="270"/>
-            <ac:spMk id="23" creationId="{1D864C0C-3577-8138-F430-DDB01B3D36D7}"/>
           </ac:spMkLst>
         </pc:spChg>
         <pc:spChg chg="add">
@@ -658,44 +586,12 @@
             <ac:spMk id="8" creationId="{CB8E2969-9252-36DC-F797-8452B8FDCA45}"/>
           </ac:spMkLst>
         </pc:spChg>
-        <pc:picChg chg="del">
-          <ac:chgData name="Ritwik Shankar" userId="e2be679c-d84c-4102-934b-c8025a445f68" providerId="ADAL" clId="{248CDB21-9E84-42A9-9BBC-6B7688573ACB}" dt="2025-04-07T04:55:42.611" v="1000" actId="478"/>
-          <ac:picMkLst>
-            <pc:docMk/>
-            <pc:sldMk cId="3092350718" sldId="271"/>
-            <ac:picMk id="5" creationId="{D064B132-7270-1E30-A636-2B5491161292}"/>
-          </ac:picMkLst>
-        </pc:picChg>
         <pc:picChg chg="add mod">
           <ac:chgData name="Ritwik Shankar" userId="e2be679c-d84c-4102-934b-c8025a445f68" providerId="ADAL" clId="{248CDB21-9E84-42A9-9BBC-6B7688573ACB}" dt="2025-04-07T04:57:46.419" v="1052" actId="1076"/>
           <ac:picMkLst>
             <pc:docMk/>
             <pc:sldMk cId="3092350718" sldId="271"/>
             <ac:picMk id="6" creationId="{48F5E75C-9F29-FF45-039F-7FE46FC300E6}"/>
-          </ac:picMkLst>
-        </pc:picChg>
-        <pc:picChg chg="del">
-          <ac:chgData name="Ritwik Shankar" userId="e2be679c-d84c-4102-934b-c8025a445f68" providerId="ADAL" clId="{248CDB21-9E84-42A9-9BBC-6B7688573ACB}" dt="2025-04-07T04:55:42.611" v="1000" actId="478"/>
-          <ac:picMkLst>
-            <pc:docMk/>
-            <pc:sldMk cId="3092350718" sldId="271"/>
-            <ac:picMk id="7" creationId="{A9A85BF5-06CE-A437-0DF9-DEA00191F44E}"/>
-          </ac:picMkLst>
-        </pc:picChg>
-        <pc:picChg chg="del">
-          <ac:chgData name="Ritwik Shankar" userId="e2be679c-d84c-4102-934b-c8025a445f68" providerId="ADAL" clId="{248CDB21-9E84-42A9-9BBC-6B7688573ACB}" dt="2025-04-07T04:55:42.611" v="1000" actId="478"/>
-          <ac:picMkLst>
-            <pc:docMk/>
-            <pc:sldMk cId="3092350718" sldId="271"/>
-            <ac:picMk id="9" creationId="{9B2BD984-D7F5-7E8D-028B-4737EBFF33BB}"/>
-          </ac:picMkLst>
-        </pc:picChg>
-        <pc:picChg chg="del">
-          <ac:chgData name="Ritwik Shankar" userId="e2be679c-d84c-4102-934b-c8025a445f68" providerId="ADAL" clId="{248CDB21-9E84-42A9-9BBC-6B7688573ACB}" dt="2025-04-07T04:55:42.611" v="1000" actId="478"/>
-          <ac:picMkLst>
-            <pc:docMk/>
-            <pc:sldMk cId="3092350718" sldId="271"/>
-            <ac:picMk id="11" creationId="{12C3AFE6-218F-55AF-52DB-5B9C33870C72}"/>
           </ac:picMkLst>
         </pc:picChg>
         <pc:picChg chg="add mod">
@@ -722,14 +618,6 @@
             <ac:picMk id="16" creationId="{15F68641-AF35-870D-F71E-F293C714B70E}"/>
           </ac:picMkLst>
         </pc:picChg>
-        <pc:picChg chg="add del mod">
-          <ac:chgData name="Ritwik Shankar" userId="e2be679c-d84c-4102-934b-c8025a445f68" providerId="ADAL" clId="{248CDB21-9E84-42A9-9BBC-6B7688573ACB}" dt="2025-04-07T04:57:12.384" v="1047" actId="478"/>
-          <ac:picMkLst>
-            <pc:docMk/>
-            <pc:sldMk cId="3092350718" sldId="271"/>
-            <ac:picMk id="18" creationId="{43A35FC3-94DA-20EC-4849-4298AF7136E0}"/>
-          </ac:picMkLst>
-        </pc:picChg>
       </pc:sldChg>
       <pc:sldChg chg="addSp delSp modSp add mod setClrOvrMap">
         <pc:chgData name="Ritwik Shankar" userId="e2be679c-d84c-4102-934b-c8025a445f68" providerId="ADAL" clId="{248CDB21-9E84-42A9-9BBC-6B7688573ACB}" dt="2025-04-07T05:10:21.680" v="1238" actId="1076"/>
@@ -743,30 +631,6 @@
             <pc:docMk/>
             <pc:sldMk cId="4152918637" sldId="272"/>
             <ac:spMk id="4" creationId="{9CFF3656-F3B3-FB8A-D7A0-CAB0CC20814B}"/>
-          </ac:spMkLst>
-        </pc:spChg>
-        <pc:spChg chg="add del mod">
-          <ac:chgData name="Ritwik Shankar" userId="e2be679c-d84c-4102-934b-c8025a445f68" providerId="ADAL" clId="{248CDB21-9E84-42A9-9BBC-6B7688573ACB}" dt="2025-04-07T04:58:00.494" v="1058" actId="478"/>
-          <ac:spMkLst>
-            <pc:docMk/>
-            <pc:sldMk cId="4152918637" sldId="272"/>
-            <ac:spMk id="5" creationId="{0ABE9CDF-0FFE-2951-77B3-67B43195EABA}"/>
-          </ac:spMkLst>
-        </pc:spChg>
-        <pc:spChg chg="del">
-          <ac:chgData name="Ritwik Shankar" userId="e2be679c-d84c-4102-934b-c8025a445f68" providerId="ADAL" clId="{248CDB21-9E84-42A9-9BBC-6B7688573ACB}" dt="2025-04-07T04:58:03.143" v="1059" actId="478"/>
-          <ac:spMkLst>
-            <pc:docMk/>
-            <pc:sldMk cId="4152918637" sldId="272"/>
-            <ac:spMk id="8" creationId="{44F0303B-834F-7E33-40F5-A80F3F5252E7}"/>
-          </ac:spMkLst>
-        </pc:spChg>
-        <pc:spChg chg="add del mod">
-          <ac:chgData name="Ritwik Shankar" userId="e2be679c-d84c-4102-934b-c8025a445f68" providerId="ADAL" clId="{248CDB21-9E84-42A9-9BBC-6B7688573ACB}" dt="2025-04-07T05:00:13.252" v="1151" actId="478"/>
-          <ac:spMkLst>
-            <pc:docMk/>
-            <pc:sldMk cId="4152918637" sldId="272"/>
-            <ac:spMk id="10" creationId="{D8A97692-58A2-4AA3-B0C9-26F41B42343C}"/>
           </ac:spMkLst>
         </pc:spChg>
         <pc:spChg chg="add mod">
@@ -809,54 +673,6 @@
             <ac:spMk id="34" creationId="{6645F6AC-4F98-6ADE-9CA5-2DA655B79303}"/>
           </ac:spMkLst>
         </pc:spChg>
-        <pc:spChg chg="add del">
-          <ac:chgData name="Ritwik Shankar" userId="e2be679c-d84c-4102-934b-c8025a445f68" providerId="ADAL" clId="{248CDB21-9E84-42A9-9BBC-6B7688573ACB}" dt="2025-04-07T04:58:50.206" v="1077" actId="26606"/>
-          <ac:spMkLst>
-            <pc:docMk/>
-            <pc:sldMk cId="4152918637" sldId="272"/>
-            <ac:spMk id="39" creationId="{17115F77-2FAE-4CA7-9A7F-10D5F2C8F831}"/>
-          </ac:spMkLst>
-        </pc:spChg>
-        <pc:spChg chg="add del">
-          <ac:chgData name="Ritwik Shankar" userId="e2be679c-d84c-4102-934b-c8025a445f68" providerId="ADAL" clId="{248CDB21-9E84-42A9-9BBC-6B7688573ACB}" dt="2025-04-07T04:58:50.206" v="1077" actId="26606"/>
-          <ac:spMkLst>
-            <pc:docMk/>
-            <pc:sldMk cId="4152918637" sldId="272"/>
-            <ac:spMk id="41" creationId="{5CD4C046-A04C-46CC-AFA3-6B0621F628C8}"/>
-          </ac:spMkLst>
-        </pc:spChg>
-        <pc:spChg chg="add del">
-          <ac:chgData name="Ritwik Shankar" userId="e2be679c-d84c-4102-934b-c8025a445f68" providerId="ADAL" clId="{248CDB21-9E84-42A9-9BBC-6B7688573ACB}" dt="2025-04-07T04:58:50.206" v="1077" actId="26606"/>
-          <ac:spMkLst>
-            <pc:docMk/>
-            <pc:sldMk cId="4152918637" sldId="272"/>
-            <ac:spMk id="43" creationId="{BC512124-0D13-4ED9-80B7-52AE15B6B41F}"/>
-          </ac:spMkLst>
-        </pc:spChg>
-        <pc:spChg chg="add del">
-          <ac:chgData name="Ritwik Shankar" userId="e2be679c-d84c-4102-934b-c8025a445f68" providerId="ADAL" clId="{248CDB21-9E84-42A9-9BBC-6B7688573ACB}" dt="2025-04-07T04:58:50.206" v="1077" actId="26606"/>
-          <ac:spMkLst>
-            <pc:docMk/>
-            <pc:sldMk cId="4152918637" sldId="272"/>
-            <ac:spMk id="45" creationId="{D4ABACDC-BD54-40F3-9047-8298C77C2DD6}"/>
-          </ac:spMkLst>
-        </pc:spChg>
-        <pc:spChg chg="add del">
-          <ac:chgData name="Ritwik Shankar" userId="e2be679c-d84c-4102-934b-c8025a445f68" providerId="ADAL" clId="{248CDB21-9E84-42A9-9BBC-6B7688573ACB}" dt="2025-04-07T04:58:50.206" v="1077" actId="26606"/>
-          <ac:spMkLst>
-            <pc:docMk/>
-            <pc:sldMk cId="4152918637" sldId="272"/>
-            <ac:spMk id="47" creationId="{B76CB7CA-05C2-4EE8-A97F-B5F3A4F89DA4}"/>
-          </ac:spMkLst>
-        </pc:spChg>
-        <pc:picChg chg="add del mod">
-          <ac:chgData name="Ritwik Shankar" userId="e2be679c-d84c-4102-934b-c8025a445f68" providerId="ADAL" clId="{248CDB21-9E84-42A9-9BBC-6B7688573ACB}" dt="2025-04-07T04:58:00.494" v="1058" actId="478"/>
-          <ac:picMkLst>
-            <pc:docMk/>
-            <pc:sldMk cId="4152918637" sldId="272"/>
-            <ac:picMk id="2" creationId="{D5AA06AF-5453-8A52-E0F1-C949EF5A2FBD}"/>
-          </ac:picMkLst>
-        </pc:picChg>
         <pc:picChg chg="mod">
           <ac:chgData name="Ritwik Shankar" userId="e2be679c-d84c-4102-934b-c8025a445f68" providerId="ADAL" clId="{248CDB21-9E84-42A9-9BBC-6B7688573ACB}" dt="2025-04-07T04:59:17.760" v="1083" actId="14100"/>
           <ac:picMkLst>
@@ -865,60 +681,12 @@
             <ac:picMk id="3" creationId="{D7F96051-56A4-ADE9-3288-4B4434D0A30D}"/>
           </ac:picMkLst>
         </pc:picChg>
-        <pc:picChg chg="del">
-          <ac:chgData name="Ritwik Shankar" userId="e2be679c-d84c-4102-934b-c8025a445f68" providerId="ADAL" clId="{248CDB21-9E84-42A9-9BBC-6B7688573ACB}" dt="2025-04-07T04:58:03.143" v="1059" actId="478"/>
-          <ac:picMkLst>
-            <pc:docMk/>
-            <pc:sldMk cId="4152918637" sldId="272"/>
-            <ac:picMk id="6" creationId="{EB0CB0C2-7BD5-99A7-6DAC-6CD5DD2FB15D}"/>
-          </ac:picMkLst>
-        </pc:picChg>
-        <pc:picChg chg="add del mod">
-          <ac:chgData name="Ritwik Shankar" userId="e2be679c-d84c-4102-934b-c8025a445f68" providerId="ADAL" clId="{248CDB21-9E84-42A9-9BBC-6B7688573ACB}" dt="2025-04-07T04:58:00.494" v="1058" actId="478"/>
-          <ac:picMkLst>
-            <pc:docMk/>
-            <pc:sldMk cId="4152918637" sldId="272"/>
-            <ac:picMk id="7" creationId="{9B652F47-3BCD-0319-741D-D8BFD66936DE}"/>
-          </ac:picMkLst>
-        </pc:picChg>
-        <pc:picChg chg="add del mod">
-          <ac:chgData name="Ritwik Shankar" userId="e2be679c-d84c-4102-934b-c8025a445f68" providerId="ADAL" clId="{248CDB21-9E84-42A9-9BBC-6B7688573ACB}" dt="2025-04-07T04:58:00.494" v="1058" actId="478"/>
-          <ac:picMkLst>
-            <pc:docMk/>
-            <pc:sldMk cId="4152918637" sldId="272"/>
-            <ac:picMk id="9" creationId="{6DF666DD-92B4-1897-78E6-E2E093E82256}"/>
-          </ac:picMkLst>
-        </pc:picChg>
-        <pc:picChg chg="del">
-          <ac:chgData name="Ritwik Shankar" userId="e2be679c-d84c-4102-934b-c8025a445f68" providerId="ADAL" clId="{248CDB21-9E84-42A9-9BBC-6B7688573ACB}" dt="2025-04-07T04:58:03.143" v="1059" actId="478"/>
-          <ac:picMkLst>
-            <pc:docMk/>
-            <pc:sldMk cId="4152918637" sldId="272"/>
-            <ac:picMk id="12" creationId="{5DE7AC53-1C91-D874-CE3E-D1028F814255}"/>
-          </ac:picMkLst>
-        </pc:picChg>
-        <pc:picChg chg="del">
-          <ac:chgData name="Ritwik Shankar" userId="e2be679c-d84c-4102-934b-c8025a445f68" providerId="ADAL" clId="{248CDB21-9E84-42A9-9BBC-6B7688573ACB}" dt="2025-04-07T04:58:03.143" v="1059" actId="478"/>
-          <ac:picMkLst>
-            <pc:docMk/>
-            <pc:sldMk cId="4152918637" sldId="272"/>
-            <ac:picMk id="14" creationId="{0ECACC6D-800C-24EB-2333-95A0A7C3EE66}"/>
-          </ac:picMkLst>
-        </pc:picChg>
         <pc:picChg chg="add mod">
           <ac:chgData name="Ritwik Shankar" userId="e2be679c-d84c-4102-934b-c8025a445f68" providerId="ADAL" clId="{248CDB21-9E84-42A9-9BBC-6B7688573ACB}" dt="2025-04-07T05:10:08.095" v="1236" actId="1076"/>
           <ac:picMkLst>
             <pc:docMk/>
             <pc:sldMk cId="4152918637" sldId="272"/>
             <ac:picMk id="15" creationId="{7DAAA8DB-56DA-0DEE-E535-85D9BCE6548D}"/>
-          </ac:picMkLst>
-        </pc:picChg>
-        <pc:picChg chg="del">
-          <ac:chgData name="Ritwik Shankar" userId="e2be679c-d84c-4102-934b-c8025a445f68" providerId="ADAL" clId="{248CDB21-9E84-42A9-9BBC-6B7688573ACB}" dt="2025-04-07T04:58:00.494" v="1058" actId="478"/>
-          <ac:picMkLst>
-            <pc:docMk/>
-            <pc:sldMk cId="4152918637" sldId="272"/>
-            <ac:picMk id="16" creationId="{200FF1E4-4A02-659D-BA56-36E9EA460B3A}"/>
           </ac:picMkLst>
         </pc:picChg>
         <pc:picChg chg="add mod">
@@ -944,22 +712,6 @@
             <ac:spMk id="6" creationId="{E2570EE5-0FE2-8004-94BF-F3F883DC0489}"/>
           </ac:spMkLst>
         </pc:spChg>
-        <pc:spChg chg="del">
-          <ac:chgData name="Ritwik Shankar" userId="e2be679c-d84c-4102-934b-c8025a445f68" providerId="ADAL" clId="{248CDB21-9E84-42A9-9BBC-6B7688573ACB}" dt="2025-04-07T05:06:32.612" v="1166" actId="478"/>
-          <ac:spMkLst>
-            <pc:docMk/>
-            <pc:sldMk cId="2048418587" sldId="273"/>
-            <ac:spMk id="11" creationId="{CA5D354E-B68D-2407-B6F7-C115D0C5F129}"/>
-          </ac:spMkLst>
-        </pc:spChg>
-        <pc:picChg chg="del">
-          <ac:chgData name="Ritwik Shankar" userId="e2be679c-d84c-4102-934b-c8025a445f68" providerId="ADAL" clId="{248CDB21-9E84-42A9-9BBC-6B7688573ACB}" dt="2025-04-07T05:06:30.911" v="1165" actId="478"/>
-          <ac:picMkLst>
-            <pc:docMk/>
-            <pc:sldMk cId="2048418587" sldId="273"/>
-            <ac:picMk id="3" creationId="{EA4AB51C-0E64-B5F2-55A9-02A01DFDADEB}"/>
-          </ac:picMkLst>
-        </pc:picChg>
         <pc:picChg chg="add mod">
           <ac:chgData name="Ritwik Shankar" userId="e2be679c-d84c-4102-934b-c8025a445f68" providerId="ADAL" clId="{248CDB21-9E84-42A9-9BBC-6B7688573ACB}" dt="2025-04-07T05:08:22.423" v="1233" actId="1076"/>
           <ac:picMkLst>
@@ -997,46 +749,6 @@
           <pc:docMk/>
           <pc:sldMk cId="3769211169" sldId="274"/>
         </pc:sldMkLst>
-        <pc:spChg chg="add del">
-          <ac:chgData name="Ritwik Shankar" userId="e2be679c-d84c-4102-934b-c8025a445f68" providerId="ADAL" clId="{248CDB21-9E84-42A9-9BBC-6B7688573ACB}" dt="2025-04-07T05:06:34.244" v="1169"/>
-          <ac:spMkLst>
-            <pc:docMk/>
-            <pc:sldMk cId="3769211169" sldId="274"/>
-            <ac:spMk id="15" creationId="{9E18D62D-E259-2B49-5073-296561484984}"/>
-          </ac:spMkLst>
-        </pc:spChg>
-        <pc:spChg chg="add del">
-          <ac:chgData name="Ritwik Shankar" userId="e2be679c-d84c-4102-934b-c8025a445f68" providerId="ADAL" clId="{248CDB21-9E84-42A9-9BBC-6B7688573ACB}" dt="2025-04-07T05:06:34.244" v="1169"/>
-          <ac:spMkLst>
-            <pc:docMk/>
-            <pc:sldMk cId="3769211169" sldId="274"/>
-            <ac:spMk id="17" creationId="{F66EAD1B-EB96-7334-B26E-50DD3B992AC0}"/>
-          </ac:spMkLst>
-        </pc:spChg>
-        <pc:spChg chg="add del">
-          <ac:chgData name="Ritwik Shankar" userId="e2be679c-d84c-4102-934b-c8025a445f68" providerId="ADAL" clId="{248CDB21-9E84-42A9-9BBC-6B7688573ACB}" dt="2025-04-07T05:06:34.244" v="1169"/>
-          <ac:spMkLst>
-            <pc:docMk/>
-            <pc:sldMk cId="3769211169" sldId="274"/>
-            <ac:spMk id="19" creationId="{F65F9BFB-2F51-3F26-1C18-3BCB8D00846A}"/>
-          </ac:spMkLst>
-        </pc:spChg>
-        <pc:spChg chg="add del">
-          <ac:chgData name="Ritwik Shankar" userId="e2be679c-d84c-4102-934b-c8025a445f68" providerId="ADAL" clId="{248CDB21-9E84-42A9-9BBC-6B7688573ACB}" dt="2025-04-07T05:06:34.244" v="1169"/>
-          <ac:spMkLst>
-            <pc:docMk/>
-            <pc:sldMk cId="3769211169" sldId="274"/>
-            <ac:spMk id="21" creationId="{402FB085-A6BA-F2E4-CC1A-CD0292B3D45A}"/>
-          </ac:spMkLst>
-        </pc:spChg>
-        <pc:spChg chg="add del">
-          <ac:chgData name="Ritwik Shankar" userId="e2be679c-d84c-4102-934b-c8025a445f68" providerId="ADAL" clId="{248CDB21-9E84-42A9-9BBC-6B7688573ACB}" dt="2025-04-07T05:06:34.244" v="1169"/>
-          <ac:spMkLst>
-            <pc:docMk/>
-            <pc:sldMk cId="3769211169" sldId="274"/>
-            <ac:spMk id="23" creationId="{481099A0-87E7-A6EE-4E0C-852B2F8EAF31}"/>
-          </ac:spMkLst>
-        </pc:spChg>
       </pc:sldChg>
       <pc:sldChg chg="addSp delSp modSp add mod modTransition">
         <pc:chgData name="Ritwik Shankar" userId="e2be679c-d84c-4102-934b-c8025a445f68" providerId="ADAL" clId="{248CDB21-9E84-42A9-9BBC-6B7688573ACB}" dt="2025-04-07T05:15:56.111" v="1334" actId="21"/>
@@ -1050,46 +762,6 @@
             <pc:docMk/>
             <pc:sldMk cId="2899385676" sldId="275"/>
             <ac:spMk id="4" creationId="{41389327-1E9F-DCA3-A737-7E8DB049A4B2}"/>
-          </ac:spMkLst>
-        </pc:spChg>
-        <pc:spChg chg="del">
-          <ac:chgData name="Ritwik Shankar" userId="e2be679c-d84c-4102-934b-c8025a445f68" providerId="ADAL" clId="{248CDB21-9E84-42A9-9BBC-6B7688573ACB}" dt="2025-04-07T05:13:02.163" v="1269" actId="26606"/>
-          <ac:spMkLst>
-            <pc:docMk/>
-            <pc:sldMk cId="2899385676" sldId="275"/>
-            <ac:spMk id="15" creationId="{A65C3477-34E9-9F99-1D7D-6EF07A27DEDC}"/>
-          </ac:spMkLst>
-        </pc:spChg>
-        <pc:spChg chg="del">
-          <ac:chgData name="Ritwik Shankar" userId="e2be679c-d84c-4102-934b-c8025a445f68" providerId="ADAL" clId="{248CDB21-9E84-42A9-9BBC-6B7688573ACB}" dt="2025-04-07T05:13:02.163" v="1269" actId="26606"/>
-          <ac:spMkLst>
-            <pc:docMk/>
-            <pc:sldMk cId="2899385676" sldId="275"/>
-            <ac:spMk id="17" creationId="{06082E61-9C74-6283-3962-C776AEAEABD3}"/>
-          </ac:spMkLst>
-        </pc:spChg>
-        <pc:spChg chg="del">
-          <ac:chgData name="Ritwik Shankar" userId="e2be679c-d84c-4102-934b-c8025a445f68" providerId="ADAL" clId="{248CDB21-9E84-42A9-9BBC-6B7688573ACB}" dt="2025-04-07T05:13:02.163" v="1269" actId="26606"/>
-          <ac:spMkLst>
-            <pc:docMk/>
-            <pc:sldMk cId="2899385676" sldId="275"/>
-            <ac:spMk id="19" creationId="{2019F768-FBAD-8070-D87F-595E4A3A8040}"/>
-          </ac:spMkLst>
-        </pc:spChg>
-        <pc:spChg chg="del">
-          <ac:chgData name="Ritwik Shankar" userId="e2be679c-d84c-4102-934b-c8025a445f68" providerId="ADAL" clId="{248CDB21-9E84-42A9-9BBC-6B7688573ACB}" dt="2025-04-07T05:13:02.163" v="1269" actId="26606"/>
-          <ac:spMkLst>
-            <pc:docMk/>
-            <pc:sldMk cId="2899385676" sldId="275"/>
-            <ac:spMk id="21" creationId="{C47A2D70-9D48-3D11-CDDB-E6AEFA071F91}"/>
-          </ac:spMkLst>
-        </pc:spChg>
-        <pc:spChg chg="del">
-          <ac:chgData name="Ritwik Shankar" userId="e2be679c-d84c-4102-934b-c8025a445f68" providerId="ADAL" clId="{248CDB21-9E84-42A9-9BBC-6B7688573ACB}" dt="2025-04-07T05:13:02.163" v="1269" actId="26606"/>
-          <ac:spMkLst>
-            <pc:docMk/>
-            <pc:sldMk cId="2899385676" sldId="275"/>
-            <ac:spMk id="23" creationId="{16BB2DB0-5BC5-D775-A2A9-19709ED49CCF}"/>
           </ac:spMkLst>
         </pc:spChg>
         <pc:spChg chg="add">
@@ -1133,35 +805,11 @@
           </ac:picMkLst>
         </pc:picChg>
         <pc:picChg chg="add del mod">
-          <ac:chgData name="Ritwik Shankar" userId="e2be679c-d84c-4102-934b-c8025a445f68" providerId="ADAL" clId="{248CDB21-9E84-42A9-9BBC-6B7688573ACB}" dt="2025-04-07T05:15:56.111" v="1334" actId="21"/>
-          <ac:picMkLst>
-            <pc:docMk/>
-            <pc:sldMk cId="2899385676" sldId="275"/>
-            <ac:picMk id="5" creationId="{89E8E55B-27B1-0C34-8688-D8854BE65B99}"/>
-          </ac:picMkLst>
-        </pc:picChg>
-        <pc:picChg chg="del mod">
-          <ac:chgData name="Ritwik Shankar" userId="e2be679c-d84c-4102-934b-c8025a445f68" providerId="ADAL" clId="{248CDB21-9E84-42A9-9BBC-6B7688573ACB}" dt="2025-04-07T05:13:05.775" v="1271" actId="478"/>
-          <ac:picMkLst>
-            <pc:docMk/>
-            <pc:sldMk cId="2899385676" sldId="275"/>
-            <ac:picMk id="6" creationId="{8814FC80-7B00-E72B-2880-C1C99ACFEAE0}"/>
-          </ac:picMkLst>
-        </pc:picChg>
-        <pc:picChg chg="add del mod">
           <ac:chgData name="Ritwik Shankar" userId="e2be679c-d84c-4102-934b-c8025a445f68" providerId="ADAL" clId="{248CDB21-9E84-42A9-9BBC-6B7688573ACB}" dt="2025-04-07T05:15:54.417" v="1333" actId="1076"/>
           <ac:picMkLst>
             <pc:docMk/>
             <pc:sldMk cId="2899385676" sldId="275"/>
             <ac:picMk id="8" creationId="{BA9323E3-45FF-F43A-348C-63D1C748E24B}"/>
-          </ac:picMkLst>
-        </pc:picChg>
-        <pc:picChg chg="add del mod">
-          <ac:chgData name="Ritwik Shankar" userId="e2be679c-d84c-4102-934b-c8025a445f68" providerId="ADAL" clId="{248CDB21-9E84-42A9-9BBC-6B7688573ACB}" dt="2025-04-07T05:15:39.556" v="1318" actId="22"/>
-          <ac:picMkLst>
-            <pc:docMk/>
-            <pc:sldMk cId="2899385676" sldId="275"/>
-            <ac:picMk id="10" creationId="{6DC93159-90DC-6393-749C-957130333626}"/>
           </ac:picMkLst>
         </pc:picChg>
       </pc:sldChg>
@@ -1218,28 +866,12 @@
             <ac:spMk id="10" creationId="{8A5F7E1C-7883-5CB2-6073-12E767EB158C}"/>
           </ac:spMkLst>
         </pc:spChg>
-        <pc:picChg chg="del">
-          <ac:chgData name="Ritwik Shankar" userId="e2be679c-d84c-4102-934b-c8025a445f68" providerId="ADAL" clId="{248CDB21-9E84-42A9-9BBC-6B7688573ACB}" dt="2025-04-07T05:16:50.755" v="1347" actId="478"/>
-          <ac:picMkLst>
-            <pc:docMk/>
-            <pc:sldMk cId="2374831807" sldId="277"/>
-            <ac:picMk id="5" creationId="{399E153E-54DD-74B0-76A6-DFBBAA9248CD}"/>
-          </ac:picMkLst>
-        </pc:picChg>
         <pc:picChg chg="add mod">
           <ac:chgData name="Ritwik Shankar" userId="e2be679c-d84c-4102-934b-c8025a445f68" providerId="ADAL" clId="{248CDB21-9E84-42A9-9BBC-6B7688573ACB}" dt="2025-04-07T05:17:12.540" v="1352" actId="1076"/>
           <ac:picMkLst>
             <pc:docMk/>
             <pc:sldMk cId="2374831807" sldId="277"/>
             <ac:picMk id="6" creationId="{B251A530-D517-E7E3-5A87-29B1AF880C6C}"/>
-          </ac:picMkLst>
-        </pc:picChg>
-        <pc:picChg chg="del">
-          <ac:chgData name="Ritwik Shankar" userId="e2be679c-d84c-4102-934b-c8025a445f68" providerId="ADAL" clId="{248CDB21-9E84-42A9-9BBC-6B7688573ACB}" dt="2025-04-07T05:16:50.755" v="1347" actId="478"/>
-          <ac:picMkLst>
-            <pc:docMk/>
-            <pc:sldMk cId="2374831807" sldId="277"/>
-            <ac:picMk id="8" creationId="{686E3F24-E6E2-AAB2-6180-AF934BBCBD0D}"/>
           </ac:picMkLst>
         </pc:picChg>
         <pc:picChg chg="add mod">
@@ -1259,7 +891,7 @@
         </pc:sldMkLst>
       </pc:sldChg>
       <pc:sldChg chg="addSp modSp new mod">
-        <pc:chgData name="Ritwik Shankar" userId="e2be679c-d84c-4102-934b-c8025a445f68" providerId="ADAL" clId="{248CDB21-9E84-42A9-9BBC-6B7688573ACB}" dt="2025-04-07T06:23:54.925" v="2526" actId="20577"/>
+        <pc:chgData name="Ritwik Shankar" userId="e2be679c-d84c-4102-934b-c8025a445f68" providerId="ADAL" clId="{248CDB21-9E84-42A9-9BBC-6B7688573ACB}" dt="2025-04-09T18:00:55.553" v="3523" actId="20577"/>
         <pc:sldMkLst>
           <pc:docMk/>
           <pc:sldMk cId="3154468942" sldId="279"/>
@@ -1273,7 +905,7 @@
           </ac:spMkLst>
         </pc:spChg>
         <pc:graphicFrameChg chg="add mod modGraphic">
-          <ac:chgData name="Ritwik Shankar" userId="e2be679c-d84c-4102-934b-c8025a445f68" providerId="ADAL" clId="{248CDB21-9E84-42A9-9BBC-6B7688573ACB}" dt="2025-04-07T06:23:54.925" v="2526" actId="20577"/>
+          <ac:chgData name="Ritwik Shankar" userId="e2be679c-d84c-4102-934b-c8025a445f68" providerId="ADAL" clId="{248CDB21-9E84-42A9-9BBC-6B7688573ACB}" dt="2025-04-09T18:00:55.553" v="3523" actId="20577"/>
           <ac:graphicFrameMkLst>
             <pc:docMk/>
             <pc:sldMk cId="3154468942" sldId="279"/>
@@ -1290,7 +922,7 @@
         </pc:picChg>
       </pc:sldChg>
       <pc:sldChg chg="modSp add mod">
-        <pc:chgData name="Ritwik Shankar" userId="e2be679c-d84c-4102-934b-c8025a445f68" providerId="ADAL" clId="{248CDB21-9E84-42A9-9BBC-6B7688573ACB}" dt="2025-04-07T06:44:53.085" v="2638" actId="20577"/>
+        <pc:chgData name="Ritwik Shankar" userId="e2be679c-d84c-4102-934b-c8025a445f68" providerId="ADAL" clId="{248CDB21-9E84-42A9-9BBC-6B7688573ACB}" dt="2025-04-09T18:04:41.628" v="3561" actId="20577"/>
         <pc:sldMkLst>
           <pc:docMk/>
           <pc:sldMk cId="3133099774" sldId="280"/>
@@ -1304,7 +936,7 @@
           </ac:spMkLst>
         </pc:spChg>
         <pc:graphicFrameChg chg="modGraphic">
-          <ac:chgData name="Ritwik Shankar" userId="e2be679c-d84c-4102-934b-c8025a445f68" providerId="ADAL" clId="{248CDB21-9E84-42A9-9BBC-6B7688573ACB}" dt="2025-04-07T06:44:53.085" v="2638" actId="20577"/>
+          <ac:chgData name="Ritwik Shankar" userId="e2be679c-d84c-4102-934b-c8025a445f68" providerId="ADAL" clId="{248CDB21-9E84-42A9-9BBC-6B7688573ACB}" dt="2025-04-09T18:04:41.628" v="3561" actId="20577"/>
           <ac:graphicFrameMkLst>
             <pc:docMk/>
             <pc:sldMk cId="3133099774" sldId="280"/>
@@ -1313,7 +945,7 @@
         </pc:graphicFrameChg>
       </pc:sldChg>
       <pc:sldChg chg="addSp delSp modSp add mod">
-        <pc:chgData name="Ritwik Shankar" userId="e2be679c-d84c-4102-934b-c8025a445f68" providerId="ADAL" clId="{248CDB21-9E84-42A9-9BBC-6B7688573ACB}" dt="2025-04-07T06:29:17.687" v="2615" actId="20577"/>
+        <pc:chgData name="Ritwik Shankar" userId="e2be679c-d84c-4102-934b-c8025a445f68" providerId="ADAL" clId="{248CDB21-9E84-42A9-9BBC-6B7688573ACB}" dt="2025-04-09T18:07:57.436" v="3688" actId="20577"/>
         <pc:sldMkLst>
           <pc:docMk/>
           <pc:sldMk cId="229177221" sldId="281"/>
@@ -1335,11 +967,19 @@
           </ac:spMkLst>
         </pc:spChg>
         <pc:graphicFrameChg chg="mod modGraphic">
-          <ac:chgData name="Ritwik Shankar" userId="e2be679c-d84c-4102-934b-c8025a445f68" providerId="ADAL" clId="{248CDB21-9E84-42A9-9BBC-6B7688573ACB}" dt="2025-04-07T06:29:17.687" v="2615" actId="20577"/>
+          <ac:chgData name="Ritwik Shankar" userId="e2be679c-d84c-4102-934b-c8025a445f68" providerId="ADAL" clId="{248CDB21-9E84-42A9-9BBC-6B7688573ACB}" dt="2025-04-09T18:07:57.436" v="3688" actId="20577"/>
           <ac:graphicFrameMkLst>
             <pc:docMk/>
             <pc:sldMk cId="229177221" sldId="281"/>
             <ac:graphicFrameMk id="3" creationId="{C3C4AED2-E59A-BAD4-FF54-0EA618BBE2ED}"/>
+          </ac:graphicFrameMkLst>
+        </pc:graphicFrameChg>
+        <pc:graphicFrameChg chg="add del modGraphic">
+          <ac:chgData name="Ritwik Shankar" userId="e2be679c-d84c-4102-934b-c8025a445f68" providerId="ADAL" clId="{248CDB21-9E84-42A9-9BBC-6B7688573ACB}" dt="2025-04-09T18:07:54.594" v="3684" actId="27309"/>
+          <ac:graphicFrameMkLst>
+            <pc:docMk/>
+            <pc:sldMk cId="229177221" sldId="281"/>
+            <ac:graphicFrameMk id="7" creationId="{94A1F3ED-D860-7E74-88CE-A3B1133E9FBC}"/>
           </ac:graphicFrameMkLst>
         </pc:graphicFrameChg>
         <pc:picChg chg="add mod">
@@ -1348,14 +988,6 @@
             <pc:docMk/>
             <pc:sldMk cId="229177221" sldId="281"/>
             <ac:picMk id="5" creationId="{0B201B7C-C3D4-7B09-D93E-04EFB2A53F93}"/>
-          </ac:picMkLst>
-        </pc:picChg>
-        <pc:picChg chg="del">
-          <ac:chgData name="Ritwik Shankar" userId="e2be679c-d84c-4102-934b-c8025a445f68" providerId="ADAL" clId="{248CDB21-9E84-42A9-9BBC-6B7688573ACB}" dt="2025-04-07T05:50:13.624" v="1901" actId="478"/>
-          <ac:picMkLst>
-            <pc:docMk/>
-            <pc:sldMk cId="229177221" sldId="281"/>
-            <ac:picMk id="1026" creationId="{C6C2880E-585F-58DB-8900-3BF4B46EDB2E}"/>
           </ac:picMkLst>
         </pc:picChg>
         <pc:picChg chg="add mod">
@@ -1368,7 +1000,7 @@
         </pc:picChg>
       </pc:sldChg>
       <pc:sldChg chg="modSp add mod ord">
-        <pc:chgData name="Ritwik Shankar" userId="e2be679c-d84c-4102-934b-c8025a445f68" providerId="ADAL" clId="{248CDB21-9E84-42A9-9BBC-6B7688573ACB}" dt="2025-04-07T06:25:45.396" v="2580" actId="20577"/>
+        <pc:chgData name="Ritwik Shankar" userId="e2be679c-d84c-4102-934b-c8025a445f68" providerId="ADAL" clId="{248CDB21-9E84-42A9-9BBC-6B7688573ACB}" dt="2025-04-09T18:05:03.433" v="3567" actId="20577"/>
         <pc:sldMkLst>
           <pc:docMk/>
           <pc:sldMk cId="3799070295" sldId="282"/>
@@ -1382,7 +1014,7 @@
           </ac:spMkLst>
         </pc:spChg>
         <pc:graphicFrameChg chg="modGraphic">
-          <ac:chgData name="Ritwik Shankar" userId="e2be679c-d84c-4102-934b-c8025a445f68" providerId="ADAL" clId="{248CDB21-9E84-42A9-9BBC-6B7688573ACB}" dt="2025-04-07T06:25:45.396" v="2580" actId="20577"/>
+          <ac:chgData name="Ritwik Shankar" userId="e2be679c-d84c-4102-934b-c8025a445f68" providerId="ADAL" clId="{248CDB21-9E84-42A9-9BBC-6B7688573ACB}" dt="2025-04-09T18:05:03.433" v="3567" actId="20577"/>
           <ac:graphicFrameMkLst>
             <pc:docMk/>
             <pc:sldMk cId="3799070295" sldId="282"/>
@@ -1391,7 +1023,7 @@
         </pc:graphicFrameChg>
       </pc:sldChg>
       <pc:sldChg chg="modSp add mod">
-        <pc:chgData name="Ritwik Shankar" userId="e2be679c-d84c-4102-934b-c8025a445f68" providerId="ADAL" clId="{248CDB21-9E84-42A9-9BBC-6B7688573ACB}" dt="2025-04-07T06:48:20.518" v="2668" actId="20577"/>
+        <pc:chgData name="Ritwik Shankar" userId="e2be679c-d84c-4102-934b-c8025a445f68" providerId="ADAL" clId="{248CDB21-9E84-42A9-9BBC-6B7688573ACB}" dt="2025-04-09T18:08:10.809" v="3699" actId="20577"/>
         <pc:sldMkLst>
           <pc:docMk/>
           <pc:sldMk cId="804756360" sldId="283"/>
@@ -1405,7 +1037,7 @@
           </ac:spMkLst>
         </pc:spChg>
         <pc:graphicFrameChg chg="mod modGraphic">
-          <ac:chgData name="Ritwik Shankar" userId="e2be679c-d84c-4102-934b-c8025a445f68" providerId="ADAL" clId="{248CDB21-9E84-42A9-9BBC-6B7688573ACB}" dt="2025-04-07T06:48:20.518" v="2668" actId="20577"/>
+          <ac:chgData name="Ritwik Shankar" userId="e2be679c-d84c-4102-934b-c8025a445f68" providerId="ADAL" clId="{248CDB21-9E84-42A9-9BBC-6B7688573ACB}" dt="2025-04-09T18:08:10.809" v="3699" actId="20577"/>
           <ac:graphicFrameMkLst>
             <pc:docMk/>
             <pc:sldMk cId="804756360" sldId="283"/>
@@ -1453,7 +1085,7 @@
         </pc:picChg>
       </pc:sldChg>
       <pc:sldChg chg="modSp add mod ord">
-        <pc:chgData name="Ritwik Shankar" userId="e2be679c-d84c-4102-934b-c8025a445f68" providerId="ADAL" clId="{248CDB21-9E84-42A9-9BBC-6B7688573ACB}" dt="2025-04-07T06:49:07.401" v="2689" actId="20577"/>
+        <pc:chgData name="Ritwik Shankar" userId="e2be679c-d84c-4102-934b-c8025a445f68" providerId="ADAL" clId="{248CDB21-9E84-42A9-9BBC-6B7688573ACB}" dt="2025-04-09T18:08:37.085" v="3707" actId="20577"/>
         <pc:sldMkLst>
           <pc:docMk/>
           <pc:sldMk cId="4230382508" sldId="285"/>
@@ -1467,7 +1099,7 @@
           </ac:spMkLst>
         </pc:spChg>
         <pc:graphicFrameChg chg="modGraphic">
-          <ac:chgData name="Ritwik Shankar" userId="e2be679c-d84c-4102-934b-c8025a445f68" providerId="ADAL" clId="{248CDB21-9E84-42A9-9BBC-6B7688573ACB}" dt="2025-04-07T06:49:07.401" v="2689" actId="20577"/>
+          <ac:chgData name="Ritwik Shankar" userId="e2be679c-d84c-4102-934b-c8025a445f68" providerId="ADAL" clId="{248CDB21-9E84-42A9-9BBC-6B7688573ACB}" dt="2025-04-09T18:08:37.085" v="3707" actId="20577"/>
           <ac:graphicFrameMkLst>
             <pc:docMk/>
             <pc:sldMk cId="4230382508" sldId="285"/>
@@ -1476,7 +1108,7 @@
         </pc:graphicFrameChg>
       </pc:sldChg>
       <pc:sldChg chg="addSp delSp modSp add mod">
-        <pc:chgData name="Ritwik Shankar" userId="e2be679c-d84c-4102-934b-c8025a445f68" providerId="ADAL" clId="{248CDB21-9E84-42A9-9BBC-6B7688573ACB}" dt="2025-04-07T06:51:00.766" v="2761" actId="20577"/>
+        <pc:chgData name="Ritwik Shankar" userId="e2be679c-d84c-4102-934b-c8025a445f68" providerId="ADAL" clId="{248CDB21-9E84-42A9-9BBC-6B7688573ACB}" dt="2025-04-09T18:09:24.973" v="3721" actId="20577"/>
         <pc:sldMkLst>
           <pc:docMk/>
           <pc:sldMk cId="1222789450" sldId="286"/>
@@ -1489,16 +1121,8 @@
             <ac:spMk id="2" creationId="{546E9202-7185-11CD-79DB-C899F21E30D6}"/>
           </ac:spMkLst>
         </pc:spChg>
-        <pc:graphicFrameChg chg="del">
-          <ac:chgData name="Ritwik Shankar" userId="e2be679c-d84c-4102-934b-c8025a445f68" providerId="ADAL" clId="{248CDB21-9E84-42A9-9BBC-6B7688573ACB}" dt="2025-04-07T06:00:56.641" v="2247" actId="478"/>
-          <ac:graphicFrameMkLst>
-            <pc:docMk/>
-            <pc:sldMk cId="1222789450" sldId="286"/>
-            <ac:graphicFrameMk id="3" creationId="{DF0CA4F1-CFB2-EAE2-A3F7-D2BE05AB4E55}"/>
-          </ac:graphicFrameMkLst>
-        </pc:graphicFrameChg>
         <pc:graphicFrameChg chg="add mod modGraphic">
-          <ac:chgData name="Ritwik Shankar" userId="e2be679c-d84c-4102-934b-c8025a445f68" providerId="ADAL" clId="{248CDB21-9E84-42A9-9BBC-6B7688573ACB}" dt="2025-04-07T06:51:00.766" v="2761" actId="20577"/>
+          <ac:chgData name="Ritwik Shankar" userId="e2be679c-d84c-4102-934b-c8025a445f68" providerId="ADAL" clId="{248CDB21-9E84-42A9-9BBC-6B7688573ACB}" dt="2025-04-09T18:09:24.973" v="3721" actId="20577"/>
           <ac:graphicFrameMkLst>
             <pc:docMk/>
             <pc:sldMk cId="1222789450" sldId="286"/>
@@ -1511,14 +1135,6 @@
             <pc:docMk/>
             <pc:sldMk cId="1222789450" sldId="286"/>
             <ac:picMk id="5" creationId="{EB073554-A012-6F1B-0D3D-B150C2DE0FE8}"/>
-          </ac:picMkLst>
-        </pc:picChg>
-        <pc:picChg chg="del">
-          <ac:chgData name="Ritwik Shankar" userId="e2be679c-d84c-4102-934b-c8025a445f68" providerId="ADAL" clId="{248CDB21-9E84-42A9-9BBC-6B7688573ACB}" dt="2025-04-07T06:01:05.836" v="2250" actId="478"/>
-          <ac:picMkLst>
-            <pc:docMk/>
-            <pc:sldMk cId="1222789450" sldId="286"/>
-            <ac:picMk id="1026" creationId="{A39D49B4-6B95-630F-4DC4-3A07DF98B88E}"/>
           </ac:picMkLst>
         </pc:picChg>
       </pc:sldChg>
@@ -1536,14 +1152,6 @@
             <ac:spMk id="2" creationId="{A06D2D0D-0D4D-1D3B-DFC5-83D04A2BDD5B}"/>
           </ac:spMkLst>
         </pc:spChg>
-        <pc:spChg chg="del">
-          <ac:chgData name="Ritwik Shankar" userId="e2be679c-d84c-4102-934b-c8025a445f68" providerId="ADAL" clId="{248CDB21-9E84-42A9-9BBC-6B7688573ACB}" dt="2025-04-07T06:02:24.464" v="2333" actId="478"/>
-          <ac:spMkLst>
-            <pc:docMk/>
-            <pc:sldMk cId="2733544155" sldId="287"/>
-            <ac:spMk id="3" creationId="{5D04BB41-F34B-970A-71A3-540CDD4877E1}"/>
-          </ac:spMkLst>
-        </pc:spChg>
       </pc:sldChg>
       <pc:sldChg chg="add del">
         <pc:chgData name="Ritwik Shankar" userId="e2be679c-d84c-4102-934b-c8025a445f68" providerId="ADAL" clId="{248CDB21-9E84-42A9-9BBC-6B7688573ACB}" dt="2025-04-07T06:01:48.481" v="2263" actId="47"/>
@@ -1553,13 +1161,13 @@
         </pc:sldMkLst>
       </pc:sldChg>
       <pc:sldChg chg="modSp add mod ord">
-        <pc:chgData name="Ritwik Shankar" userId="e2be679c-d84c-4102-934b-c8025a445f68" providerId="ADAL" clId="{248CDB21-9E84-42A9-9BBC-6B7688573ACB}" dt="2025-04-07T06:54:24.790" v="2796" actId="20577"/>
+        <pc:chgData name="Ritwik Shankar" userId="e2be679c-d84c-4102-934b-c8025a445f68" providerId="ADAL" clId="{248CDB21-9E84-42A9-9BBC-6B7688573ACB}" dt="2025-04-09T18:09:48.754" v="3787" actId="20577"/>
         <pc:sldMkLst>
           <pc:docMk/>
           <pc:sldMk cId="1857382097" sldId="288"/>
         </pc:sldMkLst>
         <pc:spChg chg="mod">
-          <ac:chgData name="Ritwik Shankar" userId="e2be679c-d84c-4102-934b-c8025a445f68" providerId="ADAL" clId="{248CDB21-9E84-42A9-9BBC-6B7688573ACB}" dt="2025-04-07T06:10:18.312" v="2365" actId="20577"/>
+          <ac:chgData name="Ritwik Shankar" userId="e2be679c-d84c-4102-934b-c8025a445f68" providerId="ADAL" clId="{248CDB21-9E84-42A9-9BBC-6B7688573ACB}" dt="2025-04-09T18:09:48.754" v="3787" actId="20577"/>
           <ac:spMkLst>
             <pc:docMk/>
             <pc:sldMk cId="1857382097" sldId="288"/>
@@ -1576,7 +1184,7 @@
         </pc:graphicFrameChg>
       </pc:sldChg>
       <pc:sldChg chg="addSp delSp modSp add mod ord">
-        <pc:chgData name="Ritwik Shankar" userId="e2be679c-d84c-4102-934b-c8025a445f68" providerId="ADAL" clId="{248CDB21-9E84-42A9-9BBC-6B7688573ACB}" dt="2025-04-07T07:04:57.880" v="3281" actId="20577"/>
+        <pc:chgData name="Ritwik Shankar" userId="e2be679c-d84c-4102-934b-c8025a445f68" providerId="ADAL" clId="{248CDB21-9E84-42A9-9BBC-6B7688573ACB}" dt="2025-04-09T18:15:29.988" v="3879" actId="20577"/>
         <pc:sldMkLst>
           <pc:docMk/>
           <pc:sldMk cId="321228988" sldId="289"/>
@@ -1590,21 +1198,13 @@
           </ac:spMkLst>
         </pc:spChg>
         <pc:graphicFrameChg chg="mod modGraphic">
-          <ac:chgData name="Ritwik Shankar" userId="e2be679c-d84c-4102-934b-c8025a445f68" providerId="ADAL" clId="{248CDB21-9E84-42A9-9BBC-6B7688573ACB}" dt="2025-04-07T07:04:57.880" v="3281" actId="20577"/>
+          <ac:chgData name="Ritwik Shankar" userId="e2be679c-d84c-4102-934b-c8025a445f68" providerId="ADAL" clId="{248CDB21-9E84-42A9-9BBC-6B7688573ACB}" dt="2025-04-09T18:15:29.988" v="3879" actId="20577"/>
           <ac:graphicFrameMkLst>
             <pc:docMk/>
             <pc:sldMk cId="321228988" sldId="289"/>
             <ac:graphicFrameMk id="3" creationId="{8DAC9EE8-1FB2-CF1E-D050-F3DB164C3BA3}"/>
           </ac:graphicFrameMkLst>
         </pc:graphicFrameChg>
-        <pc:picChg chg="add del">
-          <ac:chgData name="Ritwik Shankar" userId="e2be679c-d84c-4102-934b-c8025a445f68" providerId="ADAL" clId="{248CDB21-9E84-42A9-9BBC-6B7688573ACB}" dt="2025-04-07T07:01:32.850" v="3101" actId="22"/>
-          <ac:picMkLst>
-            <pc:docMk/>
-            <pc:sldMk cId="321228988" sldId="289"/>
-            <ac:picMk id="5" creationId="{939171CC-3805-4456-D88C-3245D16CC121}"/>
-          </ac:picMkLst>
-        </pc:picChg>
       </pc:sldChg>
     </pc:docChg>
   </pc:docChgLst>
@@ -1626,6 +1226,58 @@
           <a:rPr lang="en-IN"/>
           <a:t>Ideal power (T^3/(2*rho*A))^0.5 = 8.5 KW
 total ideal power 60KW</a:t>
+        </a:r>
+      </a:p>
+    </p188:txBody>
+  </p188:cm>
+</p188:cmLst>
+</file>
+
+<file path=ppt/comments/modernComment_121_132590BC.xml><?xml version="1.0" encoding="utf-8"?>
+<p188:cmLst xmlns:a="http://schemas.openxmlformats.org/drawingml/2006/main" xmlns:r="http://schemas.openxmlformats.org/officeDocument/2006/relationships" xmlns:p188="http://schemas.microsoft.com/office/powerpoint/2018/8/main">
+  <p188:cm id="{23B4F258-0DC4-45CE-AD67-4CFBCD2C8833}" authorId="{999925A7-EAAA-4B5B-604D-88C72DE594BA}" created="2025-04-09T18:12:25.688">
+    <ac:txMkLst xmlns:ac="http://schemas.microsoft.com/office/drawing/2013/main/command">
+      <pc:docMk xmlns:pc="http://schemas.microsoft.com/office/powerpoint/2013/main/command"/>
+      <pc:sldMk xmlns:pc="http://schemas.microsoft.com/office/powerpoint/2013/main/command" cId="321228988" sldId="289"/>
+      <ac:graphicFrameMk id="3" creationId="{8DAC9EE8-1FB2-CF1E-D050-F3DB164C3BA3}"/>
+      <ac:tblMk/>
+      <ac:tcMk rowId="1832012941" colId="852742612"/>
+      <ac:txMk cp="0" len="7">
+        <ac:context len="8" hash="2860269267"/>
+      </ac:txMk>
+    </ac:txMkLst>
+    <p188:pos x="5032261" y="1288111"/>
+    <p188:txBody>
+      <a:bodyPr/>
+      <a:lstStyle/>
+      <a:p>
+        <a:r>
+          <a:rPr lang="en-IN"/>
+          <a:t>Wing weight is estimated by a very crude formula, will get better results after we do structural design with ribs and spars.</a:t>
+        </a:r>
+      </a:p>
+    </p188:txBody>
+  </p188:cm>
+  <p188:cm id="{2E015921-B1B3-420D-BE06-3BC0F1532183}" authorId="{999925A7-EAAA-4B5B-604D-88C72DE594BA}" created="2025-04-09T18:13:05.772">
+    <ac:txMkLst xmlns:ac="http://schemas.microsoft.com/office/drawing/2013/main/command">
+      <pc:docMk xmlns:pc="http://schemas.microsoft.com/office/powerpoint/2013/main/command"/>
+      <pc:sldMk xmlns:pc="http://schemas.microsoft.com/office/powerpoint/2013/main/command" cId="321228988" sldId="289"/>
+      <ac:graphicFrameMk id="3" creationId="{8DAC9EE8-1FB2-CF1E-D050-F3DB164C3BA3}"/>
+      <ac:tblMk/>
+      <ac:tcMk rowId="178122397" colId="3965126275"/>
+      <ac:txMk cp="0" len="11">
+        <ac:context len="12" hash="1373356606"/>
+      </ac:txMk>
+    </ac:txMkLst>
+    <p188:pos x="1583383" y="1645920"/>
+    <p188:txBody>
+      <a:bodyPr/>
+      <a:lstStyle/>
+      <a:p>
+        <a:r>
+          <a:rPr lang="en-IN"/>
+          <a:t>In iteration with how much they estimate their system
+</a:t>
         </a:r>
       </a:p>
     </p188:txBody>
@@ -1715,7 +1367,7 @@
           <a:p>
             <a:fld id="{2DBBF2FD-2F71-4EB8-998D-56461DCAA1E9}" type="datetimeFigureOut">
               <a:rPr lang="en-IN" smtClean="0"/>
-              <a:t>07-04-2025</a:t>
+              <a:t>09-04-2025</a:t>
             </a:fld>
             <a:endParaRPr lang="en-IN"/>
           </a:p>
@@ -2508,7 +2160,7 @@
             <a:fld id="{5586B75A-687E-405C-8A0B-8D00578BA2C3}" type="datetimeFigureOut">
               <a:rPr lang="en-US" dirty="0"/>
               <a:pPr/>
-              <a:t>4/7/2025</a:t>
+              <a:t>4/9/2025</a:t>
             </a:fld>
             <a:endParaRPr lang="en-US" dirty="0"/>
           </a:p>
@@ -2675,7 +2327,7 @@
             <a:fld id="{5586B75A-687E-405C-8A0B-8D00578BA2C3}" type="datetimeFigureOut">
               <a:rPr lang="en-US" dirty="0"/>
               <a:pPr/>
-              <a:t>4/7/2025</a:t>
+              <a:t>4/9/2025</a:t>
             </a:fld>
             <a:endParaRPr lang="en-US" dirty="0"/>
           </a:p>
@@ -2852,7 +2504,7 @@
             <a:fld id="{5586B75A-687E-405C-8A0B-8D00578BA2C3}" type="datetimeFigureOut">
               <a:rPr lang="en-US" dirty="0"/>
               <a:pPr/>
-              <a:t>4/7/2025</a:t>
+              <a:t>4/9/2025</a:t>
             </a:fld>
             <a:endParaRPr lang="en-US" dirty="0"/>
           </a:p>
@@ -3019,7 +2671,7 @@
             <a:fld id="{5586B75A-687E-405C-8A0B-8D00578BA2C3}" type="datetimeFigureOut">
               <a:rPr lang="en-US" dirty="0"/>
               <a:pPr/>
-              <a:t>4/7/2025</a:t>
+              <a:t>4/9/2025</a:t>
             </a:fld>
             <a:endParaRPr lang="en-US" dirty="0"/>
           </a:p>
@@ -3274,7 +2926,7 @@
             <a:fld id="{5586B75A-687E-405C-8A0B-8D00578BA2C3}" type="datetimeFigureOut">
               <a:rPr lang="en-US" dirty="0"/>
               <a:pPr/>
-              <a:t>4/7/2025</a:t>
+              <a:t>4/9/2025</a:t>
             </a:fld>
             <a:endParaRPr lang="en-US" dirty="0"/>
           </a:p>
@@ -3559,7 +3211,7 @@
             <a:fld id="{5586B75A-687E-405C-8A0B-8D00578BA2C3}" type="datetimeFigureOut">
               <a:rPr lang="en-US" dirty="0"/>
               <a:pPr/>
-              <a:t>4/7/2025</a:t>
+              <a:t>4/9/2025</a:t>
             </a:fld>
             <a:endParaRPr lang="en-US" dirty="0"/>
           </a:p>
@@ -3998,7 +3650,7 @@
             <a:fld id="{5586B75A-687E-405C-8A0B-8D00578BA2C3}" type="datetimeFigureOut">
               <a:rPr lang="en-US" dirty="0"/>
               <a:pPr/>
-              <a:t>4/7/2025</a:t>
+              <a:t>4/9/2025</a:t>
             </a:fld>
             <a:endParaRPr lang="en-US" dirty="0"/>
           </a:p>
@@ -4113,7 +3765,7 @@
             <a:fld id="{5586B75A-687E-405C-8A0B-8D00578BA2C3}" type="datetimeFigureOut">
               <a:rPr lang="en-US" dirty="0"/>
               <a:pPr/>
-              <a:t>4/7/2025</a:t>
+              <a:t>4/9/2025</a:t>
             </a:fld>
             <a:endParaRPr lang="en-US" dirty="0"/>
           </a:p>
@@ -4205,7 +3857,7 @@
             <a:fld id="{5586B75A-687E-405C-8A0B-8D00578BA2C3}" type="datetimeFigureOut">
               <a:rPr lang="en-US" dirty="0"/>
               <a:pPr/>
-              <a:t>4/7/2025</a:t>
+              <a:t>4/9/2025</a:t>
             </a:fld>
             <a:endParaRPr lang="en-US" dirty="0"/>
           </a:p>
@@ -4490,7 +4142,7 @@
             <a:fld id="{5586B75A-687E-405C-8A0B-8D00578BA2C3}" type="datetimeFigureOut">
               <a:rPr lang="en-US" dirty="0"/>
               <a:pPr/>
-              <a:t>4/7/2025</a:t>
+              <a:t>4/9/2025</a:t>
             </a:fld>
             <a:endParaRPr lang="en-US" dirty="0"/>
           </a:p>
@@ -4760,7 +4412,7 @@
             <a:fld id="{5586B75A-687E-405C-8A0B-8D00578BA2C3}" type="datetimeFigureOut">
               <a:rPr lang="en-US" dirty="0"/>
               <a:pPr/>
-              <a:t>4/7/2025</a:t>
+              <a:t>4/9/2025</a:t>
             </a:fld>
             <a:endParaRPr lang="en-US" dirty="0"/>
           </a:p>
@@ -5054,7 +4706,7 @@
             <a:fld id="{5586B75A-687E-405C-8A0B-8D00578BA2C3}" type="datetimeFigureOut">
               <a:rPr lang="en-US" dirty="0"/>
               <a:pPr/>
-              <a:t>4/7/2025</a:t>
+              <a:t>4/9/2025</a:t>
             </a:fld>
             <a:endParaRPr lang="en-US" dirty="0"/>
           </a:p>
@@ -7936,42 +7588,42 @@
           <p:nvPr>
             <p:extLst>
               <p:ext uri="{D42A27DB-BD31-4B8C-83A1-F6EECF244321}">
-                <p14:modId xmlns:p14="http://schemas.microsoft.com/office/powerpoint/2010/main" val="3391412982"/>
+                <p14:modId xmlns:p14="http://schemas.microsoft.com/office/powerpoint/2010/main" val="1911155163"/>
               </p:ext>
             </p:extLst>
           </p:nvPr>
         </p:nvGraphicFramePr>
         <p:xfrm>
-          <a:off x="3952713" y="1097280"/>
-          <a:ext cx="7315200" cy="4663440"/>
+          <a:off x="3666744" y="109727"/>
+          <a:ext cx="8029244" cy="5824729"/>
         </p:xfrm>
         <a:graphic>
           <a:graphicData uri="http://schemas.openxmlformats.org/drawingml/2006/table">
             <a:tbl>
               <a:tblPr/>
               <a:tblGrid>
-                <a:gridCol w="1828800">
+                <a:gridCol w="2578608">
                   <a:extLst>
                     <a:ext uri="{9D8B030D-6E8A-4147-A177-3AD203B41FA5}">
                       <a16:colId xmlns:a16="http://schemas.microsoft.com/office/drawing/2014/main" val="3965126275"/>
                     </a:ext>
                   </a:extLst>
                 </a:gridCol>
-                <a:gridCol w="1828800">
+                <a:gridCol w="1436014">
                   <a:extLst>
                     <a:ext uri="{9D8B030D-6E8A-4147-A177-3AD203B41FA5}">
                       <a16:colId xmlns:a16="http://schemas.microsoft.com/office/drawing/2014/main" val="3078022539"/>
                     </a:ext>
                   </a:extLst>
                 </a:gridCol>
-                <a:gridCol w="1828800">
+                <a:gridCol w="2358746">
                   <a:extLst>
                     <a:ext uri="{9D8B030D-6E8A-4147-A177-3AD203B41FA5}">
                       <a16:colId xmlns:a16="http://schemas.microsoft.com/office/drawing/2014/main" val="852742612"/>
                     </a:ext>
                   </a:extLst>
                 </a:gridCol>
-                <a:gridCol w="1828800">
+                <a:gridCol w="1655876">
                   <a:extLst>
                     <a:ext uri="{9D8B030D-6E8A-4147-A177-3AD203B41FA5}">
                       <a16:colId xmlns:a16="http://schemas.microsoft.com/office/drawing/2014/main" val="1033375706"/>
@@ -7979,7 +7631,7 @@
                   </a:extLst>
                 </a:gridCol>
               </a:tblGrid>
-              <a:tr h="0">
+              <a:tr h="365222">
                 <a:tc>
                   <a:txBody>
                     <a:bodyPr/>
@@ -8051,7 +7703,7 @@
                         <a:buNone/>
                       </a:pPr>
                       <a:r>
-                        <a:rPr lang="en-IN" b="1" i="0">
+                        <a:rPr lang="en-IN" b="1" i="0" dirty="0">
                           <a:solidFill>
                             <a:srgbClr val="000000"/>
                           </a:solidFill>
@@ -8059,7 +7711,7 @@
                         </a:rPr>
                         <a:t>VALUE</a:t>
                       </a:r>
-                      <a:endParaRPr lang="en-IN">
+                      <a:endParaRPr lang="en-IN" dirty="0">
                         <a:effectLst/>
                       </a:endParaRPr>
                     </a:p>
@@ -8175,7 +7827,7 @@
                         <a:buNone/>
                       </a:pPr>
                       <a:r>
-                        <a:rPr lang="en-IN" b="1" i="0">
+                        <a:rPr lang="en-IN" b="1" i="0" dirty="0">
                           <a:solidFill>
                             <a:srgbClr val="000000"/>
                           </a:solidFill>
@@ -8183,7 +7835,7 @@
                         </a:rPr>
                         <a:t>VALUE</a:t>
                       </a:r>
-                      <a:endParaRPr lang="en-IN">
+                      <a:endParaRPr lang="en-IN" dirty="0">
                         <a:effectLst/>
                       </a:endParaRPr>
                     </a:p>
@@ -8234,7 +7886,7 @@
                   </a:ext>
                 </a:extLst>
               </a:tr>
-              <a:tr h="0">
+              <a:tr h="639139">
                 <a:tc>
                   <a:txBody>
                     <a:bodyPr/>
@@ -8436,7 +8088,7 @@
                           </a:solidFill>
                           <a:effectLst/>
                         </a:rPr>
-                        <a:t>~140 KW</a:t>
+                        <a:t>~130 KW</a:t>
                       </a:r>
                       <a:endParaRPr lang="en-IN" dirty="0">
                         <a:effectLst/>
@@ -8489,7 +8141,7 @@
                   </a:ext>
                 </a:extLst>
               </a:tr>
-              <a:tr h="0">
+              <a:tr h="639139">
                 <a:tc>
                   <a:txBody>
                     <a:bodyPr/>
@@ -8691,7 +8343,7 @@
                           </a:solidFill>
                           <a:effectLst/>
                         </a:rPr>
-                        <a:t>~ 601 Kg</a:t>
+                        <a:t>~ 627 Kg</a:t>
                       </a:r>
                       <a:endParaRPr lang="en-IN" dirty="0">
                         <a:effectLst/>
@@ -8744,7 +8396,7 @@
                   </a:ext>
                 </a:extLst>
               </a:tr>
-              <a:tr h="0">
+              <a:tr h="365222">
                 <a:tc>
                   <a:txBody>
                     <a:bodyPr/>
@@ -8940,22 +8592,13 @@
                         <a:buNone/>
                       </a:pPr>
                       <a:r>
-                        <a:rPr lang="en-IN" b="1" i="0">
-                          <a:solidFill>
-                            <a:srgbClr val="000000"/>
-                          </a:solidFill>
-                          <a:effectLst/>
-                        </a:rPr>
-                        <a:t>~118 </a:t>
-                      </a:r>
-                      <a:r>
                         <a:rPr lang="en-IN" b="1" i="0" dirty="0">
                           <a:solidFill>
                             <a:srgbClr val="000000"/>
                           </a:solidFill>
                           <a:effectLst/>
                         </a:rPr>
-                        <a:t>KW Hr</a:t>
+                        <a:t>~130 kW Hr</a:t>
                       </a:r>
                       <a:endParaRPr lang="en-IN" dirty="0">
                         <a:effectLst/>
@@ -9008,7 +8651,7 @@
                   </a:ext>
                 </a:extLst>
               </a:tr>
-              <a:tr h="0">
+              <a:tr h="365222">
                 <a:tc>
                   <a:txBody>
                     <a:bodyPr/>
@@ -9210,7 +8853,7 @@
                           </a:solidFill>
                           <a:effectLst/>
                         </a:rPr>
-                        <a:t>-16 degrees</a:t>
+                        <a:t>-18 degrees</a:t>
                       </a:r>
                       <a:endParaRPr lang="en-IN" dirty="0">
                         <a:effectLst/>
@@ -9263,7 +8906,7 @@
                   </a:ext>
                 </a:extLst>
               </a:tr>
-              <a:tr h="0">
+              <a:tr h="639139">
                 <a:tc>
                   <a:txBody>
                     <a:bodyPr/>
@@ -9465,7 +9108,7 @@
                           </a:solidFill>
                           <a:effectLst/>
                         </a:rPr>
-                        <a:t>~19.8</a:t>
+                        <a:t>~21.59</a:t>
                       </a:r>
                       <a:endParaRPr lang="en-IN" dirty="0">
                         <a:effectLst/>
@@ -9518,7 +9161,7 @@
                   </a:ext>
                 </a:extLst>
               </a:tr>
-              <a:tr h="0">
+              <a:tr h="639139">
                 <a:tc>
                   <a:txBody>
                     <a:bodyPr/>
@@ -9528,15 +9171,15 @@
                         <a:buNone/>
                       </a:pPr>
                       <a:r>
-                        <a:rPr lang="en-IN" b="1" i="0">
+                        <a:rPr lang="en-IN" b="1" i="0" dirty="0">
                           <a:solidFill>
                             <a:srgbClr val="000000"/>
                           </a:solidFill>
                           <a:effectLst/>
                         </a:rPr>
-                        <a:t>ClimbSpeed</a:t>
+                        <a:t>Hover Climb Speed</a:t>
                       </a:r>
-                      <a:endParaRPr lang="en-IN">
+                      <a:endParaRPr lang="en-IN" dirty="0">
                         <a:effectLst/>
                       </a:endParaRPr>
                     </a:p>
@@ -9714,15 +9357,15 @@
                         <a:buNone/>
                       </a:pPr>
                       <a:r>
-                        <a:rPr lang="en-IN" b="1" i="0">
+                        <a:rPr lang="en-IN" b="1" i="0" dirty="0">
                           <a:solidFill>
                             <a:srgbClr val="000000"/>
                           </a:solidFill>
                           <a:effectLst/>
                         </a:rPr>
-                        <a:t>0.029</a:t>
+                        <a:t>0.049</a:t>
                       </a:r>
-                      <a:endParaRPr lang="en-IN">
+                      <a:endParaRPr lang="en-IN" dirty="0">
                         <a:effectLst/>
                       </a:endParaRPr>
                     </a:p>
@@ -9773,7 +9416,7 @@
                   </a:ext>
                 </a:extLst>
               </a:tr>
-              <a:tr h="0">
+              <a:tr h="365222">
                 <a:tc>
                   <a:txBody>
                     <a:bodyPr/>
@@ -9854,7 +9497,7 @@
                           </a:solidFill>
                           <a:effectLst/>
                         </a:rPr>
-                        <a:t>60 m/s</a:t>
+                        <a:t>50 m/s</a:t>
                       </a:r>
                       <a:endParaRPr lang="en-IN" dirty="0">
                         <a:effectLst/>
@@ -9978,7 +9621,7 @@
                           </a:solidFill>
                           <a:effectLst/>
                         </a:rPr>
-                        <a:t>235 N/m^2</a:t>
+                        <a:t>245 N/m^2</a:t>
                       </a:r>
                       <a:endParaRPr lang="en-IN" dirty="0">
                         <a:effectLst/>
@@ -10031,7 +9674,7 @@
                   </a:ext>
                 </a:extLst>
               </a:tr>
-              <a:tr h="0">
+              <a:tr h="913055">
                 <a:tc>
                   <a:txBody>
                     <a:bodyPr/>
@@ -10130,7 +9773,7 @@
                           </a:solidFill>
                           <a:effectLst/>
                         </a:rPr>
-                        <a:t>80 mins</a:t>
+                        <a:t>60 mins</a:t>
                       </a:r>
                       <a:endParaRPr lang="en-IN" dirty="0">
                         <a:effectLst/>
@@ -10304,6 +9947,486 @@
                 <a:extLst>
                   <a:ext uri="{0D108BD9-81ED-4DB2-BD59-A6C34878D82A}">
                     <a16:rowId xmlns:a16="http://schemas.microsoft.com/office/drawing/2014/main" val="1922138702"/>
+                  </a:ext>
+                </a:extLst>
+              </a:tr>
+              <a:tr h="525377">
+                <a:tc>
+                  <a:txBody>
+                    <a:bodyPr/>
+                    <a:lstStyle/>
+                    <a:p>
+                      <a:pPr algn="ctr" rtl="0">
+                        <a:buNone/>
+                      </a:pPr>
+                      <a:r>
+                        <a:rPr lang="en-US" dirty="0">
+                          <a:solidFill>
+                            <a:srgbClr val="FF0000"/>
+                          </a:solidFill>
+                          <a:effectLst/>
+                        </a:rPr>
+                        <a:t>Climb Velocity(section 5)</a:t>
+                      </a:r>
+                    </a:p>
+                  </a:txBody>
+                  <a:tcPr anchor="ctr">
+                    <a:lnL w="7620" cap="flat" cmpd="sng" algn="ctr">
+                      <a:solidFill>
+                        <a:srgbClr val="000000"/>
+                      </a:solidFill>
+                      <a:prstDash val="solid"/>
+                      <a:round/>
+                      <a:headEnd type="none" w="med" len="med"/>
+                      <a:tailEnd type="none" w="med" len="med"/>
+                    </a:lnL>
+                    <a:lnR w="7620" cap="flat" cmpd="sng" algn="ctr">
+                      <a:solidFill>
+                        <a:srgbClr val="000000"/>
+                      </a:solidFill>
+                      <a:prstDash val="solid"/>
+                      <a:round/>
+                      <a:headEnd type="none" w="med" len="med"/>
+                      <a:tailEnd type="none" w="med" len="med"/>
+                    </a:lnR>
+                    <a:lnT w="7620" cap="flat" cmpd="sng" algn="ctr">
+                      <a:solidFill>
+                        <a:srgbClr val="000000"/>
+                      </a:solidFill>
+                      <a:prstDash val="solid"/>
+                      <a:round/>
+                      <a:headEnd type="none" w="med" len="med"/>
+                      <a:tailEnd type="none" w="med" len="med"/>
+                    </a:lnT>
+                    <a:lnB w="7620" cap="flat" cmpd="sng" algn="ctr">
+                      <a:solidFill>
+                        <a:srgbClr val="000000"/>
+                      </a:solidFill>
+                      <a:prstDash val="solid"/>
+                      <a:round/>
+                      <a:headEnd type="none" w="med" len="med"/>
+                      <a:tailEnd type="none" w="med" len="med"/>
+                    </a:lnB>
+                    <a:noFill/>
+                  </a:tcPr>
+                </a:tc>
+                <a:tc>
+                  <a:txBody>
+                    <a:bodyPr/>
+                    <a:lstStyle/>
+                    <a:p>
+                      <a:pPr algn="ctr" rtl="0">
+                        <a:buNone/>
+                      </a:pPr>
+                      <a:r>
+                        <a:rPr lang="en-IN" dirty="0">
+                          <a:effectLst/>
+                        </a:rPr>
+                        <a:t>6 m/s</a:t>
+                      </a:r>
+                    </a:p>
+                  </a:txBody>
+                  <a:tcPr anchor="ctr">
+                    <a:lnL w="7620" cap="flat" cmpd="sng" algn="ctr">
+                      <a:solidFill>
+                        <a:srgbClr val="000000"/>
+                      </a:solidFill>
+                      <a:prstDash val="solid"/>
+                      <a:round/>
+                      <a:headEnd type="none" w="med" len="med"/>
+                      <a:tailEnd type="none" w="med" len="med"/>
+                    </a:lnL>
+                    <a:lnR w="7620" cap="flat" cmpd="sng" algn="ctr">
+                      <a:solidFill>
+                        <a:srgbClr val="000000"/>
+                      </a:solidFill>
+                      <a:prstDash val="solid"/>
+                      <a:round/>
+                      <a:headEnd type="none" w="med" len="med"/>
+                      <a:tailEnd type="none" w="med" len="med"/>
+                    </a:lnR>
+                    <a:lnT w="7620" cap="flat" cmpd="sng" algn="ctr">
+                      <a:solidFill>
+                        <a:srgbClr val="000000"/>
+                      </a:solidFill>
+                      <a:prstDash val="solid"/>
+                      <a:round/>
+                      <a:headEnd type="none" w="med" len="med"/>
+                      <a:tailEnd type="none" w="med" len="med"/>
+                    </a:lnT>
+                    <a:lnB w="7620" cap="flat" cmpd="sng" algn="ctr">
+                      <a:solidFill>
+                        <a:srgbClr val="000000"/>
+                      </a:solidFill>
+                      <a:prstDash val="solid"/>
+                      <a:round/>
+                      <a:headEnd type="none" w="med" len="med"/>
+                      <a:tailEnd type="none" w="med" len="med"/>
+                    </a:lnB>
+                    <a:noFill/>
+                  </a:tcPr>
+                </a:tc>
+                <a:tc>
+                  <a:txBody>
+                    <a:bodyPr/>
+                    <a:lstStyle/>
+                    <a:p>
+                      <a:pPr algn="ctr" rtl="0">
+                        <a:buNone/>
+                      </a:pPr>
+                      <a:r>
+                        <a:rPr lang="en-IN" dirty="0">
+                          <a:effectLst/>
+                        </a:rPr>
+                        <a:t>Cl design</a:t>
+                      </a:r>
+                    </a:p>
+                  </a:txBody>
+                  <a:tcPr anchor="ctr">
+                    <a:lnL w="7620" cap="flat" cmpd="sng" algn="ctr">
+                      <a:solidFill>
+                        <a:srgbClr val="000000"/>
+                      </a:solidFill>
+                      <a:prstDash val="solid"/>
+                      <a:round/>
+                      <a:headEnd type="none" w="med" len="med"/>
+                      <a:tailEnd type="none" w="med" len="med"/>
+                    </a:lnL>
+                    <a:lnR w="7620" cap="flat" cmpd="sng" algn="ctr">
+                      <a:solidFill>
+                        <a:srgbClr val="000000"/>
+                      </a:solidFill>
+                      <a:prstDash val="solid"/>
+                      <a:round/>
+                      <a:headEnd type="none" w="med" len="med"/>
+                      <a:tailEnd type="none" w="med" len="med"/>
+                    </a:lnR>
+                    <a:lnT w="7620" cap="flat" cmpd="sng" algn="ctr">
+                      <a:solidFill>
+                        <a:srgbClr val="000000"/>
+                      </a:solidFill>
+                      <a:prstDash val="solid"/>
+                      <a:round/>
+                      <a:headEnd type="none" w="med" len="med"/>
+                      <a:tailEnd type="none" w="med" len="med"/>
+                    </a:lnT>
+                    <a:lnB w="7620" cap="flat" cmpd="sng" algn="ctr">
+                      <a:solidFill>
+                        <a:srgbClr val="000000"/>
+                      </a:solidFill>
+                      <a:prstDash val="solid"/>
+                      <a:round/>
+                      <a:headEnd type="none" w="med" len="med"/>
+                      <a:tailEnd type="none" w="med" len="med"/>
+                    </a:lnB>
+                    <a:noFill/>
+                  </a:tcPr>
+                </a:tc>
+                <a:tc>
+                  <a:txBody>
+                    <a:bodyPr/>
+                    <a:lstStyle/>
+                    <a:p>
+                      <a:pPr algn="ctr" rtl="0">
+                        <a:buNone/>
+                      </a:pPr>
+                      <a:r>
+                        <a:rPr lang="en-IN" dirty="0">
+                          <a:effectLst/>
+                        </a:rPr>
+                        <a:t>0.9</a:t>
+                      </a:r>
+                    </a:p>
+                  </a:txBody>
+                  <a:tcPr anchor="ctr">
+                    <a:lnL w="7620" cap="flat" cmpd="sng" algn="ctr">
+                      <a:solidFill>
+                        <a:srgbClr val="000000"/>
+                      </a:solidFill>
+                      <a:prstDash val="solid"/>
+                      <a:round/>
+                      <a:headEnd type="none" w="med" len="med"/>
+                      <a:tailEnd type="none" w="med" len="med"/>
+                    </a:lnL>
+                    <a:lnR w="7620" cap="flat" cmpd="sng" algn="ctr">
+                      <a:solidFill>
+                        <a:srgbClr val="000000"/>
+                      </a:solidFill>
+                      <a:prstDash val="solid"/>
+                      <a:round/>
+                      <a:headEnd type="none" w="med" len="med"/>
+                      <a:tailEnd type="none" w="med" len="med"/>
+                    </a:lnR>
+                    <a:lnT w="7620" cap="flat" cmpd="sng" algn="ctr">
+                      <a:solidFill>
+                        <a:srgbClr val="000000"/>
+                      </a:solidFill>
+                      <a:prstDash val="solid"/>
+                      <a:round/>
+                      <a:headEnd type="none" w="med" len="med"/>
+                      <a:tailEnd type="none" w="med" len="med"/>
+                    </a:lnT>
+                    <a:lnB w="7620" cap="flat" cmpd="sng" algn="ctr">
+                      <a:solidFill>
+                        <a:srgbClr val="000000"/>
+                      </a:solidFill>
+                      <a:prstDash val="solid"/>
+                      <a:round/>
+                      <a:headEnd type="none" w="med" len="med"/>
+                      <a:tailEnd type="none" w="med" len="med"/>
+                    </a:lnB>
+                    <a:noFill/>
+                  </a:tcPr>
+                </a:tc>
+                <a:extLst>
+                  <a:ext uri="{0D108BD9-81ED-4DB2-BD59-A6C34878D82A}">
+                    <a16:rowId xmlns:a16="http://schemas.microsoft.com/office/drawing/2014/main" val="1207292865"/>
+                  </a:ext>
+                </a:extLst>
+              </a:tr>
+              <a:tr h="365222">
+                <a:tc>
+                  <a:txBody>
+                    <a:bodyPr/>
+                    <a:lstStyle/>
+                    <a:p>
+                      <a:pPr algn="ctr" rtl="0">
+                        <a:buNone/>
+                      </a:pPr>
+                      <a:r>
+                        <a:rPr lang="en-US" dirty="0">
+                          <a:solidFill>
+                            <a:schemeClr val="tx1"/>
+                          </a:solidFill>
+                          <a:effectLst/>
+                        </a:rPr>
+                        <a:t>Rotors active in cruise</a:t>
+                      </a:r>
+                    </a:p>
+                  </a:txBody>
+                  <a:tcPr anchor="ctr">
+                    <a:lnL w="7620" cap="flat" cmpd="sng" algn="ctr">
+                      <a:solidFill>
+                        <a:srgbClr val="000000"/>
+                      </a:solidFill>
+                      <a:prstDash val="solid"/>
+                      <a:round/>
+                      <a:headEnd type="none" w="med" len="med"/>
+                      <a:tailEnd type="none" w="med" len="med"/>
+                    </a:lnL>
+                    <a:lnR w="7620" cap="flat" cmpd="sng" algn="ctr">
+                      <a:solidFill>
+                        <a:srgbClr val="000000"/>
+                      </a:solidFill>
+                      <a:prstDash val="solid"/>
+                      <a:round/>
+                      <a:headEnd type="none" w="med" len="med"/>
+                      <a:tailEnd type="none" w="med" len="med"/>
+                    </a:lnR>
+                    <a:lnT w="7620" cap="flat" cmpd="sng" algn="ctr">
+                      <a:solidFill>
+                        <a:srgbClr val="000000"/>
+                      </a:solidFill>
+                      <a:prstDash val="solid"/>
+                      <a:round/>
+                      <a:headEnd type="none" w="med" len="med"/>
+                      <a:tailEnd type="none" w="med" len="med"/>
+                    </a:lnT>
+                    <a:lnB w="7620" cap="flat" cmpd="sng" algn="ctr">
+                      <a:solidFill>
+                        <a:srgbClr val="000000"/>
+                      </a:solidFill>
+                      <a:prstDash val="solid"/>
+                      <a:round/>
+                      <a:headEnd type="none" w="med" len="med"/>
+                      <a:tailEnd type="none" w="med" len="med"/>
+                    </a:lnB>
+                    <a:noFill/>
+                  </a:tcPr>
+                </a:tc>
+                <a:tc>
+                  <a:txBody>
+                    <a:bodyPr/>
+                    <a:lstStyle/>
+                    <a:p>
+                      <a:pPr algn="ctr" rtl="0">
+                        <a:buNone/>
+                      </a:pPr>
+                      <a:r>
+                        <a:rPr lang="en-IN" dirty="0">
+                          <a:effectLst/>
+                        </a:rPr>
+                        <a:t>2</a:t>
+                      </a:r>
+                    </a:p>
+                  </a:txBody>
+                  <a:tcPr anchor="ctr">
+                    <a:lnL w="7620" cap="flat" cmpd="sng" algn="ctr">
+                      <a:solidFill>
+                        <a:srgbClr val="000000"/>
+                      </a:solidFill>
+                      <a:prstDash val="solid"/>
+                      <a:round/>
+                      <a:headEnd type="none" w="med" len="med"/>
+                      <a:tailEnd type="none" w="med" len="med"/>
+                    </a:lnL>
+                    <a:lnR w="7620" cap="flat" cmpd="sng" algn="ctr">
+                      <a:solidFill>
+                        <a:srgbClr val="000000"/>
+                      </a:solidFill>
+                      <a:prstDash val="solid"/>
+                      <a:round/>
+                      <a:headEnd type="none" w="med" len="med"/>
+                      <a:tailEnd type="none" w="med" len="med"/>
+                    </a:lnR>
+                    <a:lnT w="7620" cap="flat" cmpd="sng" algn="ctr">
+                      <a:solidFill>
+                        <a:srgbClr val="000000"/>
+                      </a:solidFill>
+                      <a:prstDash val="solid"/>
+                      <a:round/>
+                      <a:headEnd type="none" w="med" len="med"/>
+                      <a:tailEnd type="none" w="med" len="med"/>
+                    </a:lnT>
+                    <a:lnB w="7620" cap="flat" cmpd="sng" algn="ctr">
+                      <a:solidFill>
+                        <a:srgbClr val="000000"/>
+                      </a:solidFill>
+                      <a:prstDash val="solid"/>
+                      <a:round/>
+                      <a:headEnd type="none" w="med" len="med"/>
+                      <a:tailEnd type="none" w="med" len="med"/>
+                    </a:lnB>
+                    <a:noFill/>
+                  </a:tcPr>
+                </a:tc>
+                <a:tc>
+                  <a:txBody>
+                    <a:bodyPr/>
+                    <a:lstStyle/>
+                    <a:p>
+                      <a:pPr algn="ctr" rtl="0">
+                        <a:buNone/>
+                      </a:pPr>
+                      <a:r>
+                        <a:rPr lang="en-IN" dirty="0" err="1">
+                          <a:solidFill>
+                            <a:srgbClr val="FF0000"/>
+                          </a:solidFill>
+                          <a:effectLst/>
+                        </a:rPr>
+                        <a:t>V_endurance</a:t>
+                      </a:r>
+                      <a:r>
+                        <a:rPr lang="en-IN" dirty="0">
+                          <a:solidFill>
+                            <a:srgbClr val="FF0000"/>
+                          </a:solidFill>
+                          <a:effectLst/>
+                        </a:rPr>
+                        <a:t> (cl)</a:t>
+                      </a:r>
+                    </a:p>
+                  </a:txBody>
+                  <a:tcPr anchor="ctr">
+                    <a:lnL w="7620" cap="flat" cmpd="sng" algn="ctr">
+                      <a:solidFill>
+                        <a:srgbClr val="000000"/>
+                      </a:solidFill>
+                      <a:prstDash val="solid"/>
+                      <a:round/>
+                      <a:headEnd type="none" w="med" len="med"/>
+                      <a:tailEnd type="none" w="med" len="med"/>
+                    </a:lnL>
+                    <a:lnR w="7620" cap="flat" cmpd="sng" algn="ctr">
+                      <a:solidFill>
+                        <a:srgbClr val="000000"/>
+                      </a:solidFill>
+                      <a:prstDash val="solid"/>
+                      <a:round/>
+                      <a:headEnd type="none" w="med" len="med"/>
+                      <a:tailEnd type="none" w="med" len="med"/>
+                    </a:lnR>
+                    <a:lnT w="7620" cap="flat" cmpd="sng" algn="ctr">
+                      <a:solidFill>
+                        <a:srgbClr val="000000"/>
+                      </a:solidFill>
+                      <a:prstDash val="solid"/>
+                      <a:round/>
+                      <a:headEnd type="none" w="med" len="med"/>
+                      <a:tailEnd type="none" w="med" len="med"/>
+                    </a:lnT>
+                    <a:lnB w="7620" cap="flat" cmpd="sng" algn="ctr">
+                      <a:solidFill>
+                        <a:srgbClr val="000000"/>
+                      </a:solidFill>
+                      <a:prstDash val="solid"/>
+                      <a:round/>
+                      <a:headEnd type="none" w="med" len="med"/>
+                      <a:tailEnd type="none" w="med" len="med"/>
+                    </a:lnB>
+                    <a:noFill/>
+                  </a:tcPr>
+                </a:tc>
+                <a:tc>
+                  <a:txBody>
+                    <a:bodyPr/>
+                    <a:lstStyle/>
+                    <a:p>
+                      <a:pPr algn="ctr" rtl="0">
+                        <a:buNone/>
+                      </a:pPr>
+                      <a:r>
+                        <a:rPr lang="en-IN" dirty="0">
+                          <a:effectLst/>
+                        </a:rPr>
+                        <a:t>45 m/s( 1.11)</a:t>
+                      </a:r>
+                    </a:p>
+                  </a:txBody>
+                  <a:tcPr anchor="ctr">
+                    <a:lnL w="7620" cap="flat" cmpd="sng" algn="ctr">
+                      <a:solidFill>
+                        <a:srgbClr val="000000"/>
+                      </a:solidFill>
+                      <a:prstDash val="solid"/>
+                      <a:round/>
+                      <a:headEnd type="none" w="med" len="med"/>
+                      <a:tailEnd type="none" w="med" len="med"/>
+                    </a:lnL>
+                    <a:lnR w="7620" cap="flat" cmpd="sng" algn="ctr">
+                      <a:solidFill>
+                        <a:srgbClr val="000000"/>
+                      </a:solidFill>
+                      <a:prstDash val="solid"/>
+                      <a:round/>
+                      <a:headEnd type="none" w="med" len="med"/>
+                      <a:tailEnd type="none" w="med" len="med"/>
+                    </a:lnR>
+                    <a:lnT w="7620" cap="flat" cmpd="sng" algn="ctr">
+                      <a:solidFill>
+                        <a:srgbClr val="000000"/>
+                      </a:solidFill>
+                      <a:prstDash val="solid"/>
+                      <a:round/>
+                      <a:headEnd type="none" w="med" len="med"/>
+                      <a:tailEnd type="none" w="med" len="med"/>
+                    </a:lnT>
+                    <a:lnB w="7620" cap="flat" cmpd="sng" algn="ctr">
+                      <a:solidFill>
+                        <a:srgbClr val="000000"/>
+                      </a:solidFill>
+                      <a:prstDash val="solid"/>
+                      <a:round/>
+                      <a:headEnd type="none" w="med" len="med"/>
+                      <a:tailEnd type="none" w="med" len="med"/>
+                    </a:lnB>
+                    <a:noFill/>
+                  </a:tcPr>
+                </a:tc>
+                <a:extLst>
+                  <a:ext uri="{0D108BD9-81ED-4DB2-BD59-A6C34878D82A}">
+                    <a16:rowId xmlns:a16="http://schemas.microsoft.com/office/drawing/2014/main" val="2017997886"/>
                   </a:ext>
                 </a:extLst>
               </a:tr>
@@ -10517,7 +10640,7 @@
           <p:nvPr>
             <p:extLst>
               <p:ext uri="{D42A27DB-BD31-4B8C-83A1-F6EECF244321}">
-                <p14:modId xmlns:p14="http://schemas.microsoft.com/office/powerpoint/2010/main" val="4054618488"/>
+                <p14:modId xmlns:p14="http://schemas.microsoft.com/office/powerpoint/2010/main" val="2442063339"/>
               </p:ext>
             </p:extLst>
           </p:nvPr>
@@ -10602,7 +10725,7 @@
                     <a:p>
                       <a:r>
                         <a:rPr lang="en-IN" dirty="0"/>
-                        <a:t>140 kW</a:t>
+                        <a:t>130 kW</a:t>
                       </a:r>
                     </a:p>
                   </a:txBody>
@@ -10635,7 +10758,7 @@
                     <a:p>
                       <a:r>
                         <a:rPr lang="en-IN" dirty="0"/>
-                        <a:t>~95kW</a:t>
+                        <a:t>~86 kW</a:t>
                       </a:r>
                     </a:p>
                   </a:txBody>
@@ -10668,7 +10791,7 @@
                     <a:p>
                       <a:r>
                         <a:rPr lang="en-IN" dirty="0"/>
-                        <a:t>~1.39 MJ</a:t>
+                        <a:t>~1.29 MJ</a:t>
                       </a:r>
                     </a:p>
                   </a:txBody>
@@ -10701,7 +10824,7 @@
                     <a:p>
                       <a:r>
                         <a:rPr lang="en-IN" dirty="0"/>
-                        <a:t> Battery system</a:t>
+                        <a:t> Hydrogen system</a:t>
                       </a:r>
                     </a:p>
                   </a:txBody>
@@ -10853,14 +10976,14 @@
           <p:nvPr>
             <p:extLst>
               <p:ext uri="{D42A27DB-BD31-4B8C-83A1-F6EECF244321}">
-                <p14:modId xmlns:p14="http://schemas.microsoft.com/office/powerpoint/2010/main" val="3569511377"/>
+                <p14:modId xmlns:p14="http://schemas.microsoft.com/office/powerpoint/2010/main" val="2924453611"/>
               </p:ext>
             </p:extLst>
           </p:nvPr>
         </p:nvGraphicFramePr>
         <p:xfrm>
           <a:off x="3623056" y="3021584"/>
-          <a:ext cx="8128000" cy="1844040"/>
+          <a:ext cx="8128000" cy="2214880"/>
         </p:xfrm>
         <a:graphic>
           <a:graphicData uri="http://schemas.openxmlformats.org/drawingml/2006/table">
@@ -10925,6 +11048,39 @@
                     <a:p>
                       <a:r>
                         <a:rPr lang="en-IN" dirty="0"/>
+                        <a:t>Hover power</a:t>
+                      </a:r>
+                    </a:p>
+                  </a:txBody>
+                  <a:tcPr/>
+                </a:tc>
+                <a:tc>
+                  <a:txBody>
+                    <a:bodyPr/>
+                    <a:lstStyle/>
+                    <a:p>
+                      <a:r>
+                        <a:rPr lang="en-IN" dirty="0"/>
+                        <a:t>130 kW</a:t>
+                      </a:r>
+                    </a:p>
+                  </a:txBody>
+                  <a:tcPr/>
+                </a:tc>
+                <a:extLst>
+                  <a:ext uri="{0D108BD9-81ED-4DB2-BD59-A6C34878D82A}">
+                    <a16:rowId xmlns:a16="http://schemas.microsoft.com/office/drawing/2014/main" val="3322780881"/>
+                  </a:ext>
+                </a:extLst>
+              </a:tr>
+              <a:tr h="370840">
+                <a:tc>
+                  <a:txBody>
+                    <a:bodyPr/>
+                    <a:lstStyle/>
+                    <a:p>
+                      <a:r>
+                        <a:rPr lang="en-IN" dirty="0"/>
                         <a:t>Climb Power </a:t>
                       </a:r>
                     </a:p>
@@ -10938,7 +11094,7 @@
                     <a:p>
                       <a:r>
                         <a:rPr lang="en-IN" dirty="0"/>
-                        <a:t>290 kW</a:t>
+                        <a:t>135 kW</a:t>
                       </a:r>
                     </a:p>
                   </a:txBody>
@@ -11004,7 +11160,7 @@
                     <a:p>
                       <a:r>
                         <a:rPr lang="en-IN" dirty="0"/>
-                        <a:t>26.9 MJ</a:t>
+                        <a:t>12.6 MJ</a:t>
                       </a:r>
                     </a:p>
                   </a:txBody>
@@ -11437,7 +11593,7 @@
           <p:nvPr>
             <p:extLst>
               <p:ext uri="{D42A27DB-BD31-4B8C-83A1-F6EECF244321}">
-                <p14:modId xmlns:p14="http://schemas.microsoft.com/office/powerpoint/2010/main" val="2939696028"/>
+                <p14:modId xmlns:p14="http://schemas.microsoft.com/office/powerpoint/2010/main" val="4071126612"/>
               </p:ext>
             </p:extLst>
           </p:nvPr>
@@ -11522,7 +11678,7 @@
                     <a:p>
                       <a:r>
                         <a:rPr lang="en-IN" dirty="0"/>
-                        <a:t>140 kW</a:t>
+                        <a:t>130 kW</a:t>
                       </a:r>
                     </a:p>
                   </a:txBody>
@@ -11555,7 +11711,7 @@
                     <a:p>
                       <a:r>
                         <a:rPr lang="en-IN" dirty="0"/>
-                        <a:t>1.76 MJ</a:t>
+                        <a:t>1.30 MJ</a:t>
                       </a:r>
                     </a:p>
                   </a:txBody>
@@ -11740,7 +11896,7 @@
           <p:nvPr>
             <p:extLst>
               <p:ext uri="{D42A27DB-BD31-4B8C-83A1-F6EECF244321}">
-                <p14:modId xmlns:p14="http://schemas.microsoft.com/office/powerpoint/2010/main" val="3506365941"/>
+                <p14:modId xmlns:p14="http://schemas.microsoft.com/office/powerpoint/2010/main" val="4154690161"/>
               </p:ext>
             </p:extLst>
           </p:nvPr>
@@ -11812,7 +11968,7 @@
                     <a:p>
                       <a:r>
                         <a:rPr lang="en-IN" dirty="0"/>
-                        <a:t>Thrust Required</a:t>
+                        <a:t>Cruise Power</a:t>
                       </a:r>
                     </a:p>
                   </a:txBody>
@@ -11825,7 +11981,7 @@
                     <a:p>
                       <a:r>
                         <a:rPr lang="en-IN" dirty="0"/>
-                        <a:t>2.9 KN</a:t>
+                        <a:t>80 kW</a:t>
                       </a:r>
                     </a:p>
                   </a:txBody>
@@ -11844,8 +12000,12 @@
                     <a:lstStyle/>
                     <a:p>
                       <a:r>
-                        <a:rPr lang="en-IN" dirty="0"/>
-                        <a:t>Climb Power </a:t>
+                        <a:rPr lang="en-IN" dirty="0">
+                          <a:solidFill>
+                            <a:srgbClr val="FF0000"/>
+                          </a:solidFill>
+                        </a:rPr>
+                        <a:t>Climb Velocity (ROC)</a:t>
                       </a:r>
                     </a:p>
                   </a:txBody>
@@ -11858,7 +12018,7 @@
                     <a:p>
                       <a:r>
                         <a:rPr lang="en-IN" dirty="0"/>
-                        <a:t>324 KW</a:t>
+                        <a:t>6 m/s</a:t>
                       </a:r>
                     </a:p>
                   </a:txBody>
@@ -11866,7 +12026,7 @@
                 </a:tc>
                 <a:extLst>
                   <a:ext uri="{0D108BD9-81ED-4DB2-BD59-A6C34878D82A}">
-                    <a16:rowId xmlns:a16="http://schemas.microsoft.com/office/drawing/2014/main" val="1287761958"/>
+                    <a16:rowId xmlns:a16="http://schemas.microsoft.com/office/drawing/2014/main" val="1542851062"/>
                   </a:ext>
                 </a:extLst>
               </a:tr>
@@ -11882,7 +12042,7 @@
                             <a:srgbClr val="FF0000"/>
                           </a:solidFill>
                         </a:rPr>
-                        <a:t>Climb Velocity</a:t>
+                        <a:t>Excess power</a:t>
                       </a:r>
                     </a:p>
                   </a:txBody>
@@ -11895,7 +12055,7 @@
                     <a:p>
                       <a:r>
                         <a:rPr lang="en-IN" dirty="0"/>
-                        <a:t>40 m/s</a:t>
+                        <a:t>36Kw</a:t>
                       </a:r>
                     </a:p>
                   </a:txBody>
@@ -11903,7 +12063,7 @@
                 </a:tc>
                 <a:extLst>
                   <a:ext uri="{0D108BD9-81ED-4DB2-BD59-A6C34878D82A}">
-                    <a16:rowId xmlns:a16="http://schemas.microsoft.com/office/drawing/2014/main" val="1542851062"/>
+                    <a16:rowId xmlns:a16="http://schemas.microsoft.com/office/drawing/2014/main" val="4159530021"/>
                   </a:ext>
                 </a:extLst>
               </a:tr>
@@ -11927,10 +12087,9 @@
                     <a:lstStyle/>
                     <a:p>
                       <a:r>
-                        <a:rPr lang="en-IN"/>
-                        <a:t>12.4 MJ</a:t>
+                        <a:rPr lang="en-IN" dirty="0"/>
+                        <a:t>4.68 MJ</a:t>
                       </a:r>
-                      <a:endParaRPr lang="en-IN" dirty="0"/>
                     </a:p>
                   </a:txBody>
                   <a:tcPr/>
@@ -12220,7 +12379,7 @@
           <p:nvPr>
             <p:extLst>
               <p:ext uri="{D42A27DB-BD31-4B8C-83A1-F6EECF244321}">
-                <p14:modId xmlns:p14="http://schemas.microsoft.com/office/powerpoint/2010/main" val="3676035328"/>
+                <p14:modId xmlns:p14="http://schemas.microsoft.com/office/powerpoint/2010/main" val="4031264107"/>
               </p:ext>
             </p:extLst>
           </p:nvPr>
@@ -12305,7 +12464,7 @@
                     <a:p>
                       <a:r>
                         <a:rPr lang="en-IN" dirty="0"/>
-                        <a:t>~737 N</a:t>
+                        <a:t>~769 N</a:t>
                       </a:r>
                     </a:p>
                   </a:txBody>
@@ -12338,7 +12497,7 @@
                     <a:p>
                       <a:r>
                         <a:rPr lang="en-IN" dirty="0"/>
-                        <a:t>31 Kw</a:t>
+                        <a:t>80 Kw</a:t>
                       </a:r>
                     </a:p>
                   </a:txBody>
@@ -12375,7 +12534,7 @@
                     <a:p>
                       <a:r>
                         <a:rPr lang="en-IN" dirty="0"/>
-                        <a:t>60 m/s</a:t>
+                        <a:t>50 m/s</a:t>
                       </a:r>
                     </a:p>
                   </a:txBody>
@@ -12408,7 +12567,7 @@
                     <a:p>
                       <a:r>
                         <a:rPr lang="en-IN" dirty="0"/>
-                        <a:t>14.6 MJ</a:t>
+                        <a:t>48.17 MJ</a:t>
                       </a:r>
                     </a:p>
                   </a:txBody>
@@ -12975,7 +13134,7 @@
           <p:nvPr>
             <p:extLst>
               <p:ext uri="{D42A27DB-BD31-4B8C-83A1-F6EECF244321}">
-                <p14:modId xmlns:p14="http://schemas.microsoft.com/office/powerpoint/2010/main" val="2706293709"/>
+                <p14:modId xmlns:p14="http://schemas.microsoft.com/office/powerpoint/2010/main" val="2158387912"/>
               </p:ext>
             </p:extLst>
           </p:nvPr>
@@ -13060,7 +13219,7 @@
                     <a:p>
                       <a:r>
                         <a:rPr lang="en-IN" dirty="0"/>
-                        <a:t>140KW</a:t>
+                        <a:t>130KW</a:t>
                       </a:r>
                     </a:p>
                   </a:txBody>
@@ -13093,7 +13252,7 @@
                     <a:p>
                       <a:r>
                         <a:rPr lang="en-IN" dirty="0"/>
-                        <a:t>5.4 MJ</a:t>
+                        <a:t>3.9 MJ</a:t>
                       </a:r>
                     </a:p>
                   </a:txBody>
@@ -13286,7 +13445,7 @@
           <p:nvPr>
             <p:extLst>
               <p:ext uri="{D42A27DB-BD31-4B8C-83A1-F6EECF244321}">
-                <p14:modId xmlns:p14="http://schemas.microsoft.com/office/powerpoint/2010/main" val="2053151557"/>
+                <p14:modId xmlns:p14="http://schemas.microsoft.com/office/powerpoint/2010/main" val="1873002123"/>
               </p:ext>
             </p:extLst>
           </p:nvPr>
@@ -13404,7 +13563,7 @@
                     <a:p>
                       <a:r>
                         <a:rPr lang="en-IN" dirty="0"/>
-                        <a:t>30 KW</a:t>
+                        <a:t>72 KW</a:t>
                       </a:r>
                     </a:p>
                   </a:txBody>
@@ -13464,7 +13623,7 @@
                     <a:p>
                       <a:r>
                         <a:rPr lang="en-IN" dirty="0"/>
-                        <a:t>40 m/s for now (1.17 </a:t>
+                        <a:t>45 m/s for now (1.11 </a:t>
                       </a:r>
                       <a:r>
                         <a:rPr lang="en-IN" dirty="0" err="1"/>
@@ -13505,7 +13664,7 @@
                     <a:p>
                       <a:r>
                         <a:rPr lang="en-IN" dirty="0"/>
-                        <a:t>246 MJ</a:t>
+                        <a:t>261 MJ</a:t>
                       </a:r>
                     </a:p>
                   </a:txBody>
@@ -13724,6 +13883,13 @@
             <a:r>
               <a:rPr lang="en-IN" dirty="0"/>
               <a:t>Estimate Wing sizing</a:t>
+            </a:r>
+            <a:br>
+              <a:rPr lang="en-IN" dirty="0"/>
+            </a:br>
+            <a:r>
+              <a:rPr lang="en-IN" dirty="0"/>
+              <a:t>(Done after getting data from aerodynamic people)</a:t>
             </a:r>
             <a:endParaRPr lang="en-IN" dirty="0">
               <a:solidFill>
@@ -14096,7 +14262,7 @@
           <p:nvPr>
             <p:extLst>
               <p:ext uri="{D42A27DB-BD31-4B8C-83A1-F6EECF244321}">
-                <p14:modId xmlns:p14="http://schemas.microsoft.com/office/powerpoint/2010/main" val="1558186390"/>
+                <p14:modId xmlns:p14="http://schemas.microsoft.com/office/powerpoint/2010/main" val="3165690614"/>
               </p:ext>
             </p:extLst>
           </p:nvPr>
@@ -14472,7 +14638,7 @@
                           </a:solidFill>
                           <a:effectLst/>
                         </a:rPr>
-                        <a:t>~125</a:t>
+                        <a:t>~150.45</a:t>
                       </a:r>
                       <a:endParaRPr lang="en-IN" dirty="0">
                         <a:effectLst/>
@@ -14596,7 +14762,7 @@
                           </a:solidFill>
                           <a:effectLst/>
                         </a:rPr>
-                        <a:t>~4</a:t>
+                        <a:t>~4.37</a:t>
                       </a:r>
                       <a:endParaRPr lang="en-IN" dirty="0">
                         <a:effectLst/>
@@ -14727,7 +14893,7 @@
                           </a:solidFill>
                           <a:effectLst/>
                         </a:rPr>
-                        <a:t>52</a:t>
+                        <a:t>28.6 (&lt;30)</a:t>
                       </a:r>
                       <a:endParaRPr lang="en-IN" dirty="0">
                         <a:effectLst/>
@@ -14851,7 +15017,7 @@
                           </a:solidFill>
                           <a:effectLst/>
                         </a:rPr>
-                        <a:t>~ 18</a:t>
+                        <a:t>~ 12</a:t>
                       </a:r>
                       <a:endParaRPr lang="en-IN" dirty="0">
                         <a:effectLst/>
@@ -15106,7 +15272,7 @@
                           </a:solidFill>
                           <a:effectLst/>
                         </a:rPr>
-                        <a:t>~6 </a:t>
+                        <a:t>~6.27 </a:t>
                       </a:r>
                       <a:endParaRPr lang="en-IN" dirty="0">
                         <a:effectLst/>
@@ -15237,7 +15403,7 @@
                           </a:solidFill>
                           <a:effectLst/>
                         </a:rPr>
-                        <a:t>137 </a:t>
+                        <a:t>141.11</a:t>
                       </a:r>
                       <a:endParaRPr lang="en-IN" dirty="0">
                         <a:effectLst/>
@@ -15361,7 +15527,7 @@
                           </a:solidFill>
                           <a:effectLst/>
                         </a:rPr>
-                        <a:t>~ 12</a:t>
+                        <a:t>~ 13.56</a:t>
                       </a:r>
                       <a:endParaRPr lang="en-IN" dirty="0">
                         <a:effectLst/>
@@ -15495,7 +15661,7 @@
                           </a:solidFill>
                           <a:effectLst/>
                         </a:rPr>
-                        <a:t>~2 </a:t>
+                        <a:t>~1.7 </a:t>
                       </a:r>
                       <a:endParaRPr lang="en-IN" dirty="0">
                         <a:effectLst/>
@@ -15750,7 +15916,7 @@
                           </a:solidFill>
                           <a:effectLst/>
                         </a:rPr>
-                        <a:t>~1 </a:t>
+                        <a:t>~1 .36</a:t>
                       </a:r>
                       <a:endParaRPr lang="en-IN" dirty="0">
                         <a:effectLst/>
@@ -15874,7 +16040,7 @@
                           </a:solidFill>
                           <a:effectLst/>
                         </a:rPr>
-                        <a:t>~ 208</a:t>
+                        <a:t>~ 224</a:t>
                       </a:r>
                       <a:endParaRPr lang="en-IN" dirty="0">
                         <a:effectLst/>
@@ -16108,7 +16274,7 @@
                         <a:rPr lang="en-IN" b="1" dirty="0">
                           <a:effectLst/>
                         </a:rPr>
-                        <a:t>~ 208</a:t>
+                        <a:t>~ 218</a:t>
                       </a:r>
                     </a:p>
                   </a:txBody>
@@ -16239,7 +16405,7 @@
                           </a:solidFill>
                           <a:effectLst/>
                         </a:rPr>
-                        <a:t>~10</a:t>
+                        <a:t>~10.91</a:t>
                       </a:r>
                       <a:endParaRPr lang="en-IN" dirty="0">
                         <a:effectLst/>
@@ -16497,7 +16663,7 @@
                           </a:solidFill>
                           <a:effectLst/>
                         </a:rPr>
-                        <a:t>80 mins</a:t>
+                        <a:t>2.4 </a:t>
                       </a:r>
                       <a:endParaRPr lang="en-IN" dirty="0">
                         <a:effectLst/>
@@ -16621,7 +16787,7 @@
                           </a:solidFill>
                           <a:effectLst/>
                         </a:rPr>
-                        <a:t>~ 601</a:t>
+                        <a:t>~ 628</a:t>
                       </a:r>
                       <a:endParaRPr lang="en-IN" dirty="0">
                         <a:effectLst/>
@@ -16801,6 +16967,11 @@
   <p:clrMapOvr>
     <a:masterClrMapping/>
   </p:clrMapOvr>
+  <p:extLst>
+    <p:ext uri="{6950BFC3-D8DA-4A85-94F7-54DA5524770B}">
+      <p188:commentRel xmlns:p188="http://schemas.microsoft.com/office/powerpoint/2018/8/main" r:id="rId2"/>
+    </p:ext>
+  </p:extLst>
 </p:sld>
 </file>
 

--- a/BEMT_results/VFS performance validation.pptx
+++ b/BEMT_results/VFS performance validation.pptx
@@ -161,7 +161,7 @@
   <pc:docChgLst>
     <pc:chgData name="Ritwik Shankar" userId="e2be679c-d84c-4102-934b-c8025a445f68" providerId="ADAL" clId="{248CDB21-9E84-42A9-9BBC-6B7688573ACB}"/>
     <pc:docChg chg="undo redo custSel addSld delSld modSld sldOrd">
-      <pc:chgData name="Ritwik Shankar" userId="e2be679c-d84c-4102-934b-c8025a445f68" providerId="ADAL" clId="{248CDB21-9E84-42A9-9BBC-6B7688573ACB}" dt="2025-04-09T18:15:29.988" v="3879" actId="20577"/>
+      <pc:chgData name="Ritwik Shankar" userId="e2be679c-d84c-4102-934b-c8025a445f68" providerId="ADAL" clId="{248CDB21-9E84-42A9-9BBC-6B7688573ACB}" dt="2025-05-04T15:31:01.827" v="3890" actId="20577"/>
       <pc:docMkLst>
         <pc:docMk/>
       </pc:docMkLst>
@@ -272,7 +272,7 @@
         </pc:sldMkLst>
       </pc:sldChg>
       <pc:sldChg chg="addSp delSp modSp new mod ord">
-        <pc:chgData name="Ritwik Shankar" userId="e2be679c-d84c-4102-934b-c8025a445f68" providerId="ADAL" clId="{248CDB21-9E84-42A9-9BBC-6B7688573ACB}" dt="2025-04-09T18:00:49.021" v="3519" actId="20577"/>
+        <pc:chgData name="Ritwik Shankar" userId="e2be679c-d84c-4102-934b-c8025a445f68" providerId="ADAL" clId="{248CDB21-9E84-42A9-9BBC-6B7688573ACB}" dt="2025-05-04T15:31:01.827" v="3890" actId="20577"/>
         <pc:sldMkLst>
           <pc:docMk/>
           <pc:sldMk cId="3566142916" sldId="261"/>
@@ -294,7 +294,7 @@
           </ac:spMkLst>
         </pc:spChg>
         <pc:graphicFrameChg chg="add mod modGraphic">
-          <ac:chgData name="Ritwik Shankar" userId="e2be679c-d84c-4102-934b-c8025a445f68" providerId="ADAL" clId="{248CDB21-9E84-42A9-9BBC-6B7688573ACB}" dt="2025-04-09T18:00:49.021" v="3519" actId="20577"/>
+          <ac:chgData name="Ritwik Shankar" userId="e2be679c-d84c-4102-934b-c8025a445f68" providerId="ADAL" clId="{248CDB21-9E84-42A9-9BBC-6B7688573ACB}" dt="2025-05-04T15:31:01.827" v="3890" actId="20577"/>
           <ac:graphicFrameMkLst>
             <pc:docMk/>
             <pc:sldMk cId="3566142916" sldId="261"/>
@@ -326,13 +326,13 @@
         </pc:picChg>
       </pc:sldChg>
       <pc:sldChg chg="addSp modSp new mod">
-        <pc:chgData name="Ritwik Shankar" userId="e2be679c-d84c-4102-934b-c8025a445f68" providerId="ADAL" clId="{248CDB21-9E84-42A9-9BBC-6B7688573ACB}" dt="2025-04-07T05:21:45.144" v="1511" actId="1076"/>
+        <pc:chgData name="Ritwik Shankar" userId="e2be679c-d84c-4102-934b-c8025a445f68" providerId="ADAL" clId="{248CDB21-9E84-42A9-9BBC-6B7688573ACB}" dt="2025-05-04T15:30:35.529" v="3886" actId="20577"/>
         <pc:sldMkLst>
           <pc:docMk/>
           <pc:sldMk cId="4210073335" sldId="263"/>
         </pc:sldMkLst>
         <pc:spChg chg="add mod">
-          <ac:chgData name="Ritwik Shankar" userId="e2be679c-d84c-4102-934b-c8025a445f68" providerId="ADAL" clId="{248CDB21-9E84-42A9-9BBC-6B7688573ACB}" dt="2025-04-07T05:21:45.144" v="1511" actId="1076"/>
+          <ac:chgData name="Ritwik Shankar" userId="e2be679c-d84c-4102-934b-c8025a445f68" providerId="ADAL" clId="{248CDB21-9E84-42A9-9BBC-6B7688573ACB}" dt="2025-05-04T15:30:35.529" v="3886" actId="20577"/>
           <ac:spMkLst>
             <pc:docMk/>
             <pc:sldMk cId="4210073335" sldId="263"/>
@@ -974,14 +974,6 @@
             <ac:graphicFrameMk id="3" creationId="{C3C4AED2-E59A-BAD4-FF54-0EA618BBE2ED}"/>
           </ac:graphicFrameMkLst>
         </pc:graphicFrameChg>
-        <pc:graphicFrameChg chg="add del modGraphic">
-          <ac:chgData name="Ritwik Shankar" userId="e2be679c-d84c-4102-934b-c8025a445f68" providerId="ADAL" clId="{248CDB21-9E84-42A9-9BBC-6B7688573ACB}" dt="2025-04-09T18:07:54.594" v="3684" actId="27309"/>
-          <ac:graphicFrameMkLst>
-            <pc:docMk/>
-            <pc:sldMk cId="229177221" sldId="281"/>
-            <ac:graphicFrameMk id="7" creationId="{94A1F3ED-D860-7E74-88CE-A3B1133E9FBC}"/>
-          </ac:graphicFrameMkLst>
-        </pc:graphicFrameChg>
         <pc:picChg chg="add mod">
           <ac:chgData name="Ritwik Shankar" userId="e2be679c-d84c-4102-934b-c8025a445f68" providerId="ADAL" clId="{248CDB21-9E84-42A9-9BBC-6B7688573ACB}" dt="2025-04-07T05:59:05.775" v="2211" actId="1076"/>
           <ac:picMkLst>
@@ -1161,7 +1153,7 @@
         </pc:sldMkLst>
       </pc:sldChg>
       <pc:sldChg chg="modSp add mod ord">
-        <pc:chgData name="Ritwik Shankar" userId="e2be679c-d84c-4102-934b-c8025a445f68" providerId="ADAL" clId="{248CDB21-9E84-42A9-9BBC-6B7688573ACB}" dt="2025-04-09T18:09:48.754" v="3787" actId="20577"/>
+        <pc:chgData name="Ritwik Shankar" userId="e2be679c-d84c-4102-934b-c8025a445f68" providerId="ADAL" clId="{248CDB21-9E84-42A9-9BBC-6B7688573ACB}" dt="2025-05-04T15:30:52.123" v="3888" actId="20577"/>
         <pc:sldMkLst>
           <pc:docMk/>
           <pc:sldMk cId="1857382097" sldId="288"/>
@@ -1175,7 +1167,7 @@
           </ac:spMkLst>
         </pc:spChg>
         <pc:graphicFrameChg chg="modGraphic">
-          <ac:chgData name="Ritwik Shankar" userId="e2be679c-d84c-4102-934b-c8025a445f68" providerId="ADAL" clId="{248CDB21-9E84-42A9-9BBC-6B7688573ACB}" dt="2025-04-07T06:54:24.790" v="2796" actId="20577"/>
+          <ac:chgData name="Ritwik Shankar" userId="e2be679c-d84c-4102-934b-c8025a445f68" providerId="ADAL" clId="{248CDB21-9E84-42A9-9BBC-6B7688573ACB}" dt="2025-05-04T15:30:52.123" v="3888" actId="20577"/>
           <ac:graphicFrameMkLst>
             <pc:docMk/>
             <pc:sldMk cId="1857382097" sldId="288"/>
@@ -1367,7 +1359,7 @@
           <a:p>
             <a:fld id="{2DBBF2FD-2F71-4EB8-998D-56461DCAA1E9}" type="datetimeFigureOut">
               <a:rPr lang="en-IN" smtClean="0"/>
-              <a:t>09-04-2025</a:t>
+              <a:t>04-05-2025</a:t>
             </a:fld>
             <a:endParaRPr lang="en-IN"/>
           </a:p>
@@ -1679,7 +1671,7 @@
           <a:bodyPr/>
           <a:lstStyle/>
           <a:p>
-            <a:endParaRPr lang="en-IN" dirty="0"/>
+            <a:endParaRPr lang="en-IN"/>
           </a:p>
         </p:txBody>
       </p:sp>
@@ -1781,7 +1773,7 @@
           <a:bodyPr/>
           <a:lstStyle/>
           <a:p>
-            <a:endParaRPr lang="en-IN" dirty="0"/>
+            <a:endParaRPr lang="en-IN"/>
           </a:p>
         </p:txBody>
       </p:sp>
@@ -1889,7 +1881,7 @@
           <a:bodyPr/>
           <a:lstStyle/>
           <a:p>
-            <a:endParaRPr lang="en-IN" dirty="0"/>
+            <a:endParaRPr lang="en-IN"/>
           </a:p>
         </p:txBody>
       </p:sp>
@@ -2064,7 +2056,6 @@
               <a:rPr lang="en-US"/>
               <a:t>Click to edit Master title style</a:t>
             </a:r>
-            <a:endParaRPr lang="en-US" dirty="0"/>
           </a:p>
         </p:txBody>
       </p:sp>
@@ -2138,7 +2129,6 @@
               <a:rPr lang="en-US"/>
               <a:t>Click to edit Master subtitle style</a:t>
             </a:r>
-            <a:endParaRPr lang="en-US" dirty="0"/>
           </a:p>
         </p:txBody>
       </p:sp>
@@ -2160,9 +2150,9 @@
             <a:fld id="{5586B75A-687E-405C-8A0B-8D00578BA2C3}" type="datetimeFigureOut">
               <a:rPr lang="en-US" dirty="0"/>
               <a:pPr/>
-              <a:t>4/9/2025</a:t>
+              <a:t>5/4/2025</a:t>
             </a:fld>
-            <a:endParaRPr lang="en-US" dirty="0"/>
+            <a:endParaRPr lang="en-US"/>
           </a:p>
         </p:txBody>
       </p:sp>
@@ -2181,7 +2171,7 @@
           <a:bodyPr/>
           <a:lstStyle/>
           <a:p>
-            <a:endParaRPr lang="en-US" dirty="0"/>
+            <a:endParaRPr lang="en-US"/>
           </a:p>
         </p:txBody>
       </p:sp>
@@ -2205,7 +2195,7 @@
               <a:pPr/>
               <a:t>‹#›</a:t>
             </a:fld>
-            <a:endParaRPr lang="en-US" dirty="0"/>
+            <a:endParaRPr lang="en-US"/>
           </a:p>
         </p:txBody>
       </p:sp>
@@ -2253,7 +2243,6 @@
               <a:rPr lang="en-US"/>
               <a:t>Click to edit Master title style</a:t>
             </a:r>
-            <a:endParaRPr lang="en-US" dirty="0"/>
           </a:p>
         </p:txBody>
       </p:sp>
@@ -2305,7 +2294,6 @@
               <a:rPr lang="en-US"/>
               <a:t>Fifth level</a:t>
             </a:r>
-            <a:endParaRPr lang="en-US" dirty="0"/>
           </a:p>
         </p:txBody>
       </p:sp>
@@ -2327,9 +2315,9 @@
             <a:fld id="{5586B75A-687E-405C-8A0B-8D00578BA2C3}" type="datetimeFigureOut">
               <a:rPr lang="en-US" dirty="0"/>
               <a:pPr/>
-              <a:t>4/9/2025</a:t>
+              <a:t>5/4/2025</a:t>
             </a:fld>
-            <a:endParaRPr lang="en-US" dirty="0"/>
+            <a:endParaRPr lang="en-US"/>
           </a:p>
         </p:txBody>
       </p:sp>
@@ -2348,7 +2336,7 @@
           <a:bodyPr/>
           <a:lstStyle/>
           <a:p>
-            <a:endParaRPr lang="en-US" dirty="0"/>
+            <a:endParaRPr lang="en-US"/>
           </a:p>
         </p:txBody>
       </p:sp>
@@ -2372,7 +2360,7 @@
               <a:pPr/>
               <a:t>‹#›</a:t>
             </a:fld>
-            <a:endParaRPr lang="en-US" dirty="0"/>
+            <a:endParaRPr lang="en-US"/>
           </a:p>
         </p:txBody>
       </p:sp>
@@ -2425,7 +2413,6 @@
               <a:rPr lang="en-US"/>
               <a:t>Click to edit Master title style</a:t>
             </a:r>
-            <a:endParaRPr lang="en-US" dirty="0"/>
           </a:p>
         </p:txBody>
       </p:sp>
@@ -2482,7 +2469,6 @@
               <a:rPr lang="en-US"/>
               <a:t>Fifth level</a:t>
             </a:r>
-            <a:endParaRPr lang="en-US" dirty="0"/>
           </a:p>
         </p:txBody>
       </p:sp>
@@ -2504,9 +2490,9 @@
             <a:fld id="{5586B75A-687E-405C-8A0B-8D00578BA2C3}" type="datetimeFigureOut">
               <a:rPr lang="en-US" dirty="0"/>
               <a:pPr/>
-              <a:t>4/9/2025</a:t>
+              <a:t>5/4/2025</a:t>
             </a:fld>
-            <a:endParaRPr lang="en-US" dirty="0"/>
+            <a:endParaRPr lang="en-US"/>
           </a:p>
         </p:txBody>
       </p:sp>
@@ -2525,7 +2511,7 @@
           <a:bodyPr/>
           <a:lstStyle/>
           <a:p>
-            <a:endParaRPr lang="en-US" dirty="0"/>
+            <a:endParaRPr lang="en-US"/>
           </a:p>
         </p:txBody>
       </p:sp>
@@ -2549,7 +2535,7 @@
               <a:pPr/>
               <a:t>‹#›</a:t>
             </a:fld>
-            <a:endParaRPr lang="en-US" dirty="0"/>
+            <a:endParaRPr lang="en-US"/>
           </a:p>
         </p:txBody>
       </p:sp>
@@ -2597,7 +2583,6 @@
               <a:rPr lang="en-US"/>
               <a:t>Click to edit Master title style</a:t>
             </a:r>
-            <a:endParaRPr lang="en-US" dirty="0"/>
           </a:p>
         </p:txBody>
       </p:sp>
@@ -2649,7 +2634,6 @@
               <a:rPr lang="en-US"/>
               <a:t>Fifth level</a:t>
             </a:r>
-            <a:endParaRPr lang="en-US" dirty="0"/>
           </a:p>
         </p:txBody>
       </p:sp>
@@ -2671,9 +2655,9 @@
             <a:fld id="{5586B75A-687E-405C-8A0B-8D00578BA2C3}" type="datetimeFigureOut">
               <a:rPr lang="en-US" dirty="0"/>
               <a:pPr/>
-              <a:t>4/9/2025</a:t>
+              <a:t>5/4/2025</a:t>
             </a:fld>
-            <a:endParaRPr lang="en-US" dirty="0"/>
+            <a:endParaRPr lang="en-US"/>
           </a:p>
         </p:txBody>
       </p:sp>
@@ -2692,7 +2676,7 @@
           <a:bodyPr/>
           <a:lstStyle/>
           <a:p>
-            <a:endParaRPr lang="en-US" dirty="0"/>
+            <a:endParaRPr lang="en-US"/>
           </a:p>
         </p:txBody>
       </p:sp>
@@ -2716,7 +2700,7 @@
               <a:pPr/>
               <a:t>‹#›</a:t>
             </a:fld>
-            <a:endParaRPr lang="en-US" dirty="0"/>
+            <a:endParaRPr lang="en-US"/>
           </a:p>
         </p:txBody>
       </p:sp>
@@ -2782,7 +2766,6 @@
               <a:rPr lang="en-US"/>
               <a:t>Click to edit Master title style</a:t>
             </a:r>
-            <a:endParaRPr lang="en-US" dirty="0"/>
           </a:p>
         </p:txBody>
       </p:sp>
@@ -2926,9 +2909,9 @@
             <a:fld id="{5586B75A-687E-405C-8A0B-8D00578BA2C3}" type="datetimeFigureOut">
               <a:rPr lang="en-US" dirty="0"/>
               <a:pPr/>
-              <a:t>4/9/2025</a:t>
+              <a:t>5/4/2025</a:t>
             </a:fld>
-            <a:endParaRPr lang="en-US" dirty="0"/>
+            <a:endParaRPr lang="en-US"/>
           </a:p>
         </p:txBody>
       </p:sp>
@@ -2947,7 +2930,7 @@
           <a:bodyPr/>
           <a:lstStyle/>
           <a:p>
-            <a:endParaRPr lang="en-US" dirty="0"/>
+            <a:endParaRPr lang="en-US"/>
           </a:p>
         </p:txBody>
       </p:sp>
@@ -2971,7 +2954,7 @@
               <a:pPr/>
               <a:t>‹#›</a:t>
             </a:fld>
-            <a:endParaRPr lang="en-US" dirty="0"/>
+            <a:endParaRPr lang="en-US"/>
           </a:p>
         </p:txBody>
       </p:sp>
@@ -3019,7 +3002,6 @@
               <a:rPr lang="en-US"/>
               <a:t>Click to edit Master title style</a:t>
             </a:r>
-            <a:endParaRPr lang="en-US" dirty="0"/>
           </a:p>
         </p:txBody>
       </p:sp>
@@ -3104,7 +3086,6 @@
               <a:rPr lang="en-US"/>
               <a:t>Fifth level</a:t>
             </a:r>
-            <a:endParaRPr lang="en-US" dirty="0"/>
           </a:p>
         </p:txBody>
       </p:sp>
@@ -3189,7 +3170,6 @@
               <a:rPr lang="en-US"/>
               <a:t>Fifth level</a:t>
             </a:r>
-            <a:endParaRPr lang="en-US" dirty="0"/>
           </a:p>
         </p:txBody>
       </p:sp>
@@ -3211,9 +3191,9 @@
             <a:fld id="{5586B75A-687E-405C-8A0B-8D00578BA2C3}" type="datetimeFigureOut">
               <a:rPr lang="en-US" dirty="0"/>
               <a:pPr/>
-              <a:t>4/9/2025</a:t>
+              <a:t>5/4/2025</a:t>
             </a:fld>
-            <a:endParaRPr lang="en-US" dirty="0"/>
+            <a:endParaRPr lang="en-US"/>
           </a:p>
         </p:txBody>
       </p:sp>
@@ -3232,7 +3212,7 @@
           <a:bodyPr/>
           <a:lstStyle/>
           <a:p>
-            <a:endParaRPr lang="en-US" dirty="0"/>
+            <a:endParaRPr lang="en-US"/>
           </a:p>
         </p:txBody>
       </p:sp>
@@ -3256,7 +3236,7 @@
               <a:pPr/>
               <a:t>‹#›</a:t>
             </a:fld>
-            <a:endParaRPr lang="en-US" dirty="0"/>
+            <a:endParaRPr lang="en-US"/>
           </a:p>
         </p:txBody>
       </p:sp>
@@ -3304,7 +3284,6 @@
               <a:rPr lang="en-US"/>
               <a:t>Click to edit Master title style</a:t>
             </a:r>
-            <a:endParaRPr lang="en-US" dirty="0"/>
           </a:p>
         </p:txBody>
       </p:sp>
@@ -3466,7 +3445,6 @@
               <a:rPr lang="en-US"/>
               <a:t>Fifth level</a:t>
             </a:r>
-            <a:endParaRPr lang="en-US" dirty="0"/>
           </a:p>
         </p:txBody>
       </p:sp>
@@ -3628,7 +3606,6 @@
               <a:rPr lang="en-US"/>
               <a:t>Fifth level</a:t>
             </a:r>
-            <a:endParaRPr lang="en-US" dirty="0"/>
           </a:p>
         </p:txBody>
       </p:sp>
@@ -3650,9 +3627,9 @@
             <a:fld id="{5586B75A-687E-405C-8A0B-8D00578BA2C3}" type="datetimeFigureOut">
               <a:rPr lang="en-US" dirty="0"/>
               <a:pPr/>
-              <a:t>4/9/2025</a:t>
+              <a:t>5/4/2025</a:t>
             </a:fld>
-            <a:endParaRPr lang="en-US" dirty="0"/>
+            <a:endParaRPr lang="en-US"/>
           </a:p>
         </p:txBody>
       </p:sp>
@@ -3671,7 +3648,7 @@
           <a:bodyPr/>
           <a:lstStyle/>
           <a:p>
-            <a:endParaRPr lang="en-US" dirty="0"/>
+            <a:endParaRPr lang="en-US"/>
           </a:p>
         </p:txBody>
       </p:sp>
@@ -3695,7 +3672,7 @@
               <a:pPr/>
               <a:t>‹#›</a:t>
             </a:fld>
-            <a:endParaRPr lang="en-US" dirty="0"/>
+            <a:endParaRPr lang="en-US"/>
           </a:p>
         </p:txBody>
       </p:sp>
@@ -3743,7 +3720,6 @@
               <a:rPr lang="en-US"/>
               <a:t>Click to edit Master title style</a:t>
             </a:r>
-            <a:endParaRPr lang="en-US" dirty="0"/>
           </a:p>
         </p:txBody>
       </p:sp>
@@ -3765,9 +3741,9 @@
             <a:fld id="{5586B75A-687E-405C-8A0B-8D00578BA2C3}" type="datetimeFigureOut">
               <a:rPr lang="en-US" dirty="0"/>
               <a:pPr/>
-              <a:t>4/9/2025</a:t>
+              <a:t>5/4/2025</a:t>
             </a:fld>
-            <a:endParaRPr lang="en-US" dirty="0"/>
+            <a:endParaRPr lang="en-US"/>
           </a:p>
         </p:txBody>
       </p:sp>
@@ -3786,7 +3762,7 @@
           <a:bodyPr/>
           <a:lstStyle/>
           <a:p>
-            <a:endParaRPr lang="en-US" dirty="0"/>
+            <a:endParaRPr lang="en-US"/>
           </a:p>
         </p:txBody>
       </p:sp>
@@ -3810,7 +3786,7 @@
               <a:pPr/>
               <a:t>‹#›</a:t>
             </a:fld>
-            <a:endParaRPr lang="en-US" dirty="0"/>
+            <a:endParaRPr lang="en-US"/>
           </a:p>
         </p:txBody>
       </p:sp>
@@ -3857,9 +3833,9 @@
             <a:fld id="{5586B75A-687E-405C-8A0B-8D00578BA2C3}" type="datetimeFigureOut">
               <a:rPr lang="en-US" dirty="0"/>
               <a:pPr/>
-              <a:t>4/9/2025</a:t>
+              <a:t>5/4/2025</a:t>
             </a:fld>
-            <a:endParaRPr lang="en-US" dirty="0"/>
+            <a:endParaRPr lang="en-US"/>
           </a:p>
         </p:txBody>
       </p:sp>
@@ -3878,7 +3854,7 @@
           <a:bodyPr/>
           <a:lstStyle/>
           <a:p>
-            <a:endParaRPr lang="en-US" dirty="0"/>
+            <a:endParaRPr lang="en-US"/>
           </a:p>
         </p:txBody>
       </p:sp>
@@ -3902,7 +3878,7 @@
               <a:pPr/>
               <a:t>‹#›</a:t>
             </a:fld>
-            <a:endParaRPr lang="en-US" dirty="0"/>
+            <a:endParaRPr lang="en-US"/>
           </a:p>
         </p:txBody>
       </p:sp>
@@ -3961,7 +3937,6 @@
               <a:rPr lang="en-US"/>
               <a:t>Click to edit Master title style</a:t>
             </a:r>
-            <a:endParaRPr lang="en-US" dirty="0"/>
           </a:p>
         </p:txBody>
       </p:sp>
@@ -4046,7 +4021,6 @@
               <a:rPr lang="en-US"/>
               <a:t>Fifth level</a:t>
             </a:r>
-            <a:endParaRPr lang="en-US" dirty="0"/>
           </a:p>
         </p:txBody>
       </p:sp>
@@ -4142,9 +4116,9 @@
             <a:fld id="{5586B75A-687E-405C-8A0B-8D00578BA2C3}" type="datetimeFigureOut">
               <a:rPr lang="en-US" dirty="0"/>
               <a:pPr/>
-              <a:t>4/9/2025</a:t>
+              <a:t>5/4/2025</a:t>
             </a:fld>
-            <a:endParaRPr lang="en-US" dirty="0"/>
+            <a:endParaRPr lang="en-US"/>
           </a:p>
         </p:txBody>
       </p:sp>
@@ -4163,7 +4137,7 @@
           <a:bodyPr/>
           <a:lstStyle/>
           <a:p>
-            <a:endParaRPr lang="en-US" dirty="0"/>
+            <a:endParaRPr lang="en-US"/>
           </a:p>
         </p:txBody>
       </p:sp>
@@ -4187,7 +4161,7 @@
               <a:pPr/>
               <a:t>‹#›</a:t>
             </a:fld>
-            <a:endParaRPr lang="en-US" dirty="0"/>
+            <a:endParaRPr lang="en-US"/>
           </a:p>
         </p:txBody>
       </p:sp>
@@ -4246,7 +4220,6 @@
               <a:rPr lang="en-US"/>
               <a:t>Click to edit Master title style</a:t>
             </a:r>
-            <a:endParaRPr lang="en-US" dirty="0"/>
           </a:p>
         </p:txBody>
       </p:sp>
@@ -4316,7 +4289,6 @@
               <a:rPr lang="en-US"/>
               <a:t>Click icon to add picture</a:t>
             </a:r>
-            <a:endParaRPr lang="en-US" dirty="0"/>
           </a:p>
         </p:txBody>
       </p:sp>
@@ -4412,9 +4384,9 @@
             <a:fld id="{5586B75A-687E-405C-8A0B-8D00578BA2C3}" type="datetimeFigureOut">
               <a:rPr lang="en-US" dirty="0"/>
               <a:pPr/>
-              <a:t>4/9/2025</a:t>
+              <a:t>5/4/2025</a:t>
             </a:fld>
-            <a:endParaRPr lang="en-US" dirty="0"/>
+            <a:endParaRPr lang="en-US"/>
           </a:p>
         </p:txBody>
       </p:sp>
@@ -4438,7 +4410,7 @@
           <a:bodyPr/>
           <a:lstStyle/>
           <a:p>
-            <a:endParaRPr lang="en-US" dirty="0"/>
+            <a:endParaRPr lang="en-US"/>
           </a:p>
         </p:txBody>
       </p:sp>
@@ -4462,7 +4434,7 @@
               <a:pPr/>
               <a:t>‹#›</a:t>
             </a:fld>
-            <a:endParaRPr lang="en-US" dirty="0"/>
+            <a:endParaRPr lang="en-US"/>
           </a:p>
         </p:txBody>
       </p:sp>
@@ -4563,7 +4535,6 @@
               <a:rPr lang="en-US"/>
               <a:t>Click to edit Master title style</a:t>
             </a:r>
-            <a:endParaRPr lang="en-US" dirty="0"/>
           </a:p>
         </p:txBody>
       </p:sp>
@@ -4665,7 +4636,6 @@
               <a:rPr lang="en-US"/>
               <a:t>Fifth level</a:t>
             </a:r>
-            <a:endParaRPr lang="en-US" dirty="0"/>
           </a:p>
         </p:txBody>
       </p:sp>
@@ -4706,9 +4676,9 @@
             <a:fld id="{5586B75A-687E-405C-8A0B-8D00578BA2C3}" type="datetimeFigureOut">
               <a:rPr lang="en-US" dirty="0"/>
               <a:pPr/>
-              <a:t>4/9/2025</a:t>
+              <a:t>5/4/2025</a:t>
             </a:fld>
-            <a:endParaRPr lang="en-US" dirty="0"/>
+            <a:endParaRPr lang="en-US"/>
           </a:p>
         </p:txBody>
       </p:sp>
@@ -4746,7 +4716,7 @@
             </a:lvl1pPr>
           </a:lstStyle>
           <a:p>
-            <a:endParaRPr lang="en-US" dirty="0"/>
+            <a:endParaRPr lang="en-US"/>
           </a:p>
         </p:txBody>
       </p:sp>
@@ -4786,7 +4756,7 @@
               <a:pPr/>
               <a:t>‹#›</a:t>
             </a:fld>
-            <a:endParaRPr lang="en-US" dirty="0"/>
+            <a:endParaRPr lang="en-US"/>
           </a:p>
         </p:txBody>
       </p:sp>
@@ -5207,14 +5177,14 @@
           <a:lstStyle/>
           <a:p>
             <a:r>
-              <a:rPr lang="en-IN" dirty="0"/>
+              <a:rPr lang="en-IN"/>
               <a:t>Performance Calculation and</a:t>
             </a:r>
             <a:br>
-              <a:rPr lang="en-IN" dirty="0"/>
+              <a:rPr lang="en-IN"/>
             </a:br>
             <a:r>
-              <a:rPr lang="en-IN" dirty="0"/>
+              <a:rPr lang="en-IN"/>
               <a:t>Weight Estimation</a:t>
             </a:r>
           </a:p>
@@ -5242,7 +5212,7 @@
           <a:lstStyle/>
           <a:p>
             <a:r>
-              <a:rPr lang="en-IN" dirty="0"/>
+              <a:rPr lang="en-IN"/>
               <a:t>Ritwik Shankar</a:t>
             </a:r>
           </a:p>
@@ -5590,7 +5560,7 @@
               </a:rPr>
               <a:t>Performance of cruise flight</a:t>
             </a:r>
-            <a:endParaRPr lang="en-US" sz="5900" spc="-100" dirty="0">
+            <a:endParaRPr lang="en-US" sz="5900" spc="-100">
               <a:solidFill>
                 <a:srgbClr val="FFFFFF"/>
               </a:solidFill>
@@ -5661,7 +5631,7 @@
           <a:p>
             <a:pPr algn="ctr"/>
             <a:r>
-              <a:rPr lang="en-US" sz="3200" b="0" cap="none" spc="0" dirty="0">
+              <a:rPr lang="en-US" sz="3200" b="0" cap="none" spc="0">
                 <a:ln w="0"/>
                 <a:solidFill>
                   <a:schemeClr val="tx1"/>
@@ -6082,7 +6052,7 @@
               </a:spcAft>
             </a:pPr>
             <a:r>
-              <a:rPr lang="en-US" sz="5900" b="1" i="0" spc="-100" dirty="0">
+              <a:rPr lang="en-US" sz="5900" b="1" i="0" spc="-100">
                 <a:solidFill>
                   <a:srgbClr val="FFFFFF"/>
                 </a:solidFill>
@@ -6093,7 +6063,7 @@
               </a:rPr>
               <a:t>Performance of cruise flight</a:t>
             </a:r>
-            <a:endParaRPr lang="en-US" sz="5900" spc="-100" dirty="0">
+            <a:endParaRPr lang="en-US" sz="5900" spc="-100">
               <a:solidFill>
                 <a:srgbClr val="FFFFFF"/>
               </a:solidFill>
@@ -6210,7 +6180,7 @@
           <a:p>
             <a:pPr algn="ctr"/>
             <a:r>
-              <a:rPr lang="en-US" sz="5400" b="0" cap="none" spc="0" dirty="0">
+              <a:rPr lang="en-US" sz="5400" b="0" cap="none" spc="0">
                 <a:ln w="0"/>
                 <a:solidFill>
                   <a:schemeClr val="tx1"/>
@@ -6226,7 +6196,7 @@
               <a:t>HIGE Low </a:t>
             </a:r>
             <a:r>
-              <a:rPr lang="en-US" sz="5400" dirty="0">
+              <a:rPr lang="en-US" sz="5400">
                 <a:ln w="0"/>
                 <a:effectLst>
                   <a:outerShdw blurRad="38100" dist="19050" dir="2700000" algn="tl" rotWithShape="0">
@@ -6238,7 +6208,7 @@
               </a:rPr>
               <a:t>fidelity modelling</a:t>
             </a:r>
-            <a:endParaRPr lang="en-US" sz="5400" b="0" cap="none" spc="0" dirty="0">
+            <a:endParaRPr lang="en-US" sz="5400" b="0" cap="none" spc="0">
               <a:ln w="0"/>
               <a:solidFill>
                 <a:schemeClr val="tx1"/>
@@ -6393,7 +6363,7 @@
           <a:p>
             <a:pPr algn="r"/>
             <a:r>
-              <a:rPr lang="en-IN" sz="4800" b="1" dirty="0">
+              <a:rPr lang="en-IN" sz="4800" b="1">
                 <a:solidFill>
                   <a:schemeClr val="tx1">
                     <a:lumMod val="85000"/>
@@ -6554,29 +6524,29 @@
               <a:lstStyle/>
               <a:p>
                 <a:r>
-                  <a:rPr lang="en-IN" sz="2800" dirty="0"/>
+                  <a:rPr lang="en-IN" sz="2800"/>
                   <a:t>We use </a:t>
                 </a:r>
                 <a:r>
-                  <a:rPr lang="en-IN" sz="2800" dirty="0">
+                  <a:rPr lang="en-IN" sz="2800">
                     <a:hlinkClick r:id="rId2"/>
                   </a:rPr>
                   <a:t>Harrington rotor </a:t>
                 </a:r>
                 <a:r>
-                  <a:rPr lang="en-IN" sz="2800" dirty="0"/>
+                  <a:rPr lang="en-IN" sz="2800"/>
                   <a:t>experimental results to validate our BEMT performance (in hover mode)</a:t>
                 </a:r>
               </a:p>
               <a:p>
                 <a:r>
-                  <a:rPr lang="en-IN" sz="2800" dirty="0"/>
+                  <a:rPr lang="en-IN" sz="2800"/>
                   <a:t>Although that data is for co-axial rotors, we will only take single rotor results </a:t>
                 </a:r>
               </a:p>
               <a:p>
                 <a:r>
-                  <a:rPr lang="en-IN" sz="2800" dirty="0"/>
+                  <a:rPr lang="en-IN" sz="2800"/>
                   <a:t>Harrington has results for σ= 0.076 and Tip speed ≈ 392 ft/s so we run our code these values to plot the variation of </a:t>
                 </a:r>
                 <a14:m>
@@ -6609,7 +6579,7 @@
                   </m:oMath>
                 </a14:m>
                 <a:r>
-                  <a:rPr lang="en-IN" sz="2800" dirty="0"/>
+                  <a:rPr lang="en-IN" sz="2800"/>
                   <a:t> vs </a:t>
                 </a:r>
                 <a14:m>
@@ -6641,16 +6611,16 @@
                     </m:sSub>
                   </m:oMath>
                 </a14:m>
-                <a:endParaRPr lang="en-IN" sz="2800" dirty="0"/>
+                <a:endParaRPr lang="en-IN" sz="2800"/>
               </a:p>
               <a:p>
-                <a:endParaRPr lang="en-IN" dirty="0"/>
+                <a:endParaRPr lang="en-IN"/>
               </a:p>
               <a:p>
                 <a:pPr marL="0" indent="0">
                   <a:buNone/>
                 </a:pPr>
-                <a:endParaRPr lang="en-IN" dirty="0"/>
+                <a:endParaRPr lang="en-IN"/>
               </a:p>
             </p:txBody>
           </p:sp>
@@ -6823,14 +6793,14 @@
           <a:lstStyle/>
           <a:p>
             <a:r>
-              <a:rPr lang="en-IN" dirty="0"/>
+              <a:rPr lang="en-IN"/>
               <a:t>Experimental</a:t>
             </a:r>
             <a:br>
-              <a:rPr lang="en-IN" dirty="0"/>
+              <a:rPr lang="en-IN"/>
             </a:br>
             <a:r>
-              <a:rPr lang="en-IN" dirty="0"/>
+              <a:rPr lang="en-IN"/>
               <a:t>Data</a:t>
             </a:r>
           </a:p>
@@ -6898,7 +6868,7 @@
               <a:buChar char="•"/>
             </a:pPr>
             <a:r>
-              <a:rPr lang="en-IN" dirty="0"/>
+              <a:rPr lang="en-IN"/>
               <a:t>Chord with no Taper</a:t>
             </a:r>
           </a:p>
@@ -6908,21 +6878,16 @@
               <a:buChar char="•"/>
             </a:pPr>
             <a:r>
-              <a:rPr lang="en-IN" dirty="0"/>
-              <a:t>0.2 </a:t>
+              <a:rPr lang="en-IN"/>
+              <a:t>0.2 blade cutoff</a:t>
             </a:r>
-            <a:r>
-              <a:rPr lang="en-IN"/>
-              <a:t>blade cutoff</a:t>
-            </a:r>
-            <a:endParaRPr lang="en-IN" dirty="0"/>
           </a:p>
           <a:p>
             <a:pPr marL="285750" indent="-285750">
               <a:buFont typeface="Arial" panose="020B0604020202020204" pitchFamily="34" charset="0"/>
               <a:buChar char="•"/>
             </a:pPr>
-            <a:endParaRPr lang="en-IN" dirty="0"/>
+            <a:endParaRPr lang="en-IN"/>
           </a:p>
         </p:txBody>
       </p:sp>
@@ -7063,7 +7028,7 @@
                     <a:lstStyle/>
                     <a:p>
                       <a:r>
-                        <a:rPr lang="en-IN" dirty="0"/>
+                        <a:rPr lang="en-IN"/>
                         <a:t>Parameter</a:t>
                       </a:r>
                     </a:p>
@@ -7076,7 +7041,7 @@
                     <a:lstStyle/>
                     <a:p>
                       <a:r>
-                        <a:rPr lang="en-IN" dirty="0"/>
+                        <a:rPr lang="en-IN"/>
                         <a:t>Theoretical Value</a:t>
                       </a:r>
                     </a:p>
@@ -7089,7 +7054,7 @@
                     <a:lstStyle/>
                     <a:p>
                       <a:r>
-                        <a:rPr lang="en-IN" dirty="0"/>
+                        <a:rPr lang="en-IN"/>
                         <a:t>Experimental Value</a:t>
                       </a:r>
                     </a:p>
@@ -7109,7 +7074,7 @@
                     <a:lstStyle/>
                     <a:p>
                       <a:r>
-                        <a:rPr lang="en-IN" dirty="0"/>
+                        <a:rPr lang="en-IN"/>
                         <a:t>Solidity </a:t>
                       </a:r>
                     </a:p>
@@ -7122,7 +7087,7 @@
                     <a:lstStyle/>
                     <a:p>
                       <a:r>
-                        <a:rPr lang="en-IN" dirty="0"/>
+                        <a:rPr lang="en-IN"/>
                         <a:t> 0.076</a:t>
                       </a:r>
                     </a:p>
@@ -7135,7 +7100,7 @@
                     <a:lstStyle/>
                     <a:p>
                       <a:r>
-                        <a:rPr lang="en-IN" dirty="0"/>
+                        <a:rPr lang="en-IN"/>
                         <a:t>0.076</a:t>
                       </a:r>
                     </a:p>
@@ -7155,7 +7120,7 @@
                     <a:lstStyle/>
                     <a:p>
                       <a:r>
-                        <a:rPr lang="en-IN" dirty="0"/>
+                        <a:rPr lang="en-IN"/>
                         <a:t>Tip Speed (ft/sec)</a:t>
                       </a:r>
                     </a:p>
@@ -7168,7 +7133,7 @@
                     <a:lstStyle/>
                     <a:p>
                       <a:r>
-                        <a:rPr lang="en-IN" dirty="0"/>
+                        <a:rPr lang="en-IN"/>
                         <a:t>392</a:t>
                       </a:r>
                     </a:p>
@@ -7181,7 +7146,7 @@
                     <a:lstStyle/>
                     <a:p>
                       <a:r>
-                        <a:rPr lang="en-IN" dirty="0"/>
+                        <a:rPr lang="en-IN"/>
                         <a:t>391.9</a:t>
                       </a:r>
                     </a:p>
@@ -7201,11 +7166,11 @@
                     <a:lstStyle/>
                     <a:p>
                       <a:r>
-                        <a:rPr lang="en-IN" dirty="0" err="1"/>
+                        <a:rPr lang="en-IN" err="1"/>
                         <a:t>Airfoil</a:t>
                       </a:r>
                       <a:r>
-                        <a:rPr lang="en-IN" dirty="0"/>
+                        <a:rPr lang="en-IN"/>
                         <a:t> </a:t>
                       </a:r>
                     </a:p>
@@ -7218,7 +7183,7 @@
                     <a:lstStyle/>
                     <a:p>
                       <a:r>
-                        <a:rPr lang="en-IN" dirty="0"/>
+                        <a:rPr lang="en-IN"/>
                         <a:t>NACA symmetric</a:t>
                       </a:r>
                     </a:p>
@@ -7231,7 +7196,7 @@
                     <a:lstStyle/>
                     <a:p>
                       <a:r>
-                        <a:rPr lang="en-IN" dirty="0"/>
+                        <a:rPr lang="en-IN"/>
                         <a:t>NACA 0012</a:t>
                       </a:r>
                     </a:p>
@@ -7251,7 +7216,7 @@
                     <a:lstStyle/>
                     <a:p>
                       <a:r>
-                        <a:rPr lang="en-IN" dirty="0"/>
+                        <a:rPr lang="en-IN"/>
                         <a:t>Radius (inch)</a:t>
                       </a:r>
                     </a:p>
@@ -7264,7 +7229,7 @@
                     <a:lstStyle/>
                     <a:p>
                       <a:r>
-                        <a:rPr lang="en-IN" dirty="0"/>
+                        <a:rPr lang="en-IN"/>
                         <a:t>150</a:t>
                       </a:r>
                     </a:p>
@@ -7277,7 +7242,7 @@
                     <a:lstStyle/>
                     <a:p>
                       <a:r>
-                        <a:rPr lang="en-IN" dirty="0"/>
+                        <a:rPr lang="en-IN"/>
                         <a:t>150</a:t>
                       </a:r>
                     </a:p>
@@ -7297,7 +7262,7 @@
                     <a:lstStyle/>
                     <a:p>
                       <a:r>
-                        <a:rPr lang="en-IN" dirty="0"/>
+                        <a:rPr lang="en-IN"/>
                         <a:t>Chord (inch)</a:t>
                       </a:r>
                     </a:p>
@@ -7310,7 +7275,7 @@
                     <a:lstStyle/>
                     <a:p>
                       <a:r>
-                        <a:rPr lang="en-IN" dirty="0"/>
+                        <a:rPr lang="en-IN"/>
                         <a:t>18</a:t>
                       </a:r>
                     </a:p>
@@ -7323,7 +7288,7 @@
                     <a:lstStyle/>
                     <a:p>
                       <a:r>
-                        <a:rPr lang="en-IN" dirty="0"/>
+                        <a:rPr lang="en-IN"/>
                         <a:t>19.1</a:t>
                       </a:r>
                     </a:p>
@@ -7529,7 +7494,7 @@
           <a:p>
             <a:pPr algn="ctr" rtl="0"/>
             <a:r>
-              <a:rPr lang="en-IN" sz="3200" b="1" i="0" dirty="0">
+              <a:rPr lang="en-IN" sz="3200" b="1" i="0">
                 <a:solidFill>
                   <a:srgbClr val="000000"/>
                 </a:solidFill>
@@ -7537,7 +7502,7 @@
               </a:rPr>
               <a:t>Mission Segment for energy calculations</a:t>
             </a:r>
-            <a:endParaRPr lang="en-IN" sz="3200" dirty="0">
+            <a:endParaRPr lang="en-IN" sz="3200">
               <a:effectLst/>
             </a:endParaRPr>
           </a:p>
@@ -7588,7 +7553,7 @@
           <p:nvPr>
             <p:extLst>
               <p:ext uri="{D42A27DB-BD31-4B8C-83A1-F6EECF244321}">
-                <p14:modId xmlns:p14="http://schemas.microsoft.com/office/powerpoint/2010/main" val="1911155163"/>
+                <p14:modId xmlns:p14="http://schemas.microsoft.com/office/powerpoint/2010/main" val="2451847919"/>
               </p:ext>
             </p:extLst>
           </p:nvPr>
@@ -7703,7 +7668,7 @@
                         <a:buNone/>
                       </a:pPr>
                       <a:r>
-                        <a:rPr lang="en-IN" b="1" i="0" dirty="0">
+                        <a:rPr lang="en-IN" b="1" i="0">
                           <a:solidFill>
                             <a:srgbClr val="000000"/>
                           </a:solidFill>
@@ -7711,7 +7676,7 @@
                         </a:rPr>
                         <a:t>VALUE</a:t>
                       </a:r>
-                      <a:endParaRPr lang="en-IN" dirty="0">
+                      <a:endParaRPr lang="en-IN">
                         <a:effectLst/>
                       </a:endParaRPr>
                     </a:p>
@@ -7827,7 +7792,7 @@
                         <a:buNone/>
                       </a:pPr>
                       <a:r>
-                        <a:rPr lang="en-IN" b="1" i="0" dirty="0">
+                        <a:rPr lang="en-IN" b="1" i="0">
                           <a:solidFill>
                             <a:srgbClr val="000000"/>
                           </a:solidFill>
@@ -7835,7 +7800,7 @@
                         </a:rPr>
                         <a:t>VALUE</a:t>
                       </a:r>
-                      <a:endParaRPr lang="en-IN" dirty="0">
+                      <a:endParaRPr lang="en-IN">
                         <a:effectLst/>
                       </a:endParaRPr>
                     </a:p>
@@ -8020,7 +7985,7 @@
                         <a:buNone/>
                       </a:pPr>
                       <a:r>
-                        <a:rPr lang="en-IN" b="1" i="0" dirty="0">
+                        <a:rPr lang="en-IN" b="1" i="0">
                           <a:solidFill>
                             <a:srgbClr val="000000"/>
                           </a:solidFill>
@@ -8028,7 +7993,7 @@
                         </a:rPr>
                         <a:t>Total Hover Power Watt</a:t>
                       </a:r>
-                      <a:endParaRPr lang="en-IN" dirty="0">
+                      <a:endParaRPr lang="en-IN">
                         <a:effectLst/>
                       </a:endParaRPr>
                     </a:p>
@@ -8082,7 +8047,7 @@
                         <a:buNone/>
                       </a:pPr>
                       <a:r>
-                        <a:rPr lang="en-IN" b="1" i="0" dirty="0">
+                        <a:rPr lang="en-IN" b="1" i="0">
                           <a:solidFill>
                             <a:srgbClr val="000000"/>
                           </a:solidFill>
@@ -8090,7 +8055,7 @@
                         </a:rPr>
                         <a:t>~130 KW</a:t>
                       </a:r>
-                      <a:endParaRPr lang="en-IN" dirty="0">
+                      <a:endParaRPr lang="en-IN">
                         <a:effectLst/>
                       </a:endParaRPr>
                     </a:p>
@@ -8337,7 +8302,7 @@
                         <a:buNone/>
                       </a:pPr>
                       <a:r>
-                        <a:rPr lang="en-IN" b="1" i="0" dirty="0">
+                        <a:rPr lang="en-IN" b="1" i="0">
                           <a:solidFill>
                             <a:srgbClr val="000000"/>
                           </a:solidFill>
@@ -8345,7 +8310,7 @@
                         </a:rPr>
                         <a:t>~ 627 Kg</a:t>
                       </a:r>
-                      <a:endParaRPr lang="en-IN" dirty="0">
+                      <a:endParaRPr lang="en-IN">
                         <a:effectLst/>
                       </a:endParaRPr>
                     </a:p>
@@ -8468,7 +8433,7 @@
                         <a:buNone/>
                       </a:pPr>
                       <a:r>
-                        <a:rPr lang="en-IN" b="1" i="0" dirty="0">
+                        <a:rPr lang="en-IN" b="1" i="0">
                           <a:solidFill>
                             <a:srgbClr val="000000"/>
                           </a:solidFill>
@@ -8476,7 +8441,7 @@
                         </a:rPr>
                         <a:t>1 m</a:t>
                       </a:r>
-                      <a:endParaRPr lang="en-IN" dirty="0">
+                      <a:endParaRPr lang="en-IN">
                         <a:effectLst/>
                       </a:endParaRPr>
                     </a:p>
@@ -8592,7 +8557,7 @@
                         <a:buNone/>
                       </a:pPr>
                       <a:r>
-                        <a:rPr lang="en-IN" b="1" i="0" dirty="0">
+                        <a:rPr lang="en-IN" b="1" i="0">
                           <a:solidFill>
                             <a:srgbClr val="000000"/>
                           </a:solidFill>
@@ -8600,7 +8565,7 @@
                         </a:rPr>
                         <a:t>~130 kW Hr</a:t>
                       </a:r>
-                      <a:endParaRPr lang="en-IN" dirty="0">
+                      <a:endParaRPr lang="en-IN">
                         <a:effectLst/>
                       </a:endParaRPr>
                     </a:p>
@@ -8723,7 +8688,7 @@
                         <a:buNone/>
                       </a:pPr>
                       <a:r>
-                        <a:rPr lang="en-IN" b="1" i="0" dirty="0">
+                        <a:rPr lang="en-IN" b="1" i="0">
                           <a:solidFill>
                             <a:srgbClr val="000000"/>
                           </a:solidFill>
@@ -8731,7 +8696,7 @@
                         </a:rPr>
                         <a:t>3000</a:t>
                       </a:r>
-                      <a:endParaRPr lang="en-IN" dirty="0">
+                      <a:endParaRPr lang="en-IN">
                         <a:effectLst/>
                       </a:endParaRPr>
                     </a:p>
@@ -8785,7 +8750,7 @@
                         <a:buNone/>
                       </a:pPr>
                       <a:r>
-                        <a:rPr lang="en-IN" b="1" i="0" dirty="0">
+                        <a:rPr lang="en-IN" b="1" i="0">
                           <a:solidFill>
                             <a:srgbClr val="000000"/>
                           </a:solidFill>
@@ -8793,7 +8758,7 @@
                         </a:rPr>
                         <a:t>Twist</a:t>
                       </a:r>
-                      <a:endParaRPr lang="en-IN" dirty="0">
+                      <a:endParaRPr lang="en-IN">
                         <a:effectLst/>
                       </a:endParaRPr>
                     </a:p>
@@ -8847,7 +8812,7 @@
                         <a:buNone/>
                       </a:pPr>
                       <a:r>
-                        <a:rPr lang="en-IN" b="1" i="0" dirty="0">
+                        <a:rPr lang="en-IN" b="1" i="0">
                           <a:solidFill>
                             <a:srgbClr val="000000"/>
                           </a:solidFill>
@@ -8855,7 +8820,7 @@
                         </a:rPr>
                         <a:t>-18 degrees</a:t>
                       </a:r>
-                      <a:endParaRPr lang="en-IN" dirty="0">
+                      <a:endParaRPr lang="en-IN">
                         <a:effectLst/>
                       </a:endParaRPr>
                     </a:p>
@@ -8916,7 +8881,7 @@
                         <a:buNone/>
                       </a:pPr>
                       <a:r>
-                        <a:rPr lang="en-IN" b="1" i="0" dirty="0">
+                        <a:rPr lang="en-IN" b="1" i="0">
                           <a:solidFill>
                             <a:srgbClr val="000000"/>
                           </a:solidFill>
@@ -8924,7 +8889,7 @@
                         </a:rPr>
                         <a:t>Descent Speed</a:t>
                       </a:r>
-                      <a:endParaRPr lang="en-IN" dirty="0">
+                      <a:endParaRPr lang="en-IN">
                         <a:effectLst/>
                       </a:endParaRPr>
                     </a:p>
@@ -8978,7 +8943,7 @@
                         <a:buNone/>
                       </a:pPr>
                       <a:r>
-                        <a:rPr lang="en-IN" b="1" i="0" dirty="0">
+                        <a:rPr lang="en-IN" b="1" i="0">
                           <a:solidFill>
                             <a:srgbClr val="000000"/>
                           </a:solidFill>
@@ -8986,7 +8951,7 @@
                         </a:rPr>
                         <a:t>-0.5m/s</a:t>
                       </a:r>
-                      <a:endParaRPr lang="en-IN" dirty="0">
+                      <a:endParaRPr lang="en-IN">
                         <a:effectLst/>
                       </a:endParaRPr>
                     </a:p>
@@ -9102,7 +9067,7 @@
                         <a:buNone/>
                       </a:pPr>
                       <a:r>
-                        <a:rPr lang="en-IN" b="1" i="0" dirty="0">
+                        <a:rPr lang="en-IN" b="1" i="0">
                           <a:solidFill>
                             <a:srgbClr val="000000"/>
                           </a:solidFill>
@@ -9110,7 +9075,7 @@
                         </a:rPr>
                         <a:t>~21.59</a:t>
                       </a:r>
-                      <a:endParaRPr lang="en-IN" dirty="0">
+                      <a:endParaRPr lang="en-IN">
                         <a:effectLst/>
                       </a:endParaRPr>
                     </a:p>
@@ -9171,7 +9136,7 @@
                         <a:buNone/>
                       </a:pPr>
                       <a:r>
-                        <a:rPr lang="en-IN" b="1" i="0" dirty="0">
+                        <a:rPr lang="en-IN" b="1" i="0">
                           <a:solidFill>
                             <a:srgbClr val="000000"/>
                           </a:solidFill>
@@ -9179,7 +9144,7 @@
                         </a:rPr>
                         <a:t>Hover Climb Speed</a:t>
                       </a:r>
-                      <a:endParaRPr lang="en-IN" dirty="0">
+                      <a:endParaRPr lang="en-IN">
                         <a:effectLst/>
                       </a:endParaRPr>
                     </a:p>
@@ -9295,7 +9260,7 @@
                         <a:buNone/>
                       </a:pPr>
                       <a:r>
-                        <a:rPr lang="en-IN" b="1" i="0" dirty="0" err="1">
+                        <a:rPr lang="en-IN" b="1" i="0" err="1">
                           <a:solidFill>
                             <a:srgbClr val="000000"/>
                           </a:solidFill>
@@ -9303,7 +9268,7 @@
                         </a:rPr>
                         <a:t>PowerLoading</a:t>
                       </a:r>
-                      <a:endParaRPr lang="en-IN" dirty="0">
+                      <a:endParaRPr lang="en-IN">
                         <a:effectLst/>
                       </a:endParaRPr>
                     </a:p>
@@ -9357,7 +9322,7 @@
                         <a:buNone/>
                       </a:pPr>
                       <a:r>
-                        <a:rPr lang="en-IN" b="1" i="0" dirty="0">
+                        <a:rPr lang="en-IN" b="1" i="0">
                           <a:solidFill>
                             <a:srgbClr val="000000"/>
                           </a:solidFill>
@@ -9365,7 +9330,7 @@
                         </a:rPr>
                         <a:t>0.049</a:t>
                       </a:r>
-                      <a:endParaRPr lang="en-IN" dirty="0">
+                      <a:endParaRPr lang="en-IN">
                         <a:effectLst/>
                       </a:endParaRPr>
                     </a:p>
@@ -9426,7 +9391,7 @@
                         <a:buNone/>
                       </a:pPr>
                       <a:r>
-                        <a:rPr lang="en-IN" b="1" i="0" dirty="0" err="1">
+                        <a:rPr lang="en-IN" b="1" i="0" err="1">
                           <a:solidFill>
                             <a:srgbClr val="FF0000"/>
                           </a:solidFill>
@@ -9434,7 +9399,7 @@
                         </a:rPr>
                         <a:t>CruiseVelocity</a:t>
                       </a:r>
-                      <a:endParaRPr lang="en-IN" dirty="0">
+                      <a:endParaRPr lang="en-IN">
                         <a:solidFill>
                           <a:srgbClr val="FF0000"/>
                         </a:solidFill>
@@ -9491,7 +9456,7 @@
                         <a:buNone/>
                       </a:pPr>
                       <a:r>
-                        <a:rPr lang="en-IN" b="1" i="0" dirty="0">
+                        <a:rPr lang="en-IN" b="1" i="0">
                           <a:solidFill>
                             <a:srgbClr val="000000"/>
                           </a:solidFill>
@@ -9499,7 +9464,7 @@
                         </a:rPr>
                         <a:t>50 m/s</a:t>
                       </a:r>
-                      <a:endParaRPr lang="en-IN" dirty="0">
+                      <a:endParaRPr lang="en-IN">
                         <a:effectLst/>
                       </a:endParaRPr>
                     </a:p>
@@ -9615,7 +9580,7 @@
                         <a:buNone/>
                       </a:pPr>
                       <a:r>
-                        <a:rPr lang="en-IN" b="1" i="0" dirty="0">
+                        <a:rPr lang="en-IN" b="1" i="0">
                           <a:solidFill>
                             <a:srgbClr val="000000"/>
                           </a:solidFill>
@@ -9623,7 +9588,7 @@
                         </a:rPr>
                         <a:t>245 N/m^2</a:t>
                       </a:r>
-                      <a:endParaRPr lang="en-IN" dirty="0">
+                      <a:endParaRPr lang="en-IN">
                         <a:effectLst/>
                       </a:endParaRPr>
                     </a:p>
@@ -9684,7 +9649,7 @@
                         <a:buNone/>
                       </a:pPr>
                       <a:r>
-                        <a:rPr lang="en-US" b="1" i="0" dirty="0">
+                        <a:rPr lang="en-US" b="1" i="0">
                           <a:solidFill>
                             <a:srgbClr val="FF0000"/>
                           </a:solidFill>
@@ -9693,7 +9658,7 @@
                         <a:t>T9 time to be </a:t>
                       </a:r>
                       <a:r>
-                        <a:rPr lang="en-US" b="1" i="0" dirty="0" err="1">
+                        <a:rPr lang="en-US" b="1" i="0" err="1">
                           <a:solidFill>
                             <a:srgbClr val="FF0000"/>
                           </a:solidFill>
@@ -9702,7 +9667,7 @@
                         <a:t>maximised</a:t>
                       </a:r>
                       <a:r>
-                        <a:rPr lang="en-US" b="1" i="0" dirty="0">
+                        <a:rPr lang="en-US" b="1" i="0">
                           <a:solidFill>
                             <a:srgbClr val="FF0000"/>
                           </a:solidFill>
@@ -9710,7 +9675,7 @@
                         </a:rPr>
                         <a:t> for loiter</a:t>
                       </a:r>
-                      <a:endParaRPr lang="en-US" dirty="0">
+                      <a:endParaRPr lang="en-US">
                         <a:solidFill>
                           <a:srgbClr val="FF0000"/>
                         </a:solidFill>
@@ -9767,7 +9732,7 @@
                         <a:buNone/>
                       </a:pPr>
                       <a:r>
-                        <a:rPr lang="en-IN" b="1" i="0" dirty="0">
+                        <a:rPr lang="en-IN" b="1" i="0">
                           <a:solidFill>
                             <a:srgbClr val="000000"/>
                           </a:solidFill>
@@ -9775,7 +9740,7 @@
                         </a:rPr>
                         <a:t>60 mins</a:t>
                       </a:r>
-                      <a:endParaRPr lang="en-IN" dirty="0">
+                      <a:endParaRPr lang="en-IN">
                         <a:effectLst/>
                       </a:endParaRPr>
                     </a:p>
@@ -9829,7 +9794,7 @@
                         <a:buNone/>
                       </a:pPr>
                       <a:r>
-                        <a:rPr lang="en-IN" b="1" i="0" dirty="0" err="1">
+                        <a:rPr lang="en-IN" b="1" i="0" err="1">
                           <a:solidFill>
                             <a:srgbClr val="000000"/>
                           </a:solidFill>
@@ -9837,7 +9802,7 @@
                         </a:rPr>
                         <a:t>AspectRatio</a:t>
                       </a:r>
-                      <a:endParaRPr lang="en-IN" dirty="0">
+                      <a:endParaRPr lang="en-IN">
                         <a:effectLst/>
                       </a:endParaRPr>
                     </a:p>
@@ -9891,7 +9856,7 @@
                         <a:buNone/>
                       </a:pPr>
                       <a:r>
-                        <a:rPr lang="en-IN" b="1" i="0" dirty="0">
+                        <a:rPr lang="en-IN" b="1" i="0">
                           <a:solidFill>
                             <a:srgbClr val="000000"/>
                           </a:solidFill>
@@ -9899,7 +9864,7 @@
                         </a:rPr>
                         <a:t>~12</a:t>
                       </a:r>
-                      <a:endParaRPr lang="en-IN" dirty="0">
+                      <a:endParaRPr lang="en-IN">
                         <a:effectLst/>
                       </a:endParaRPr>
                     </a:p>
@@ -9960,7 +9925,7 @@
                         <a:buNone/>
                       </a:pPr>
                       <a:r>
-                        <a:rPr lang="en-US" dirty="0">
+                        <a:rPr lang="en-US">
                           <a:solidFill>
                             <a:srgbClr val="FF0000"/>
                           </a:solidFill>
@@ -10019,7 +9984,7 @@
                         <a:buNone/>
                       </a:pPr>
                       <a:r>
-                        <a:rPr lang="en-IN" dirty="0">
+                        <a:rPr lang="en-IN">
                           <a:effectLst/>
                         </a:rPr>
                         <a:t>6 m/s</a:t>
@@ -10075,7 +10040,7 @@
                         <a:buNone/>
                       </a:pPr>
                       <a:r>
-                        <a:rPr lang="en-IN" dirty="0">
+                        <a:rPr lang="en-IN">
                           <a:effectLst/>
                         </a:rPr>
                         <a:t>Cl design</a:t>
@@ -10131,10 +10096,10 @@
                         <a:buNone/>
                       </a:pPr>
                       <a:r>
-                        <a:rPr lang="en-IN" dirty="0">
+                        <a:rPr lang="en-IN">
                           <a:effectLst/>
                         </a:rPr>
-                        <a:t>0.9</a:t>
+                        <a:t>0.4</a:t>
                       </a:r>
                     </a:p>
                   </a:txBody>
@@ -10194,7 +10159,7 @@
                         <a:buNone/>
                       </a:pPr>
                       <a:r>
-                        <a:rPr lang="en-US" dirty="0">
+                        <a:rPr lang="en-US">
                           <a:solidFill>
                             <a:schemeClr val="tx1"/>
                           </a:solidFill>
@@ -10253,7 +10218,7 @@
                         <a:buNone/>
                       </a:pPr>
                       <a:r>
-                        <a:rPr lang="en-IN" dirty="0">
+                        <a:rPr lang="en-IN">
                           <a:effectLst/>
                         </a:rPr>
                         <a:t>2</a:t>
@@ -10309,7 +10274,7 @@
                         <a:buNone/>
                       </a:pPr>
                       <a:r>
-                        <a:rPr lang="en-IN" dirty="0" err="1">
+                        <a:rPr lang="en-IN" err="1">
                           <a:solidFill>
                             <a:srgbClr val="FF0000"/>
                           </a:solidFill>
@@ -10318,7 +10283,7 @@
                         <a:t>V_endurance</a:t>
                       </a:r>
                       <a:r>
-                        <a:rPr lang="en-IN" dirty="0">
+                        <a:rPr lang="en-IN">
                           <a:solidFill>
                             <a:srgbClr val="FF0000"/>
                           </a:solidFill>
@@ -10533,7 +10498,7 @@
           <a:p>
             <a:pPr algn="ctr" rtl="0"/>
             <a:r>
-              <a:rPr lang="en-IN" sz="3200" b="1" i="0" dirty="0">
+              <a:rPr lang="en-IN" sz="3200" b="1" i="0">
                 <a:solidFill>
                   <a:srgbClr val="000000"/>
                 </a:solidFill>
@@ -10542,14 +10507,14 @@
               <a:t>BEMT </a:t>
             </a:r>
             <a:r>
-              <a:rPr lang="en-IN" sz="3200" b="1" dirty="0">
+              <a:rPr lang="en-IN" sz="3200" b="1">
                 <a:solidFill>
                   <a:srgbClr val="000000"/>
                 </a:solidFill>
               </a:rPr>
               <a:t>PARAMS</a:t>
             </a:r>
-            <a:endParaRPr lang="en-IN" sz="3200" dirty="0">
+            <a:endParaRPr lang="en-IN" sz="3200">
               <a:effectLst/>
             </a:endParaRPr>
           </a:p>
@@ -10612,14 +10577,14 @@
           <a:lstStyle/>
           <a:p>
             <a:r>
-              <a:rPr lang="en-IN" dirty="0"/>
+              <a:rPr lang="en-IN"/>
               <a:t>Section 2</a:t>
             </a:r>
             <a:br>
-              <a:rPr lang="en-IN" dirty="0"/>
+              <a:rPr lang="en-IN"/>
             </a:br>
             <a:r>
-              <a:rPr lang="en-IN" dirty="0"/>
+              <a:rPr lang="en-IN"/>
               <a:t>HIGE for 15 seconds</a:t>
             </a:r>
           </a:p>
@@ -10678,7 +10643,7 @@
                     <a:lstStyle/>
                     <a:p>
                       <a:r>
-                        <a:rPr lang="en-IN" dirty="0"/>
+                        <a:rPr lang="en-IN"/>
                         <a:t>Parameter </a:t>
                       </a:r>
                     </a:p>
@@ -10691,7 +10656,7 @@
                     <a:lstStyle/>
                     <a:p>
                       <a:r>
-                        <a:rPr lang="en-IN" dirty="0"/>
+                        <a:rPr lang="en-IN"/>
                         <a:t>Value</a:t>
                       </a:r>
                     </a:p>
@@ -10711,7 +10676,7 @@
                     <a:lstStyle/>
                     <a:p>
                       <a:r>
-                        <a:rPr lang="en-IN" dirty="0"/>
+                        <a:rPr lang="en-IN"/>
                         <a:t>Hover Power (HOGE)</a:t>
                       </a:r>
                     </a:p>
@@ -10724,7 +10689,7 @@
                     <a:lstStyle/>
                     <a:p>
                       <a:r>
-                        <a:rPr lang="en-IN" dirty="0"/>
+                        <a:rPr lang="en-IN"/>
                         <a:t>130 kW</a:t>
                       </a:r>
                     </a:p>
@@ -10744,7 +10709,7 @@
                     <a:lstStyle/>
                     <a:p>
                       <a:r>
-                        <a:rPr lang="en-IN" dirty="0"/>
+                        <a:rPr lang="en-IN"/>
                         <a:t>Hover Power (HIGE) using HIGE models</a:t>
                       </a:r>
                     </a:p>
@@ -10757,7 +10722,7 @@
                     <a:lstStyle/>
                     <a:p>
                       <a:r>
-                        <a:rPr lang="en-IN" dirty="0"/>
+                        <a:rPr lang="en-IN"/>
                         <a:t>~86 kW</a:t>
                       </a:r>
                     </a:p>
@@ -10777,7 +10742,7 @@
                     <a:lstStyle/>
                     <a:p>
                       <a:r>
-                        <a:rPr lang="en-IN" dirty="0"/>
+                        <a:rPr lang="en-IN"/>
                         <a:t>Energy Consumed</a:t>
                       </a:r>
                     </a:p>
@@ -10790,7 +10755,7 @@
                     <a:lstStyle/>
                     <a:p>
                       <a:r>
-                        <a:rPr lang="en-IN" dirty="0"/>
+                        <a:rPr lang="en-IN"/>
                         <a:t>~1.29 MJ</a:t>
                       </a:r>
                     </a:p>
@@ -10810,7 +10775,7 @@
                     <a:lstStyle/>
                     <a:p>
                       <a:r>
-                        <a:rPr lang="en-IN" dirty="0"/>
+                        <a:rPr lang="en-IN"/>
                         <a:t>Power System</a:t>
                       </a:r>
                     </a:p>
@@ -10823,7 +10788,7 @@
                     <a:lstStyle/>
                     <a:p>
                       <a:r>
-                        <a:rPr lang="en-IN" dirty="0"/>
+                        <a:rPr lang="en-IN"/>
                         <a:t> Hydrogen system</a:t>
                       </a:r>
                     </a:p>
@@ -10948,14 +10913,14 @@
           <a:lstStyle/>
           <a:p>
             <a:r>
-              <a:rPr lang="en-IN" dirty="0"/>
+              <a:rPr lang="en-IN"/>
               <a:t>Section 3</a:t>
             </a:r>
             <a:br>
-              <a:rPr lang="en-IN" dirty="0"/>
+              <a:rPr lang="en-IN"/>
             </a:br>
             <a:r>
-              <a:rPr lang="en-IN" dirty="0"/>
+              <a:rPr lang="en-IN"/>
               <a:t>Vertical climb @0.76m/s to 60m</a:t>
             </a:r>
           </a:p>
@@ -11014,7 +10979,7 @@
                     <a:lstStyle/>
                     <a:p>
                       <a:r>
-                        <a:rPr lang="en-IN" dirty="0"/>
+                        <a:rPr lang="en-IN"/>
                         <a:t>Parameter </a:t>
                       </a:r>
                     </a:p>
@@ -11027,7 +10992,7 @@
                     <a:lstStyle/>
                     <a:p>
                       <a:r>
-                        <a:rPr lang="en-IN" dirty="0"/>
+                        <a:rPr lang="en-IN"/>
                         <a:t>Value</a:t>
                       </a:r>
                     </a:p>
@@ -11047,7 +11012,7 @@
                     <a:lstStyle/>
                     <a:p>
                       <a:r>
-                        <a:rPr lang="en-IN" dirty="0"/>
+                        <a:rPr lang="en-IN"/>
                         <a:t>Hover power</a:t>
                       </a:r>
                     </a:p>
@@ -11060,7 +11025,7 @@
                     <a:lstStyle/>
                     <a:p>
                       <a:r>
-                        <a:rPr lang="en-IN" dirty="0"/>
+                        <a:rPr lang="en-IN"/>
                         <a:t>130 kW</a:t>
                       </a:r>
                     </a:p>
@@ -11080,7 +11045,7 @@
                     <a:lstStyle/>
                     <a:p>
                       <a:r>
-                        <a:rPr lang="en-IN" dirty="0"/>
+                        <a:rPr lang="en-IN"/>
                         <a:t>Climb Power </a:t>
                       </a:r>
                     </a:p>
@@ -11093,7 +11058,7 @@
                     <a:lstStyle/>
                     <a:p>
                       <a:r>
-                        <a:rPr lang="en-IN" dirty="0"/>
+                        <a:rPr lang="en-IN"/>
                         <a:t>135 kW</a:t>
                       </a:r>
                     </a:p>
@@ -11113,7 +11078,7 @@
                     <a:lstStyle/>
                     <a:p>
                       <a:r>
-                        <a:rPr lang="en-IN" dirty="0"/>
+                        <a:rPr lang="en-IN"/>
                         <a:t>Climb Velocity</a:t>
                       </a:r>
                     </a:p>
@@ -11126,7 +11091,7 @@
                     <a:lstStyle/>
                     <a:p>
                       <a:r>
-                        <a:rPr lang="en-IN" dirty="0"/>
+                        <a:rPr lang="en-IN"/>
                         <a:t>0.76 m/s</a:t>
                       </a:r>
                     </a:p>
@@ -11146,7 +11111,7 @@
                     <a:lstStyle/>
                     <a:p>
                       <a:r>
-                        <a:rPr lang="en-IN" dirty="0"/>
+                        <a:rPr lang="en-IN"/>
                         <a:t>Energy Consumed</a:t>
                       </a:r>
                     </a:p>
@@ -11159,7 +11124,7 @@
                     <a:lstStyle/>
                     <a:p>
                       <a:r>
-                        <a:rPr lang="en-IN" dirty="0"/>
+                        <a:rPr lang="en-IN"/>
                         <a:t>12.6 MJ</a:t>
                       </a:r>
                     </a:p>
@@ -11179,7 +11144,7 @@
                     <a:lstStyle/>
                     <a:p>
                       <a:r>
-                        <a:rPr lang="en-IN" dirty="0"/>
+                        <a:rPr lang="en-IN"/>
                         <a:t>Power system</a:t>
                       </a:r>
                     </a:p>
@@ -11192,7 +11157,7 @@
                     <a:lstStyle/>
                     <a:p>
                       <a:r>
-                        <a:rPr lang="en-IN" dirty="0"/>
+                        <a:rPr lang="en-IN"/>
                         <a:t>Battery System</a:t>
                       </a:r>
                     </a:p>
@@ -11323,7 +11288,24 @@
                 </a:solidFill>
                 <a:effectLst/>
               </a:rPr>
-              <a:t>Hydrogen fuel considered with Specific Energy Density 0.8-1 KW </a:t>
+              <a:t>Hydrogen fuel considered with Specific Energy Density </a:t>
+            </a:r>
+            <a:r>
+              <a:rPr lang="en-US" sz="3600" b="1" dirty="0">
+                <a:solidFill>
+                  <a:srgbClr val="000000"/>
+                </a:solidFill>
+              </a:rPr>
+              <a:t>16</a:t>
+            </a:r>
+            <a:r>
+              <a:rPr lang="en-US" sz="3600" b="1" i="0" dirty="0">
+                <a:solidFill>
+                  <a:srgbClr val="000000"/>
+                </a:solidFill>
+                <a:effectLst/>
+              </a:rPr>
+              <a:t> KW </a:t>
             </a:r>
             <a:r>
               <a:rPr lang="en-US" sz="3600" b="1" i="0" dirty="0" err="1">
@@ -11480,7 +11462,7 @@
           <a:p>
             <a:pPr algn="ctr" rtl="0"/>
             <a:r>
-              <a:rPr lang="en-IN" sz="4800" b="1" i="0" dirty="0">
+              <a:rPr lang="en-IN" sz="4800" b="1" i="0">
                 <a:solidFill>
                   <a:srgbClr val="0070C0"/>
                 </a:solidFill>
@@ -11488,7 +11470,7 @@
               </a:rPr>
               <a:t>Power System Sizing</a:t>
             </a:r>
-            <a:endParaRPr lang="en-IN" sz="4800" dirty="0">
+            <a:endParaRPr lang="en-IN" sz="4800">
               <a:solidFill>
                 <a:srgbClr val="0070C0"/>
               </a:solidFill>
@@ -11565,14 +11547,14 @@
           <a:lstStyle/>
           <a:p>
             <a:r>
-              <a:rPr lang="en-IN" dirty="0"/>
+              <a:rPr lang="en-IN"/>
               <a:t>Section 4</a:t>
             </a:r>
             <a:br>
-              <a:rPr lang="en-IN" dirty="0"/>
+              <a:rPr lang="en-IN"/>
             </a:br>
             <a:r>
-              <a:rPr lang="en-IN" dirty="0"/>
+              <a:rPr lang="en-IN"/>
               <a:t>HOGE for 15 seconds</a:t>
             </a:r>
           </a:p>
@@ -11631,7 +11613,7 @@
                     <a:lstStyle/>
                     <a:p>
                       <a:r>
-                        <a:rPr lang="en-IN" dirty="0"/>
+                        <a:rPr lang="en-IN"/>
                         <a:t>Parameter </a:t>
                       </a:r>
                     </a:p>
@@ -11644,7 +11626,7 @@
                     <a:lstStyle/>
                     <a:p>
                       <a:r>
-                        <a:rPr lang="en-IN" dirty="0"/>
+                        <a:rPr lang="en-IN"/>
                         <a:t>Value</a:t>
                       </a:r>
                     </a:p>
@@ -11664,7 +11646,7 @@
                     <a:lstStyle/>
                     <a:p>
                       <a:r>
-                        <a:rPr lang="en-IN" dirty="0"/>
+                        <a:rPr lang="en-IN"/>
                         <a:t>Hover Power (HOGE)</a:t>
                       </a:r>
                     </a:p>
@@ -11677,7 +11659,7 @@
                     <a:lstStyle/>
                     <a:p>
                       <a:r>
-                        <a:rPr lang="en-IN" dirty="0"/>
+                        <a:rPr lang="en-IN"/>
                         <a:t>130 kW</a:t>
                       </a:r>
                     </a:p>
@@ -11697,7 +11679,7 @@
                     <a:lstStyle/>
                     <a:p>
                       <a:r>
-                        <a:rPr lang="en-IN" dirty="0"/>
+                        <a:rPr lang="en-IN"/>
                         <a:t>Energy Consumed</a:t>
                       </a:r>
                     </a:p>
@@ -11710,7 +11692,7 @@
                     <a:lstStyle/>
                     <a:p>
                       <a:r>
-                        <a:rPr lang="en-IN" dirty="0"/>
+                        <a:rPr lang="en-IN"/>
                         <a:t>1.30 MJ</a:t>
                       </a:r>
                     </a:p>
@@ -11730,7 +11712,7 @@
                     <a:lstStyle/>
                     <a:p>
                       <a:r>
-                        <a:rPr lang="en-IN" dirty="0"/>
+                        <a:rPr lang="en-IN"/>
                         <a:t>Power System</a:t>
                       </a:r>
                     </a:p>
@@ -11743,7 +11725,7 @@
                     <a:lstStyle/>
                     <a:p>
                       <a:r>
-                        <a:rPr lang="en-IN" dirty="0"/>
+                        <a:rPr lang="en-IN"/>
                         <a:t>Battery</a:t>
                       </a:r>
                     </a:p>
@@ -11868,14 +11850,14 @@
           <a:lstStyle/>
           <a:p>
             <a:r>
-              <a:rPr lang="en-IN" dirty="0"/>
+              <a:rPr lang="en-IN"/>
               <a:t>Section 5</a:t>
             </a:r>
             <a:br>
-              <a:rPr lang="en-IN" dirty="0"/>
+              <a:rPr lang="en-IN"/>
             </a:br>
             <a:r>
-              <a:rPr lang="en-IN" dirty="0"/>
+              <a:rPr lang="en-IN"/>
               <a:t>Climb from 60m to 300m @ 9 degrees flight path angle</a:t>
             </a:r>
           </a:p>
@@ -11934,7 +11916,7 @@
                     <a:lstStyle/>
                     <a:p>
                       <a:r>
-                        <a:rPr lang="en-IN" dirty="0"/>
+                        <a:rPr lang="en-IN"/>
                         <a:t>Parameter </a:t>
                       </a:r>
                     </a:p>
@@ -11947,7 +11929,7 @@
                     <a:lstStyle/>
                     <a:p>
                       <a:r>
-                        <a:rPr lang="en-IN" dirty="0"/>
+                        <a:rPr lang="en-IN"/>
                         <a:t>Value</a:t>
                       </a:r>
                     </a:p>
@@ -11967,7 +11949,7 @@
                     <a:lstStyle/>
                     <a:p>
                       <a:r>
-                        <a:rPr lang="en-IN" dirty="0"/>
+                        <a:rPr lang="en-IN"/>
                         <a:t>Cruise Power</a:t>
                       </a:r>
                     </a:p>
@@ -11980,7 +11962,7 @@
                     <a:lstStyle/>
                     <a:p>
                       <a:r>
-                        <a:rPr lang="en-IN" dirty="0"/>
+                        <a:rPr lang="en-IN"/>
                         <a:t>80 kW</a:t>
                       </a:r>
                     </a:p>
@@ -12000,7 +11982,7 @@
                     <a:lstStyle/>
                     <a:p>
                       <a:r>
-                        <a:rPr lang="en-IN" dirty="0">
+                        <a:rPr lang="en-IN">
                           <a:solidFill>
                             <a:srgbClr val="FF0000"/>
                           </a:solidFill>
@@ -12017,7 +11999,7 @@
                     <a:lstStyle/>
                     <a:p>
                       <a:r>
-                        <a:rPr lang="en-IN" dirty="0"/>
+                        <a:rPr lang="en-IN"/>
                         <a:t>6 m/s</a:t>
                       </a:r>
                     </a:p>
@@ -12037,7 +12019,7 @@
                     <a:lstStyle/>
                     <a:p>
                       <a:r>
-                        <a:rPr lang="en-IN" dirty="0">
+                        <a:rPr lang="en-IN">
                           <a:solidFill>
                             <a:srgbClr val="FF0000"/>
                           </a:solidFill>
@@ -12054,7 +12036,7 @@
                     <a:lstStyle/>
                     <a:p>
                       <a:r>
-                        <a:rPr lang="en-IN" dirty="0"/>
+                        <a:rPr lang="en-IN"/>
                         <a:t>36Kw</a:t>
                       </a:r>
                     </a:p>
@@ -12074,7 +12056,7 @@
                     <a:lstStyle/>
                     <a:p>
                       <a:r>
-                        <a:rPr lang="en-IN" dirty="0"/>
+                        <a:rPr lang="en-IN"/>
                         <a:t>Energy Consumed</a:t>
                       </a:r>
                     </a:p>
@@ -12087,7 +12069,7 @@
                     <a:lstStyle/>
                     <a:p>
                       <a:r>
-                        <a:rPr lang="en-IN" dirty="0"/>
+                        <a:rPr lang="en-IN"/>
                         <a:t>4.68 MJ</a:t>
                       </a:r>
                     </a:p>
@@ -12107,7 +12089,7 @@
                     <a:lstStyle/>
                     <a:p>
                       <a:r>
-                        <a:rPr lang="en-IN" dirty="0"/>
+                        <a:rPr lang="en-IN"/>
                         <a:t>Power system</a:t>
                       </a:r>
                     </a:p>
@@ -12120,7 +12102,7 @@
                     <a:lstStyle/>
                     <a:p>
                       <a:r>
-                        <a:rPr lang="en-IN" dirty="0"/>
+                        <a:rPr lang="en-IN"/>
                         <a:t>Hydrogen</a:t>
                       </a:r>
                     </a:p>
@@ -12322,18 +12304,18 @@
           <a:lstStyle/>
           <a:p>
             <a:r>
-              <a:rPr lang="en-IN" dirty="0"/>
+              <a:rPr lang="en-IN"/>
               <a:t>Section 6</a:t>
             </a:r>
             <a:br>
-              <a:rPr lang="en-IN" dirty="0"/>
+              <a:rPr lang="en-IN"/>
             </a:br>
             <a:r>
-              <a:rPr lang="en-IN" dirty="0"/>
+              <a:rPr lang="en-IN"/>
               <a:t>Cruise Flight at </a:t>
             </a:r>
             <a:r>
-              <a:rPr lang="en-IN" dirty="0" err="1">
+              <a:rPr lang="en-IN" err="1">
                 <a:solidFill>
                   <a:srgbClr val="FF0000"/>
                 </a:solidFill>
@@ -12341,7 +12323,7 @@
               <a:t>V_cruise</a:t>
             </a:r>
             <a:r>
-              <a:rPr lang="en-IN" dirty="0">
+              <a:rPr lang="en-IN">
                 <a:solidFill>
                   <a:srgbClr val="FF0000"/>
                 </a:solidFill>
@@ -12349,14 +12331,14 @@
               <a:t> </a:t>
             </a:r>
             <a:r>
-              <a:rPr lang="en-IN" dirty="0">
+              <a:rPr lang="en-IN">
                 <a:solidFill>
                   <a:schemeClr val="bg1"/>
                 </a:solidFill>
               </a:rPr>
               <a:t>for 30Km</a:t>
             </a:r>
-            <a:endParaRPr lang="en-IN" dirty="0">
+            <a:endParaRPr lang="en-IN">
               <a:solidFill>
                 <a:srgbClr val="FF0000"/>
               </a:solidFill>
@@ -12417,7 +12399,7 @@
                     <a:lstStyle/>
                     <a:p>
                       <a:r>
-                        <a:rPr lang="en-IN" dirty="0"/>
+                        <a:rPr lang="en-IN"/>
                         <a:t>Parameter </a:t>
                       </a:r>
                     </a:p>
@@ -12430,7 +12412,7 @@
                     <a:lstStyle/>
                     <a:p>
                       <a:r>
-                        <a:rPr lang="en-IN" dirty="0"/>
+                        <a:rPr lang="en-IN"/>
                         <a:t>Value</a:t>
                       </a:r>
                     </a:p>
@@ -12450,7 +12432,7 @@
                     <a:lstStyle/>
                     <a:p>
                       <a:r>
-                        <a:rPr lang="en-IN" dirty="0"/>
+                        <a:rPr lang="en-IN"/>
                         <a:t>Thrust required</a:t>
                       </a:r>
                     </a:p>
@@ -12463,7 +12445,7 @@
                     <a:lstStyle/>
                     <a:p>
                       <a:r>
-                        <a:rPr lang="en-IN" dirty="0"/>
+                        <a:rPr lang="en-IN"/>
                         <a:t>~769 N</a:t>
                       </a:r>
                     </a:p>
@@ -12483,7 +12465,7 @@
                     <a:lstStyle/>
                     <a:p>
                       <a:r>
-                        <a:rPr lang="en-IN" dirty="0"/>
+                        <a:rPr lang="en-IN"/>
                         <a:t>Cruise Power (MT theory)</a:t>
                       </a:r>
                     </a:p>
@@ -12496,7 +12478,7 @@
                     <a:lstStyle/>
                     <a:p>
                       <a:r>
-                        <a:rPr lang="en-IN" dirty="0"/>
+                        <a:rPr lang="en-IN"/>
                         <a:t>80 Kw</a:t>
                       </a:r>
                     </a:p>
@@ -12516,7 +12498,7 @@
                     <a:lstStyle/>
                     <a:p>
                       <a:r>
-                        <a:rPr lang="en-IN" dirty="0">
+                        <a:rPr lang="en-IN">
                           <a:solidFill>
                             <a:srgbClr val="FF0000"/>
                           </a:solidFill>
@@ -12533,7 +12515,7 @@
                     <a:lstStyle/>
                     <a:p>
                       <a:r>
-                        <a:rPr lang="en-IN" dirty="0"/>
+                        <a:rPr lang="en-IN"/>
                         <a:t>50 m/s</a:t>
                       </a:r>
                     </a:p>
@@ -12553,7 +12535,7 @@
                     <a:lstStyle/>
                     <a:p>
                       <a:r>
-                        <a:rPr lang="en-IN" dirty="0"/>
+                        <a:rPr lang="en-IN"/>
                         <a:t>Energy Consumed</a:t>
                       </a:r>
                     </a:p>
@@ -12566,7 +12548,7 @@
                     <a:lstStyle/>
                     <a:p>
                       <a:r>
-                        <a:rPr lang="en-IN" dirty="0"/>
+                        <a:rPr lang="en-IN"/>
                         <a:t>48.17 MJ</a:t>
                       </a:r>
                     </a:p>
@@ -12586,7 +12568,7 @@
                     <a:lstStyle/>
                     <a:p>
                       <a:r>
-                        <a:rPr lang="en-IN" dirty="0"/>
+                        <a:rPr lang="en-IN"/>
                         <a:t>Power system</a:t>
                       </a:r>
                     </a:p>
@@ -12599,7 +12581,7 @@
                     <a:lstStyle/>
                     <a:p>
                       <a:r>
-                        <a:rPr lang="en-IN" dirty="0"/>
+                        <a:rPr lang="en-IN"/>
                         <a:t>Hydrogen</a:t>
                       </a:r>
                     </a:p>
@@ -12726,17 +12708,17 @@
           <a:lstStyle/>
           <a:p>
             <a:r>
-              <a:rPr lang="en-IN" dirty="0"/>
+              <a:rPr lang="en-IN"/>
               <a:t>Section 7</a:t>
             </a:r>
             <a:br>
-              <a:rPr lang="en-IN" dirty="0"/>
+              <a:rPr lang="en-IN"/>
             </a:br>
             <a:r>
-              <a:rPr lang="en-IN" dirty="0"/>
+              <a:rPr lang="en-IN"/>
               <a:t>Powerless Dive</a:t>
             </a:r>
-            <a:endParaRPr lang="en-IN" dirty="0">
+            <a:endParaRPr lang="en-IN">
               <a:solidFill>
                 <a:srgbClr val="FF0000"/>
               </a:solidFill>
@@ -12797,7 +12779,7 @@
                     <a:lstStyle/>
                     <a:p>
                       <a:r>
-                        <a:rPr lang="en-IN" dirty="0"/>
+                        <a:rPr lang="en-IN"/>
                         <a:t>Parameter </a:t>
                       </a:r>
                     </a:p>
@@ -12810,7 +12792,7 @@
                     <a:lstStyle/>
                     <a:p>
                       <a:r>
-                        <a:rPr lang="en-IN" dirty="0"/>
+                        <a:rPr lang="en-IN"/>
                         <a:t>Value</a:t>
                       </a:r>
                     </a:p>
@@ -12830,7 +12812,7 @@
                     <a:lstStyle/>
                     <a:p>
                       <a:r>
-                        <a:rPr lang="en-IN" dirty="0"/>
+                        <a:rPr lang="en-IN"/>
                         <a:t>Thrust required</a:t>
                       </a:r>
                     </a:p>
@@ -12843,7 +12825,7 @@
                     <a:lstStyle/>
                     <a:p>
                       <a:r>
-                        <a:rPr lang="en-IN" dirty="0"/>
+                        <a:rPr lang="en-IN"/>
                         <a:t>0</a:t>
                       </a:r>
                     </a:p>
@@ -12863,7 +12845,7 @@
                     <a:lstStyle/>
                     <a:p>
                       <a:r>
-                        <a:rPr lang="en-IN" dirty="0"/>
+                        <a:rPr lang="en-IN"/>
                         <a:t>Cruise Power (MT theory)</a:t>
                       </a:r>
                     </a:p>
@@ -12876,7 +12858,7 @@
                     <a:lstStyle/>
                     <a:p>
                       <a:r>
-                        <a:rPr lang="en-IN" dirty="0"/>
+                        <a:rPr lang="en-IN"/>
                         <a:t>0</a:t>
                       </a:r>
                     </a:p>
@@ -12896,7 +12878,7 @@
                     <a:lstStyle/>
                     <a:p>
                       <a:r>
-                        <a:rPr lang="en-IN" dirty="0">
+                        <a:rPr lang="en-IN">
                           <a:solidFill>
                             <a:srgbClr val="FF0000"/>
                           </a:solidFill>
@@ -12913,7 +12895,7 @@
                     <a:lstStyle/>
                     <a:p>
                       <a:r>
-                        <a:rPr lang="en-IN" dirty="0"/>
+                        <a:rPr lang="en-IN"/>
                         <a:t>To be determined</a:t>
                       </a:r>
                     </a:p>
@@ -12933,7 +12915,7 @@
                     <a:lstStyle/>
                     <a:p>
                       <a:r>
-                        <a:rPr lang="en-IN" dirty="0"/>
+                        <a:rPr lang="en-IN"/>
                         <a:t>Energy Consumed</a:t>
                       </a:r>
                     </a:p>
@@ -12946,7 +12928,7 @@
                     <a:lstStyle/>
                     <a:p>
                       <a:r>
-                        <a:rPr lang="en-IN" dirty="0"/>
+                        <a:rPr lang="en-IN"/>
                         <a:t>0</a:t>
                       </a:r>
                     </a:p>
@@ -12966,7 +12948,7 @@
                     <a:lstStyle/>
                     <a:p>
                       <a:r>
-                        <a:rPr lang="en-IN" dirty="0"/>
+                        <a:rPr lang="en-IN"/>
                         <a:t>Power system</a:t>
                       </a:r>
                     </a:p>
@@ -12979,7 +12961,7 @@
                     <a:lstStyle/>
                     <a:p>
                       <a:r>
-                        <a:rPr lang="en-IN" dirty="0"/>
+                        <a:rPr lang="en-IN"/>
                         <a:t>-</a:t>
                       </a:r>
                     </a:p>
@@ -13106,14 +13088,14 @@
           <a:lstStyle/>
           <a:p>
             <a:r>
-              <a:rPr lang="en-IN" dirty="0"/>
+              <a:rPr lang="en-IN"/>
               <a:t>Section 8</a:t>
             </a:r>
             <a:br>
-              <a:rPr lang="en-IN" dirty="0"/>
+              <a:rPr lang="en-IN"/>
             </a:br>
             <a:r>
-              <a:rPr lang="en-IN" dirty="0"/>
+              <a:rPr lang="en-IN"/>
               <a:t>HOGE for 30 seconds at 30m</a:t>
             </a:r>
           </a:p>
@@ -13172,7 +13154,7 @@
                     <a:lstStyle/>
                     <a:p>
                       <a:r>
-                        <a:rPr lang="en-IN" dirty="0"/>
+                        <a:rPr lang="en-IN"/>
                         <a:t>Parameter </a:t>
                       </a:r>
                     </a:p>
@@ -13185,7 +13167,7 @@
                     <a:lstStyle/>
                     <a:p>
                       <a:r>
-                        <a:rPr lang="en-IN" dirty="0"/>
+                        <a:rPr lang="en-IN"/>
                         <a:t>Value</a:t>
                       </a:r>
                     </a:p>
@@ -13205,7 +13187,7 @@
                     <a:lstStyle/>
                     <a:p>
                       <a:r>
-                        <a:rPr lang="en-IN" dirty="0"/>
+                        <a:rPr lang="en-IN"/>
                         <a:t>Hover Power (HOGE)</a:t>
                       </a:r>
                     </a:p>
@@ -13218,7 +13200,7 @@
                     <a:lstStyle/>
                     <a:p>
                       <a:r>
-                        <a:rPr lang="en-IN" dirty="0"/>
+                        <a:rPr lang="en-IN"/>
                         <a:t>130KW</a:t>
                       </a:r>
                     </a:p>
@@ -13238,7 +13220,7 @@
                     <a:lstStyle/>
                     <a:p>
                       <a:r>
-                        <a:rPr lang="en-IN" dirty="0"/>
+                        <a:rPr lang="en-IN"/>
                         <a:t>Energy Consumed</a:t>
                       </a:r>
                     </a:p>
@@ -13251,7 +13233,7 @@
                     <a:lstStyle/>
                     <a:p>
                       <a:r>
-                        <a:rPr lang="en-IN" dirty="0"/>
+                        <a:rPr lang="en-IN"/>
                         <a:t>3.9 MJ</a:t>
                       </a:r>
                     </a:p>
@@ -13271,7 +13253,7 @@
                     <a:lstStyle/>
                     <a:p>
                       <a:r>
-                        <a:rPr lang="en-IN" dirty="0"/>
+                        <a:rPr lang="en-IN"/>
                         <a:t>Power System</a:t>
                       </a:r>
                     </a:p>
@@ -13284,7 +13266,7 @@
                     <a:lstStyle/>
                     <a:p>
                       <a:r>
-                        <a:rPr lang="en-IN" dirty="0"/>
+                        <a:rPr lang="en-IN"/>
                         <a:t>Battery</a:t>
                       </a:r>
                     </a:p>
@@ -13409,18 +13391,18 @@
           <a:lstStyle/>
           <a:p>
             <a:r>
-              <a:rPr lang="en-IN" dirty="0"/>
+              <a:rPr lang="en-IN"/>
               <a:t>Section 9</a:t>
             </a:r>
             <a:br>
-              <a:rPr lang="en-IN" dirty="0"/>
+              <a:rPr lang="en-IN"/>
             </a:br>
             <a:r>
-              <a:rPr lang="en-IN" dirty="0"/>
+              <a:rPr lang="en-IN"/>
               <a:t>Endurance flight for </a:t>
             </a:r>
             <a:r>
-              <a:rPr lang="en-IN" dirty="0">
+              <a:rPr lang="en-IN">
                 <a:solidFill>
                   <a:srgbClr val="FF0000"/>
                 </a:solidFill>
@@ -13483,7 +13465,7 @@
                     <a:lstStyle/>
                     <a:p>
                       <a:r>
-                        <a:rPr lang="en-IN" dirty="0"/>
+                        <a:rPr lang="en-IN"/>
                         <a:t>Parameter </a:t>
                       </a:r>
                     </a:p>
@@ -13496,7 +13478,7 @@
                     <a:lstStyle/>
                     <a:p>
                       <a:r>
-                        <a:rPr lang="en-IN" dirty="0"/>
+                        <a:rPr lang="en-IN"/>
                         <a:t>Value</a:t>
                       </a:r>
                     </a:p>
@@ -13516,7 +13498,7 @@
                     <a:lstStyle/>
                     <a:p>
                       <a:r>
-                        <a:rPr lang="en-IN" dirty="0"/>
+                        <a:rPr lang="en-IN"/>
                         <a:t>Thrust required</a:t>
                       </a:r>
                     </a:p>
@@ -13529,7 +13511,7 @@
                     <a:lstStyle/>
                     <a:p>
                       <a:r>
-                        <a:rPr lang="en-IN" dirty="0"/>
+                        <a:rPr lang="en-IN"/>
                         <a:t>~737 N</a:t>
                       </a:r>
                     </a:p>
@@ -13549,7 +13531,7 @@
                     <a:lstStyle/>
                     <a:p>
                       <a:r>
-                        <a:rPr lang="en-IN" dirty="0"/>
+                        <a:rPr lang="en-IN"/>
                         <a:t>Cruise Power (MT theory)</a:t>
                       </a:r>
                     </a:p>
@@ -13562,7 +13544,7 @@
                     <a:lstStyle/>
                     <a:p>
                       <a:r>
-                        <a:rPr lang="en-IN" dirty="0"/>
+                        <a:rPr lang="en-IN"/>
                         <a:t>72 KW</a:t>
                       </a:r>
                     </a:p>
@@ -13582,7 +13564,7 @@
                     <a:lstStyle/>
                     <a:p>
                       <a:r>
-                        <a:rPr lang="en-IN" dirty="0">
+                        <a:rPr lang="en-IN">
                           <a:solidFill>
                             <a:srgbClr val="FF0000"/>
                           </a:solidFill>
@@ -13592,7 +13574,7 @@
                     </a:p>
                     <a:p>
                       <a:r>
-                        <a:rPr lang="en-IN" dirty="0">
+                        <a:rPr lang="en-IN">
                           <a:solidFill>
                             <a:srgbClr val="FF0000"/>
                           </a:solidFill>
@@ -13600,14 +13582,14 @@
                         <a:t>Dependent on </a:t>
                       </a:r>
                       <a:r>
-                        <a:rPr lang="en-IN" dirty="0" err="1">
+                        <a:rPr lang="en-IN" err="1">
                           <a:solidFill>
                             <a:srgbClr val="FF0000"/>
                           </a:solidFill>
                         </a:rPr>
                         <a:t>Cl_max</a:t>
                       </a:r>
-                      <a:endParaRPr lang="en-IN" dirty="0">
+                      <a:endParaRPr lang="en-IN">
                         <a:solidFill>
                           <a:srgbClr val="FF0000"/>
                         </a:solidFill>
@@ -13622,15 +13604,15 @@
                     <a:lstStyle/>
                     <a:p>
                       <a:r>
-                        <a:rPr lang="en-IN" dirty="0"/>
+                        <a:rPr lang="en-IN"/>
                         <a:t>45 m/s for now (1.11 </a:t>
                       </a:r>
                       <a:r>
-                        <a:rPr lang="en-IN" dirty="0" err="1"/>
+                        <a:rPr lang="en-IN" err="1"/>
                         <a:t>Cl_max</a:t>
                       </a:r>
                       <a:r>
-                        <a:rPr lang="en-IN" dirty="0"/>
+                        <a:rPr lang="en-IN"/>
                         <a:t>)</a:t>
                       </a:r>
                     </a:p>
@@ -13650,7 +13632,7 @@
                     <a:lstStyle/>
                     <a:p>
                       <a:r>
-                        <a:rPr lang="en-IN" dirty="0"/>
+                        <a:rPr lang="en-IN"/>
                         <a:t>Energy Consumed</a:t>
                       </a:r>
                     </a:p>
@@ -13663,7 +13645,7 @@
                     <a:lstStyle/>
                     <a:p>
                       <a:r>
-                        <a:rPr lang="en-IN" dirty="0"/>
+                        <a:rPr lang="en-IN"/>
                         <a:t>261 MJ</a:t>
                       </a:r>
                     </a:p>
@@ -13683,7 +13665,7 @@
                     <a:lstStyle/>
                     <a:p>
                       <a:r>
-                        <a:rPr lang="en-IN" dirty="0"/>
+                        <a:rPr lang="en-IN"/>
                         <a:t>Power system</a:t>
                       </a:r>
                     </a:p>
@@ -13696,7 +13678,7 @@
                     <a:lstStyle/>
                     <a:p>
                       <a:r>
-                        <a:rPr lang="en-IN" dirty="0"/>
+                        <a:rPr lang="en-IN"/>
                         <a:t>Hydrogen</a:t>
                       </a:r>
                     </a:p>
@@ -13812,7 +13794,7 @@
           <a:lstStyle/>
           <a:p>
             <a:r>
-              <a:rPr lang="en-IN" dirty="0"/>
+              <a:rPr lang="en-IN"/>
               <a:t>Section 10, 11 and 12 are similar to section 5, 6 and 7.</a:t>
             </a:r>
           </a:p>
@@ -13881,17 +13863,17 @@
           <a:lstStyle/>
           <a:p>
             <a:r>
-              <a:rPr lang="en-IN" dirty="0"/>
+              <a:rPr lang="en-IN"/>
               <a:t>Estimate Wing sizing</a:t>
             </a:r>
             <a:br>
-              <a:rPr lang="en-IN" dirty="0"/>
+              <a:rPr lang="en-IN"/>
             </a:br>
             <a:r>
-              <a:rPr lang="en-IN" dirty="0"/>
+              <a:rPr lang="en-IN"/>
               <a:t>(Done after getting data from aerodynamic people)</a:t>
             </a:r>
-            <a:endParaRPr lang="en-IN" dirty="0">
+            <a:endParaRPr lang="en-IN">
               <a:solidFill>
                 <a:srgbClr val="FF0000"/>
               </a:solidFill>
@@ -13914,7 +13896,7 @@
           <p:nvPr>
             <p:extLst>
               <p:ext uri="{D42A27DB-BD31-4B8C-83A1-F6EECF244321}">
-                <p14:modId xmlns:p14="http://schemas.microsoft.com/office/powerpoint/2010/main" val="665140637"/>
+                <p14:modId xmlns:p14="http://schemas.microsoft.com/office/powerpoint/2010/main" val="1190399566"/>
               </p:ext>
             </p:extLst>
           </p:nvPr>
@@ -13952,7 +13934,7 @@
                     <a:lstStyle/>
                     <a:p>
                       <a:r>
-                        <a:rPr lang="en-IN" dirty="0"/>
+                        <a:rPr lang="en-IN"/>
                         <a:t>Parameter </a:t>
                       </a:r>
                     </a:p>
@@ -13965,7 +13947,7 @@
                     <a:lstStyle/>
                     <a:p>
                       <a:r>
-                        <a:rPr lang="en-IN" dirty="0"/>
+                        <a:rPr lang="en-IN"/>
                         <a:t>Value</a:t>
                       </a:r>
                     </a:p>
@@ -13985,7 +13967,7 @@
                     <a:lstStyle/>
                     <a:p>
                       <a:r>
-                        <a:rPr lang="en-IN" dirty="0"/>
+                        <a:rPr lang="en-IN"/>
                         <a:t>span</a:t>
                       </a:r>
                     </a:p>
@@ -13998,7 +13980,7 @@
                     <a:lstStyle/>
                     <a:p>
                       <a:r>
-                        <a:rPr lang="en-IN" dirty="0"/>
+                        <a:rPr lang="en-IN"/>
                         <a:t>5 m</a:t>
                       </a:r>
                     </a:p>
@@ -14018,7 +14000,7 @@
                     <a:lstStyle/>
                     <a:p>
                       <a:r>
-                        <a:rPr lang="en-IN" dirty="0"/>
+                        <a:rPr lang="en-IN"/>
                         <a:t>chord</a:t>
                       </a:r>
                     </a:p>
@@ -14031,7 +14013,7 @@
                     <a:lstStyle/>
                     <a:p>
                       <a:r>
-                        <a:rPr lang="en-IN" dirty="0"/>
+                        <a:rPr lang="en-IN"/>
                         <a:t>0.53 m</a:t>
                       </a:r>
                     </a:p>
@@ -14051,7 +14033,7 @@
                     <a:lstStyle/>
                     <a:p>
                       <a:r>
-                        <a:rPr lang="en-IN" dirty="0">
+                        <a:rPr lang="en-IN">
                           <a:solidFill>
                             <a:srgbClr val="FF0000"/>
                           </a:solidFill>
@@ -14059,14 +14041,14 @@
                         <a:t>Cl design </a:t>
                       </a:r>
                       <a:r>
-                        <a:rPr lang="en-IN" dirty="0" err="1">
+                        <a:rPr lang="en-IN" err="1">
                           <a:solidFill>
                             <a:srgbClr val="FF0000"/>
                           </a:solidFill>
                         </a:rPr>
                         <a:t>targetted</a:t>
                       </a:r>
-                      <a:endParaRPr lang="en-IN" dirty="0">
+                      <a:endParaRPr lang="en-IN">
                         <a:solidFill>
                           <a:srgbClr val="FF0000"/>
                         </a:solidFill>
@@ -14082,7 +14064,7 @@
                     <a:p>
                       <a:r>
                         <a:rPr lang="en-IN" dirty="0"/>
-                        <a:t>0.8</a:t>
+                        <a:t>0.4</a:t>
                       </a:r>
                     </a:p>
                   </a:txBody>
@@ -14101,7 +14083,7 @@
                     <a:lstStyle/>
                     <a:p>
                       <a:r>
-                        <a:rPr lang="en-IN" dirty="0"/>
+                        <a:rPr lang="en-IN"/>
                         <a:t>AR</a:t>
                       </a:r>
                     </a:p>
@@ -14114,7 +14096,7 @@
                     <a:lstStyle/>
                     <a:p>
                       <a:r>
-                        <a:rPr lang="en-IN" dirty="0"/>
+                        <a:rPr lang="en-IN"/>
                         <a:t>12</a:t>
                       </a:r>
                     </a:p>
@@ -14134,7 +14116,7 @@
                     <a:lstStyle/>
                     <a:p>
                       <a:r>
-                        <a:rPr lang="en-IN" dirty="0"/>
+                        <a:rPr lang="en-IN"/>
                         <a:t>taper</a:t>
                       </a:r>
                     </a:p>
@@ -14377,7 +14359,7 @@
                         <a:buNone/>
                       </a:pPr>
                       <a:r>
-                        <a:rPr lang="en-IN" b="1" i="0" dirty="0">
+                        <a:rPr lang="en-IN" b="1" i="0">
                           <a:solidFill>
                             <a:srgbClr val="000000"/>
                           </a:solidFill>
@@ -14385,7 +14367,7 @@
                         </a:rPr>
                         <a:t>VALUE (kg)</a:t>
                       </a:r>
-                      <a:endParaRPr lang="en-IN" dirty="0">
+                      <a:endParaRPr lang="en-IN">
                         <a:effectLst/>
                       </a:endParaRPr>
                     </a:p>
@@ -14570,7 +14552,7 @@
                         <a:buNone/>
                       </a:pPr>
                       <a:r>
-                        <a:rPr lang="en-IN" b="1" i="0" dirty="0">
+                        <a:rPr lang="en-IN" b="1" i="0">
                           <a:solidFill>
                             <a:srgbClr val="000000"/>
                           </a:solidFill>
@@ -14578,7 +14560,7 @@
                         </a:rPr>
                         <a:t>Hydrogen weight</a:t>
                       </a:r>
-                      <a:endParaRPr lang="en-IN" dirty="0">
+                      <a:endParaRPr lang="en-IN">
                         <a:effectLst/>
                       </a:endParaRPr>
                     </a:p>
@@ -14632,7 +14614,7 @@
                         <a:buNone/>
                       </a:pPr>
                       <a:r>
-                        <a:rPr lang="en-IN" b="1" i="0" dirty="0">
+                        <a:rPr lang="en-IN" b="1" i="0">
                           <a:solidFill>
                             <a:srgbClr val="000000"/>
                           </a:solidFill>
@@ -14640,7 +14622,7 @@
                         </a:rPr>
                         <a:t>~150.45</a:t>
                       </a:r>
-                      <a:endParaRPr lang="en-IN" dirty="0">
+                      <a:endParaRPr lang="en-IN">
                         <a:effectLst/>
                       </a:endParaRPr>
                     </a:p>
@@ -14694,7 +14676,7 @@
                         <a:buNone/>
                       </a:pPr>
                       <a:r>
-                        <a:rPr lang="en-IN" b="1" i="0" dirty="0">
+                        <a:rPr lang="en-IN" b="1" i="0">
                           <a:solidFill>
                             <a:srgbClr val="000000"/>
                           </a:solidFill>
@@ -14702,7 +14684,7 @@
                         </a:rPr>
                         <a:t>Electrical weight</a:t>
                       </a:r>
-                      <a:endParaRPr lang="en-IN" dirty="0">
+                      <a:endParaRPr lang="en-IN">
                         <a:effectLst/>
                       </a:endParaRPr>
                     </a:p>
@@ -14756,7 +14738,7 @@
                         <a:buNone/>
                       </a:pPr>
                       <a:r>
-                        <a:rPr lang="en-IN" b="1" i="0" dirty="0">
+                        <a:rPr lang="en-IN" b="1" i="0">
                           <a:solidFill>
                             <a:srgbClr val="000000"/>
                           </a:solidFill>
@@ -14764,7 +14746,7 @@
                         </a:rPr>
                         <a:t>~4.37</a:t>
                       </a:r>
-                      <a:endParaRPr lang="en-IN" dirty="0">
+                      <a:endParaRPr lang="en-IN">
                         <a:effectLst/>
                       </a:endParaRPr>
                     </a:p>
@@ -14825,7 +14807,7 @@
                         <a:buNone/>
                       </a:pPr>
                       <a:r>
-                        <a:rPr lang="en-IN" b="1" i="0" dirty="0">
+                        <a:rPr lang="en-IN" b="1" i="0">
                           <a:solidFill>
                             <a:srgbClr val="000000"/>
                           </a:solidFill>
@@ -14833,7 +14815,7 @@
                         </a:rPr>
                         <a:t>Battery Weight</a:t>
                       </a:r>
-                      <a:endParaRPr lang="en-IN" dirty="0">
+                      <a:endParaRPr lang="en-IN">
                         <a:effectLst/>
                       </a:endParaRPr>
                     </a:p>
@@ -14887,7 +14869,7 @@
                         <a:buNone/>
                       </a:pPr>
                       <a:r>
-                        <a:rPr lang="en-IN" b="1" i="0" dirty="0">
+                        <a:rPr lang="en-IN" b="1" i="0">
                           <a:solidFill>
                             <a:srgbClr val="000000"/>
                           </a:solidFill>
@@ -14895,7 +14877,7 @@
                         </a:rPr>
                         <a:t>28.6 (&lt;30)</a:t>
                       </a:r>
-                      <a:endParaRPr lang="en-IN" dirty="0">
+                      <a:endParaRPr lang="en-IN">
                         <a:effectLst/>
                       </a:endParaRPr>
                     </a:p>
@@ -14949,7 +14931,7 @@
                         <a:buNone/>
                       </a:pPr>
                       <a:r>
-                        <a:rPr lang="en-IN" b="1" i="0" dirty="0">
+                        <a:rPr lang="en-IN" b="1" i="0">
                           <a:solidFill>
                             <a:srgbClr val="000000"/>
                           </a:solidFill>
@@ -14957,7 +14939,7 @@
                         </a:rPr>
                         <a:t>1 Wing </a:t>
                       </a:r>
-                      <a:endParaRPr lang="en-IN" dirty="0">
+                      <a:endParaRPr lang="en-IN">
                         <a:effectLst/>
                       </a:endParaRPr>
                     </a:p>
@@ -15011,7 +14993,7 @@
                         <a:buNone/>
                       </a:pPr>
                       <a:r>
-                        <a:rPr lang="en-IN" b="1" i="0" dirty="0">
+                        <a:rPr lang="en-IN" b="1" i="0">
                           <a:solidFill>
                             <a:srgbClr val="000000"/>
                           </a:solidFill>
@@ -15019,7 +15001,7 @@
                         </a:rPr>
                         <a:t>~ 12</a:t>
                       </a:r>
-                      <a:endParaRPr lang="en-IN" dirty="0">
+                      <a:endParaRPr lang="en-IN">
                         <a:effectLst/>
                       </a:endParaRPr>
                     </a:p>
@@ -15080,7 +15062,7 @@
                         <a:buNone/>
                       </a:pPr>
                       <a:r>
-                        <a:rPr lang="en-IN" b="1" i="0" dirty="0">
+                        <a:rPr lang="en-IN" b="1" i="0">
                           <a:solidFill>
                             <a:srgbClr val="000000"/>
                           </a:solidFill>
@@ -15088,7 +15070,7 @@
                         </a:rPr>
                         <a:t>Fuel system</a:t>
                       </a:r>
-                      <a:endParaRPr lang="en-IN" dirty="0">
+                      <a:endParaRPr lang="en-IN">
                         <a:effectLst/>
                       </a:endParaRPr>
                     </a:p>
@@ -15142,7 +15124,7 @@
                         <a:buNone/>
                       </a:pPr>
                       <a:r>
-                        <a:rPr lang="en-IN" b="1" i="0" dirty="0">
+                        <a:rPr lang="en-IN" b="1" i="0">
                           <a:solidFill>
                             <a:srgbClr val="000000"/>
                           </a:solidFill>
@@ -15150,7 +15132,7 @@
                         </a:rPr>
                         <a:t>~ 50 </a:t>
                       </a:r>
-                      <a:endParaRPr lang="en-IN" dirty="0">
+                      <a:endParaRPr lang="en-IN">
                         <a:effectLst/>
                       </a:endParaRPr>
                     </a:p>
@@ -15204,7 +15186,7 @@
                         <a:buNone/>
                       </a:pPr>
                       <a:r>
-                        <a:rPr lang="en-IN" b="1" i="0" dirty="0">
+                        <a:rPr lang="en-IN" b="1" i="0">
                           <a:solidFill>
                             <a:srgbClr val="000000"/>
                           </a:solidFill>
@@ -15212,7 +15194,7 @@
                         </a:rPr>
                         <a:t>Landing gear</a:t>
                       </a:r>
-                      <a:endParaRPr lang="en-IN" dirty="0">
+                      <a:endParaRPr lang="en-IN">
                         <a:effectLst/>
                       </a:endParaRPr>
                     </a:p>
@@ -15266,7 +15248,7 @@
                         <a:buNone/>
                       </a:pPr>
                       <a:r>
-                        <a:rPr lang="en-IN" b="1" i="0" dirty="0">
+                        <a:rPr lang="en-IN" b="1" i="0">
                           <a:solidFill>
                             <a:srgbClr val="000000"/>
                           </a:solidFill>
@@ -15274,7 +15256,7 @@
                         </a:rPr>
                         <a:t>~6.27 </a:t>
                       </a:r>
-                      <a:endParaRPr lang="en-IN" dirty="0">
+                      <a:endParaRPr lang="en-IN">
                         <a:effectLst/>
                       </a:endParaRPr>
                     </a:p>
@@ -15335,7 +15317,7 @@
                         <a:buNone/>
                       </a:pPr>
                       <a:r>
-                        <a:rPr lang="en-IN" b="1" i="0" dirty="0">
+                        <a:rPr lang="en-IN" b="1" i="0">
                           <a:solidFill>
                             <a:srgbClr val="000000"/>
                           </a:solidFill>
@@ -15343,7 +15325,7 @@
                         </a:rPr>
                         <a:t>Fuselage </a:t>
                       </a:r>
-                      <a:endParaRPr lang="en-IN" dirty="0">
+                      <a:endParaRPr lang="en-IN">
                         <a:effectLst/>
                       </a:endParaRPr>
                     </a:p>
@@ -15397,7 +15379,7 @@
                         <a:buNone/>
                       </a:pPr>
                       <a:r>
-                        <a:rPr lang="en-IN" b="1" i="0" dirty="0">
+                        <a:rPr lang="en-IN" b="1" i="0">
                           <a:solidFill>
                             <a:srgbClr val="000000"/>
                           </a:solidFill>
@@ -15405,7 +15387,7 @@
                         </a:rPr>
                         <a:t>141.11</a:t>
                       </a:r>
-                      <a:endParaRPr lang="en-IN" dirty="0">
+                      <a:endParaRPr lang="en-IN">
                         <a:effectLst/>
                       </a:endParaRPr>
                     </a:p>
@@ -15459,7 +15441,7 @@
                         <a:buNone/>
                       </a:pPr>
                       <a:r>
-                        <a:rPr lang="en-IN" b="1" i="0" dirty="0">
+                        <a:rPr lang="en-IN" b="1" i="0">
                           <a:solidFill>
                             <a:srgbClr val="000000"/>
                           </a:solidFill>
@@ -15467,7 +15449,7 @@
                         </a:rPr>
                         <a:t>Fixed weight</a:t>
                       </a:r>
-                      <a:endParaRPr lang="en-IN" dirty="0">
+                      <a:endParaRPr lang="en-IN">
                         <a:effectLst/>
                       </a:endParaRPr>
                     </a:p>
@@ -15521,7 +15503,7 @@
                         <a:buNone/>
                       </a:pPr>
                       <a:r>
-                        <a:rPr lang="en-IN" b="1" i="0" dirty="0">
+                        <a:rPr lang="en-IN" b="1" i="0">
                           <a:solidFill>
                             <a:srgbClr val="000000"/>
                           </a:solidFill>
@@ -15529,7 +15511,7 @@
                         </a:rPr>
                         <a:t>~ 13.56</a:t>
                       </a:r>
-                      <a:endParaRPr lang="en-IN" dirty="0">
+                      <a:endParaRPr lang="en-IN">
                         <a:effectLst/>
                       </a:endParaRPr>
                     </a:p>
@@ -15590,18 +15572,18 @@
                         <a:buNone/>
                       </a:pPr>
                       <a:r>
-                        <a:rPr lang="en-IN" dirty="0">
+                        <a:rPr lang="en-IN">
                           <a:effectLst/>
                         </a:rPr>
                         <a:t>1 </a:t>
                       </a:r>
                       <a:r>
-                        <a:rPr lang="en-IN" b="1" dirty="0">
+                        <a:rPr lang="en-IN" b="1">
                           <a:effectLst/>
                         </a:rPr>
                         <a:t>Motor</a:t>
                       </a:r>
-                      <a:endParaRPr lang="en-IN" dirty="0">
+                      <a:endParaRPr lang="en-IN">
                         <a:effectLst/>
                       </a:endParaRPr>
                     </a:p>
@@ -15655,7 +15637,7 @@
                         <a:buNone/>
                       </a:pPr>
                       <a:r>
-                        <a:rPr lang="en-IN" b="1" i="0" dirty="0">
+                        <a:rPr lang="en-IN" b="1" i="0">
                           <a:solidFill>
                             <a:srgbClr val="000000"/>
                           </a:solidFill>
@@ -15663,7 +15645,7 @@
                         </a:rPr>
                         <a:t>~1.7 </a:t>
                       </a:r>
-                      <a:endParaRPr lang="en-IN" dirty="0">
+                      <a:endParaRPr lang="en-IN">
                         <a:effectLst/>
                       </a:endParaRPr>
                     </a:p>
@@ -15717,7 +15699,7 @@
                         <a:buNone/>
                       </a:pPr>
                       <a:r>
-                        <a:rPr lang="en-IN" b="1" i="0" dirty="0">
+                        <a:rPr lang="en-IN" b="1" i="0">
                           <a:solidFill>
                             <a:srgbClr val="000000"/>
                           </a:solidFill>
@@ -15725,7 +15707,7 @@
                         </a:rPr>
                         <a:t>rotor group</a:t>
                       </a:r>
-                      <a:endParaRPr lang="en-IN" dirty="0">
+                      <a:endParaRPr lang="en-IN">
                         <a:effectLst/>
                       </a:endParaRPr>
                     </a:p>
@@ -15779,7 +15761,7 @@
                         <a:buNone/>
                       </a:pPr>
                       <a:r>
-                        <a:rPr lang="en-IN" b="1" i="0" dirty="0">
+                        <a:rPr lang="en-IN" b="1" i="0">
                           <a:solidFill>
                             <a:srgbClr val="000000"/>
                           </a:solidFill>
@@ -15787,7 +15769,7 @@
                         </a:rPr>
                         <a:t>~ 30 </a:t>
                       </a:r>
-                      <a:endParaRPr lang="en-IN" dirty="0">
+                      <a:endParaRPr lang="en-IN">
                         <a:effectLst/>
                       </a:endParaRPr>
                     </a:p>
@@ -15848,7 +15830,7 @@
                         <a:buNone/>
                       </a:pPr>
                       <a:r>
-                        <a:rPr lang="en-IN" b="1" i="0" dirty="0">
+                        <a:rPr lang="en-IN" b="1" i="0">
                           <a:solidFill>
                             <a:srgbClr val="000000"/>
                           </a:solidFill>
@@ -15856,7 +15838,7 @@
                         </a:rPr>
                         <a:t>1 Rotor</a:t>
                       </a:r>
-                      <a:endParaRPr lang="en-IN" dirty="0">
+                      <a:endParaRPr lang="en-IN">
                         <a:effectLst/>
                       </a:endParaRPr>
                     </a:p>
@@ -15910,7 +15892,7 @@
                         <a:buNone/>
                       </a:pPr>
                       <a:r>
-                        <a:rPr lang="en-IN" b="1" i="0" dirty="0">
+                        <a:rPr lang="en-IN" b="1" i="0">
                           <a:solidFill>
                             <a:srgbClr val="000000"/>
                           </a:solidFill>
@@ -15918,7 +15900,7 @@
                         </a:rPr>
                         <a:t>~1 .36</a:t>
                       </a:r>
-                      <a:endParaRPr lang="en-IN" dirty="0">
+                      <a:endParaRPr lang="en-IN">
                         <a:effectLst/>
                       </a:endParaRPr>
                     </a:p>
@@ -15972,7 +15954,7 @@
                         <a:buNone/>
                       </a:pPr>
                       <a:r>
-                        <a:rPr lang="en-IN" b="1" i="0" dirty="0">
+                        <a:rPr lang="en-IN" b="1" i="0">
                           <a:solidFill>
                             <a:srgbClr val="000000"/>
                           </a:solidFill>
@@ -15980,7 +15962,7 @@
                         </a:rPr>
                         <a:t>Power system weight</a:t>
                       </a:r>
-                      <a:endParaRPr lang="en-IN" dirty="0">
+                      <a:endParaRPr lang="en-IN">
                         <a:effectLst/>
                       </a:endParaRPr>
                     </a:p>
@@ -16034,7 +16016,7 @@
                         <a:buNone/>
                       </a:pPr>
                       <a:r>
-                        <a:rPr lang="en-IN" b="1" i="0" dirty="0">
+                        <a:rPr lang="en-IN" b="1" i="0">
                           <a:solidFill>
                             <a:srgbClr val="000000"/>
                           </a:solidFill>
@@ -16042,7 +16024,7 @@
                         </a:rPr>
                         <a:t>~ 224</a:t>
                       </a:r>
-                      <a:endParaRPr lang="en-IN" dirty="0">
+                      <a:endParaRPr lang="en-IN">
                         <a:effectLst/>
                       </a:endParaRPr>
                     </a:p>
@@ -16103,7 +16085,7 @@
                         <a:buNone/>
                       </a:pPr>
                       <a:r>
-                        <a:rPr lang="en-IN" b="1" dirty="0">
+                        <a:rPr lang="en-IN" b="1">
                           <a:effectLst/>
                         </a:rPr>
                         <a:t>Esc mass</a:t>
@@ -16159,7 +16141,7 @@
                         <a:buNone/>
                       </a:pPr>
                       <a:r>
-                        <a:rPr lang="en-IN" b="1" dirty="0">
+                        <a:rPr lang="en-IN" b="1">
                           <a:effectLst/>
                         </a:rPr>
                         <a:t>0.5</a:t>
@@ -16215,7 +16197,7 @@
                         <a:buNone/>
                       </a:pPr>
                       <a:r>
-                        <a:rPr lang="en-IN" b="1" dirty="0">
+                        <a:rPr lang="en-IN" b="1">
                           <a:effectLst/>
                         </a:rPr>
                         <a:t>Empty </a:t>
@@ -16271,7 +16253,7 @@
                         <a:buNone/>
                       </a:pPr>
                       <a:r>
-                        <a:rPr lang="en-IN" b="1" dirty="0">
+                        <a:rPr lang="en-IN" b="1">
                           <a:effectLst/>
                         </a:rPr>
                         <a:t>~ 218</a:t>
@@ -16334,7 +16316,7 @@
                         <a:buNone/>
                       </a:pPr>
                       <a:r>
-                        <a:rPr lang="en-IN" b="1" i="0" dirty="0">
+                        <a:rPr lang="en-IN" b="1" i="0">
                           <a:solidFill>
                             <a:schemeClr val="tx1"/>
                           </a:solidFill>
@@ -16342,7 +16324,7 @@
                         </a:rPr>
                         <a:t>Avionics</a:t>
                       </a:r>
-                      <a:endParaRPr lang="en-IN" dirty="0">
+                      <a:endParaRPr lang="en-IN">
                         <a:solidFill>
                           <a:schemeClr val="tx1"/>
                         </a:solidFill>
@@ -16399,7 +16381,7 @@
                         <a:buNone/>
                       </a:pPr>
                       <a:r>
-                        <a:rPr lang="en-IN" b="1" i="0" dirty="0">
+                        <a:rPr lang="en-IN" b="1" i="0">
                           <a:solidFill>
                             <a:srgbClr val="000000"/>
                           </a:solidFill>
@@ -16407,7 +16389,7 @@
                         </a:rPr>
                         <a:t>~10.91</a:t>
                       </a:r>
-                      <a:endParaRPr lang="en-IN" dirty="0">
+                      <a:endParaRPr lang="en-IN">
                         <a:effectLst/>
                       </a:endParaRPr>
                     </a:p>
@@ -16461,7 +16443,7 @@
                         <a:buNone/>
                       </a:pPr>
                       <a:r>
-                        <a:rPr lang="en-IN" b="1" i="0" dirty="0">
+                        <a:rPr lang="en-IN" b="1" i="0">
                           <a:solidFill>
                             <a:srgbClr val="000000"/>
                           </a:solidFill>
@@ -16469,7 +16451,7 @@
                         </a:rPr>
                         <a:t>Payload</a:t>
                       </a:r>
-                      <a:endParaRPr lang="en-IN" dirty="0">
+                      <a:endParaRPr lang="en-IN">
                         <a:effectLst/>
                       </a:endParaRPr>
                     </a:p>
@@ -16523,7 +16505,7 @@
                         <a:buNone/>
                       </a:pPr>
                       <a:r>
-                        <a:rPr lang="en-IN" b="1" i="0" dirty="0">
+                        <a:rPr lang="en-IN" b="1" i="0">
                           <a:solidFill>
                             <a:srgbClr val="000000"/>
                           </a:solidFill>
@@ -16531,7 +16513,7 @@
                         </a:rPr>
                         <a:t>~ 185</a:t>
                       </a:r>
-                      <a:endParaRPr lang="en-IN" dirty="0">
+                      <a:endParaRPr lang="en-IN">
                         <a:effectLst/>
                       </a:endParaRPr>
                     </a:p>
@@ -16592,7 +16574,7 @@
                         <a:buNone/>
                       </a:pPr>
                       <a:r>
-                        <a:rPr lang="en-US" b="1" i="0" dirty="0">
+                        <a:rPr lang="en-US" b="1" i="0">
                           <a:solidFill>
                             <a:schemeClr val="tx1"/>
                           </a:solidFill>
@@ -16600,7 +16582,7 @@
                         </a:rPr>
                         <a:t>Instruments</a:t>
                       </a:r>
-                      <a:endParaRPr lang="en-US" dirty="0">
+                      <a:endParaRPr lang="en-US">
                         <a:solidFill>
                           <a:schemeClr val="tx1"/>
                         </a:solidFill>
@@ -16657,7 +16639,7 @@
                         <a:buNone/>
                       </a:pPr>
                       <a:r>
-                        <a:rPr lang="en-IN" b="1" i="0" dirty="0">
+                        <a:rPr lang="en-IN" b="1" i="0">
                           <a:solidFill>
                             <a:srgbClr val="000000"/>
                           </a:solidFill>
@@ -16665,7 +16647,7 @@
                         </a:rPr>
                         <a:t>2.4 </a:t>
                       </a:r>
-                      <a:endParaRPr lang="en-IN" dirty="0">
+                      <a:endParaRPr lang="en-IN">
                         <a:effectLst/>
                       </a:endParaRPr>
                     </a:p>
@@ -16719,7 +16701,7 @@
                         <a:buNone/>
                       </a:pPr>
                       <a:r>
-                        <a:rPr lang="en-IN" b="1" i="0" dirty="0">
+                        <a:rPr lang="en-IN" b="1" i="0">
                           <a:solidFill>
                             <a:srgbClr val="000000"/>
                           </a:solidFill>
@@ -16727,7 +16709,7 @@
                         </a:rPr>
                         <a:t>Gross Weight</a:t>
                       </a:r>
-                      <a:endParaRPr lang="en-IN" dirty="0">
+                      <a:endParaRPr lang="en-IN">
                         <a:effectLst/>
                       </a:endParaRPr>
                     </a:p>
@@ -16781,7 +16763,7 @@
                         <a:buNone/>
                       </a:pPr>
                       <a:r>
-                        <a:rPr lang="en-IN" b="1" i="0" dirty="0">
+                        <a:rPr lang="en-IN" b="1" i="0">
                           <a:solidFill>
                             <a:srgbClr val="000000"/>
                           </a:solidFill>
@@ -16789,7 +16771,7 @@
                         </a:rPr>
                         <a:t>~ 628</a:t>
                       </a:r>
-                      <a:endParaRPr lang="en-IN" dirty="0">
+                      <a:endParaRPr lang="en-IN">
                         <a:effectLst/>
                       </a:endParaRPr>
                     </a:p>
@@ -16943,7 +16925,7 @@
           <a:p>
             <a:pPr algn="ctr" rtl="0"/>
             <a:r>
-              <a:rPr lang="en-IN" sz="3200" b="1" i="0" dirty="0">
+              <a:rPr lang="en-IN" sz="3200" b="1" i="0">
                 <a:solidFill>
                   <a:srgbClr val="000000"/>
                 </a:solidFill>
@@ -16951,7 +16933,7 @@
               </a:rPr>
               <a:t>Weight Estimation</a:t>
             </a:r>
-            <a:endParaRPr lang="en-IN" sz="3200" dirty="0">
+            <a:endParaRPr lang="en-IN" sz="3200">
               <a:effectLst/>
             </a:endParaRPr>
           </a:p>
@@ -17287,7 +17269,7 @@
               </a:spcAft>
             </a:pPr>
             <a:r>
-              <a:rPr lang="en-US" sz="5900" b="1" i="0" spc="-100" dirty="0">
+              <a:rPr lang="en-US" sz="5900" b="1" i="0" spc="-100">
                 <a:solidFill>
                   <a:srgbClr val="FFFFFF"/>
                 </a:solidFill>
@@ -17299,7 +17281,7 @@
               <a:t>Performance of </a:t>
             </a:r>
             <a:r>
-              <a:rPr lang="en-US" sz="5900" b="1" spc="-100" dirty="0">
+              <a:rPr lang="en-US" sz="5900" b="1" spc="-100">
                 <a:solidFill>
                   <a:srgbClr val="FFFFFF"/>
                 </a:solidFill>
@@ -17310,7 +17292,7 @@
               <a:t>Hover</a:t>
             </a:r>
             <a:r>
-              <a:rPr lang="en-US" sz="5900" b="1" i="0" spc="-100" dirty="0">
+              <a:rPr lang="en-US" sz="5900" b="1" i="0" spc="-100">
                 <a:solidFill>
                   <a:srgbClr val="FFFFFF"/>
                 </a:solidFill>
@@ -17321,7 +17303,7 @@
               </a:rPr>
               <a:t> flight</a:t>
             </a:r>
-            <a:endParaRPr lang="en-US" sz="5900" spc="-100" dirty="0">
+            <a:endParaRPr lang="en-US" sz="5900" spc="-100">
               <a:solidFill>
                 <a:srgbClr val="FFFFFF"/>
               </a:solidFill>
@@ -17757,7 +17739,7 @@
               </a:spcAft>
             </a:pPr>
             <a:r>
-              <a:rPr lang="en-US" sz="5900" b="1" i="0" spc="-100" dirty="0">
+              <a:rPr lang="en-US" sz="5900" b="1" i="0" spc="-100">
                 <a:solidFill>
                   <a:srgbClr val="FFFFFF"/>
                 </a:solidFill>
@@ -17769,7 +17751,7 @@
               <a:t>Performance of </a:t>
             </a:r>
             <a:r>
-              <a:rPr lang="en-US" sz="5900" b="1" spc="-100" dirty="0">
+              <a:rPr lang="en-US" sz="5900" b="1" spc="-100">
                 <a:solidFill>
                   <a:srgbClr val="FFFFFF"/>
                 </a:solidFill>
@@ -17780,7 +17762,7 @@
               <a:t>Hover</a:t>
             </a:r>
             <a:r>
-              <a:rPr lang="en-US" sz="5900" b="1" i="0" spc="-100" dirty="0">
+              <a:rPr lang="en-US" sz="5900" b="1" i="0" spc="-100">
                 <a:solidFill>
                   <a:srgbClr val="FFFFFF"/>
                 </a:solidFill>
@@ -17791,7 +17773,7 @@
               </a:rPr>
               <a:t> flight</a:t>
             </a:r>
-            <a:endParaRPr lang="en-US" sz="5900" spc="-100" dirty="0">
+            <a:endParaRPr lang="en-US" sz="5900" spc="-100">
               <a:solidFill>
                 <a:srgbClr val="FFFFFF"/>
               </a:solidFill>
@@ -18205,7 +18187,7 @@
               </a:spcAft>
             </a:pPr>
             <a:r>
-              <a:rPr lang="en-US" sz="5900" b="1" i="0" spc="-100" dirty="0">
+              <a:rPr lang="en-US" sz="5900" b="1" i="0" spc="-100">
                 <a:solidFill>
                   <a:srgbClr val="FFFFFF"/>
                 </a:solidFill>
@@ -18217,7 +18199,7 @@
               <a:t>Performance of </a:t>
             </a:r>
             <a:r>
-              <a:rPr lang="en-US" sz="5900" b="1" spc="-100" dirty="0">
+              <a:rPr lang="en-US" sz="5900" b="1" spc="-100">
                 <a:solidFill>
                   <a:srgbClr val="FFFFFF"/>
                 </a:solidFill>
@@ -18228,7 +18210,7 @@
               <a:t>Hover</a:t>
             </a:r>
             <a:r>
-              <a:rPr lang="en-US" sz="5900" b="1" i="0" spc="-100" dirty="0">
+              <a:rPr lang="en-US" sz="5900" b="1" i="0" spc="-100">
                 <a:solidFill>
                   <a:srgbClr val="FFFFFF"/>
                 </a:solidFill>
@@ -18239,7 +18221,7 @@
               </a:rPr>
               <a:t> flight</a:t>
             </a:r>
-            <a:endParaRPr lang="en-US" sz="5900" spc="-100" dirty="0">
+            <a:endParaRPr lang="en-US" sz="5900" spc="-100">
               <a:solidFill>
                 <a:srgbClr val="FFFFFF"/>
               </a:solidFill>
@@ -18683,7 +18665,7 @@
               </a:spcAft>
             </a:pPr>
             <a:r>
-              <a:rPr lang="en-US" sz="5900" b="1" i="0" spc="-100" dirty="0">
+              <a:rPr lang="en-US" sz="5900" b="1" i="0" spc="-100">
                 <a:solidFill>
                   <a:srgbClr val="FFFFFF"/>
                 </a:solidFill>
@@ -18695,7 +18677,7 @@
               <a:t>Performance of </a:t>
             </a:r>
             <a:r>
-              <a:rPr lang="en-US" sz="5900" b="1" spc="-100" dirty="0">
+              <a:rPr lang="en-US" sz="5900" b="1" spc="-100">
                 <a:solidFill>
                   <a:srgbClr val="FFFFFF"/>
                 </a:solidFill>
@@ -18706,7 +18688,7 @@
               <a:t>Hover</a:t>
             </a:r>
             <a:r>
-              <a:rPr lang="en-US" sz="5900" b="1" i="0" spc="-100" dirty="0">
+              <a:rPr lang="en-US" sz="5900" b="1" i="0" spc="-100">
                 <a:solidFill>
                   <a:srgbClr val="FFFFFF"/>
                 </a:solidFill>
@@ -18717,7 +18699,7 @@
               </a:rPr>
               <a:t> flight</a:t>
             </a:r>
-            <a:endParaRPr lang="en-US" sz="5900" spc="-100" dirty="0">
+            <a:endParaRPr lang="en-US" sz="5900" spc="-100">
               <a:solidFill>
                 <a:srgbClr val="FFFFFF"/>
               </a:solidFill>
@@ -18847,7 +18829,7 @@
           <a:lstStyle/>
           <a:p>
             <a:r>
-              <a:rPr lang="en-IN" dirty="0"/>
+              <a:rPr lang="en-IN"/>
               <a:t>Modelled with Prandtl Tip Loss function</a:t>
             </a:r>
           </a:p>
@@ -19196,7 +19178,7 @@
               </a:spcAft>
             </a:pPr>
             <a:r>
-              <a:rPr lang="en-US" sz="5900" b="1" i="0" spc="-100" dirty="0">
+              <a:rPr lang="en-US" sz="5900" b="1" i="0" spc="-100">
                 <a:solidFill>
                   <a:srgbClr val="FFFFFF"/>
                 </a:solidFill>
@@ -19208,7 +19190,7 @@
               <a:t>Performance of </a:t>
             </a:r>
             <a:r>
-              <a:rPr lang="en-US" sz="5900" b="1" spc="-100" dirty="0">
+              <a:rPr lang="en-US" sz="5900" b="1" spc="-100">
                 <a:solidFill>
                   <a:srgbClr val="FFFFFF"/>
                 </a:solidFill>
@@ -19219,7 +19201,7 @@
               <a:t>Cruise</a:t>
             </a:r>
             <a:r>
-              <a:rPr lang="en-US" sz="5900" b="1" i="0" spc="-100" dirty="0">
+              <a:rPr lang="en-US" sz="5900" b="1" i="0" spc="-100">
                 <a:solidFill>
                   <a:srgbClr val="FFFFFF"/>
                 </a:solidFill>
@@ -19230,7 +19212,7 @@
               </a:rPr>
               <a:t> flight</a:t>
             </a:r>
-            <a:endParaRPr lang="en-US" sz="5900" spc="-100" dirty="0">
+            <a:endParaRPr lang="en-US" sz="5900" spc="-100">
               <a:solidFill>
                 <a:srgbClr val="FFFFFF"/>
               </a:solidFill>
@@ -19666,7 +19648,7 @@
               </a:spcAft>
             </a:pPr>
             <a:r>
-              <a:rPr lang="en-US" sz="5900" b="1" i="0" spc="-100" dirty="0">
+              <a:rPr lang="en-US" sz="5900" b="1" i="0" spc="-100">
                 <a:solidFill>
                   <a:srgbClr val="FFFFFF"/>
                 </a:solidFill>
@@ -19677,7 +19659,7 @@
               </a:rPr>
               <a:t>Performance of cruise flight</a:t>
             </a:r>
-            <a:endParaRPr lang="en-US" sz="5900" spc="-100" dirty="0">
+            <a:endParaRPr lang="en-US" sz="5900" spc="-100">
               <a:solidFill>
                 <a:srgbClr val="FFFFFF"/>
               </a:solidFill>
@@ -19868,7 +19850,7 @@
           <a:p>
             <a:pPr algn="ctr"/>
             <a:r>
-              <a:rPr lang="en-US" sz="3200" b="0" cap="none" spc="0" dirty="0">
+              <a:rPr lang="en-US" sz="3200" b="0" cap="none" spc="0">
                 <a:ln w="0"/>
                 <a:solidFill>
                   <a:schemeClr val="tx1"/>
@@ -19884,7 +19866,7 @@
               <a:t>Momentum The</a:t>
             </a:r>
             <a:r>
-              <a:rPr lang="en-US" sz="3200" dirty="0">
+              <a:rPr lang="en-US" sz="3200">
                 <a:ln w="0"/>
                 <a:effectLst>
                   <a:outerShdw blurRad="38100" dist="19050" dir="2700000" algn="tl" rotWithShape="0">
@@ -19896,7 +19878,7 @@
               </a:rPr>
               <a:t>ory</a:t>
             </a:r>
-            <a:endParaRPr lang="en-US" sz="3200" b="0" cap="none" spc="0" dirty="0">
+            <a:endParaRPr lang="en-US" sz="3200" b="0" cap="none" spc="0">
               <a:ln w="0"/>
               <a:solidFill>
                 <a:schemeClr val="tx1"/>
@@ -20345,7 +20327,7 @@
               </a:spcAft>
             </a:pPr>
             <a:r>
-              <a:rPr lang="en-US" sz="5900" b="1" i="0" spc="-100" dirty="0">
+              <a:rPr lang="en-US" sz="5900" b="1" i="0" spc="-100">
                 <a:solidFill>
                   <a:srgbClr val="FFFFFF"/>
                 </a:solidFill>
@@ -20356,7 +20338,7 @@
               </a:rPr>
               <a:t>Performance of cruise flight</a:t>
             </a:r>
-            <a:endParaRPr lang="en-US" sz="5900" spc="-100" dirty="0">
+            <a:endParaRPr lang="en-US" sz="5900" spc="-100">
               <a:solidFill>
                 <a:srgbClr val="FFFFFF"/>
               </a:solidFill>
@@ -20457,7 +20439,7 @@
           <a:p>
             <a:pPr algn="ctr"/>
             <a:r>
-              <a:rPr lang="en-US" sz="3200" b="0" cap="none" spc="0" dirty="0">
+              <a:rPr lang="en-US" sz="3200" b="0" cap="none" spc="0">
                 <a:ln w="0"/>
                 <a:solidFill>
                   <a:schemeClr val="tx1"/>
